--- a/resources/how to.pptx
+++ b/resources/how to.pptx
@@ -2,11 +2,16 @@
 <file path=ppt/presentation.xml><?xml version="1.0" encoding="utf-8"?>
 <p:presentation xmlns:a="http://schemas.openxmlformats.org/drawingml/2006/main" xmlns:r="http://schemas.openxmlformats.org/officeDocument/2006/relationships" xmlns:p="http://schemas.openxmlformats.org/presentationml/2006/main" saveSubsetFonts="1" autoCompressPictures="0">
   <p:sldMasterIdLst>
-    <p:sldMasterId id="2147483660" r:id="rId1"/>
+    <p:sldMasterId id="2147483672" r:id="rId1"/>
   </p:sldMasterIdLst>
+  <p:notesMasterIdLst>
+    <p:notesMasterId r:id="rId6"/>
+  </p:notesMasterIdLst>
   <p:sldIdLst>
     <p:sldId id="256" r:id="rId2"/>
-    <p:sldId id="257" r:id="rId3"/>
+    <p:sldId id="258" r:id="rId3"/>
+    <p:sldId id="257" r:id="rId4"/>
+    <p:sldId id="259" r:id="rId5"/>
   </p:sldIdLst>
   <p:sldSz cx="9528175" cy="5715000"/>
   <p:notesSz cx="6858000" cy="9144000"/>
@@ -108,6 +113,507 @@
 </p:presentation>
 </file>
 
+<file path=ppt/notesMasters/notesMaster1.xml><?xml version="1.0" encoding="utf-8"?>
+<p:notesMaster xmlns:a="http://schemas.openxmlformats.org/drawingml/2006/main" xmlns:r="http://schemas.openxmlformats.org/officeDocument/2006/relationships" xmlns:p="http://schemas.openxmlformats.org/presentationml/2006/main">
+  <p:cSld>
+    <p:bg>
+      <p:bgRef idx="1001">
+        <a:schemeClr val="bg1"/>
+      </p:bgRef>
+    </p:bg>
+    <p:spTree>
+      <p:nvGrpSpPr>
+        <p:cNvPr id="1" name=""/>
+        <p:cNvGrpSpPr/>
+        <p:nvPr/>
+      </p:nvGrpSpPr>
+      <p:grpSpPr>
+        <a:xfrm>
+          <a:off x="0" y="0"/>
+          <a:ext cx="0" cy="0"/>
+          <a:chOff x="0" y="0"/>
+          <a:chExt cx="0" cy="0"/>
+        </a:xfrm>
+      </p:grpSpPr>
+      <p:sp>
+        <p:nvSpPr>
+          <p:cNvPr id="2" name="Header Placeholder 1"/>
+          <p:cNvSpPr>
+            <a:spLocks noGrp="1"/>
+          </p:cNvSpPr>
+          <p:nvPr>
+            <p:ph type="hdr" sz="quarter"/>
+          </p:nvPr>
+        </p:nvSpPr>
+        <p:spPr>
+          <a:xfrm>
+            <a:off x="0" y="0"/>
+            <a:ext cx="2971800" cy="457200"/>
+          </a:xfrm>
+          <a:prstGeom prst="rect">
+            <a:avLst/>
+          </a:prstGeom>
+        </p:spPr>
+        <p:txBody>
+          <a:bodyPr vert="horz" lIns="91440" tIns="45720" rIns="91440" bIns="45720" rtlCol="0"/>
+          <a:lstStyle>
+            <a:lvl1pPr algn="l">
+              <a:defRPr sz="1200"/>
+            </a:lvl1pPr>
+          </a:lstStyle>
+          <a:p>
+            <a:endParaRPr lang="en-US"/>
+          </a:p>
+        </p:txBody>
+      </p:sp>
+      <p:sp>
+        <p:nvSpPr>
+          <p:cNvPr id="3" name="Date Placeholder 2"/>
+          <p:cNvSpPr>
+            <a:spLocks noGrp="1"/>
+          </p:cNvSpPr>
+          <p:nvPr>
+            <p:ph type="dt" idx="1"/>
+          </p:nvPr>
+        </p:nvSpPr>
+        <p:spPr>
+          <a:xfrm>
+            <a:off x="3884613" y="0"/>
+            <a:ext cx="2971800" cy="457200"/>
+          </a:xfrm>
+          <a:prstGeom prst="rect">
+            <a:avLst/>
+          </a:prstGeom>
+        </p:spPr>
+        <p:txBody>
+          <a:bodyPr vert="horz" lIns="91440" tIns="45720" rIns="91440" bIns="45720" rtlCol="0"/>
+          <a:lstStyle>
+            <a:lvl1pPr algn="r">
+              <a:defRPr sz="1200"/>
+            </a:lvl1pPr>
+          </a:lstStyle>
+          <a:p>
+            <a:fld id="{F006E9B4-BA61-2A4C-BC78-D1E8B3DCAF2C}" type="datetimeFigureOut">
+              <a:rPr lang="en-US" smtClean="0"/>
+              <a:t>27/07/18</a:t>
+            </a:fld>
+            <a:endParaRPr lang="en-US"/>
+          </a:p>
+        </p:txBody>
+      </p:sp>
+      <p:sp>
+        <p:nvSpPr>
+          <p:cNvPr id="4" name="Slide Image Placeholder 3"/>
+          <p:cNvSpPr>
+            <a:spLocks noGrp="1" noRot="1" noChangeAspect="1"/>
+          </p:cNvSpPr>
+          <p:nvPr>
+            <p:ph type="sldImg" idx="2"/>
+          </p:nvPr>
+        </p:nvSpPr>
+        <p:spPr>
+          <a:xfrm>
+            <a:off x="571500" y="685800"/>
+            <a:ext cx="5715000" cy="3429000"/>
+          </a:xfrm>
+          <a:prstGeom prst="rect">
+            <a:avLst/>
+          </a:prstGeom>
+          <a:noFill/>
+          <a:ln w="12700">
+            <a:solidFill>
+              <a:prstClr val="black"/>
+            </a:solidFill>
+          </a:ln>
+        </p:spPr>
+        <p:txBody>
+          <a:bodyPr vert="horz" lIns="91440" tIns="45720" rIns="91440" bIns="45720" rtlCol="0" anchor="ctr"/>
+          <a:lstStyle/>
+          <a:p>
+            <a:endParaRPr lang="en-US"/>
+          </a:p>
+        </p:txBody>
+      </p:sp>
+      <p:sp>
+        <p:nvSpPr>
+          <p:cNvPr id="5" name="Notes Placeholder 4"/>
+          <p:cNvSpPr>
+            <a:spLocks noGrp="1"/>
+          </p:cNvSpPr>
+          <p:nvPr>
+            <p:ph type="body" sz="quarter" idx="3"/>
+          </p:nvPr>
+        </p:nvSpPr>
+        <p:spPr>
+          <a:xfrm>
+            <a:off x="685800" y="4343400"/>
+            <a:ext cx="5486400" cy="4114800"/>
+          </a:xfrm>
+          <a:prstGeom prst="rect">
+            <a:avLst/>
+          </a:prstGeom>
+        </p:spPr>
+        <p:txBody>
+          <a:bodyPr vert="horz" lIns="91440" tIns="45720" rIns="91440" bIns="45720" rtlCol="0"/>
+          <a:lstStyle/>
+          <a:p>
+            <a:pPr lvl="0"/>
+            <a:r>
+              <a:rPr lang="en-AU" smtClean="0"/>
+              <a:t>Click to edit Master text styles</a:t>
+            </a:r>
+          </a:p>
+          <a:p>
+            <a:pPr lvl="1"/>
+            <a:r>
+              <a:rPr lang="en-AU" smtClean="0"/>
+              <a:t>Second level</a:t>
+            </a:r>
+          </a:p>
+          <a:p>
+            <a:pPr lvl="2"/>
+            <a:r>
+              <a:rPr lang="en-AU" smtClean="0"/>
+              <a:t>Third level</a:t>
+            </a:r>
+          </a:p>
+          <a:p>
+            <a:pPr lvl="3"/>
+            <a:r>
+              <a:rPr lang="en-AU" smtClean="0"/>
+              <a:t>Fourth level</a:t>
+            </a:r>
+          </a:p>
+          <a:p>
+            <a:pPr lvl="4"/>
+            <a:r>
+              <a:rPr lang="en-AU" smtClean="0"/>
+              <a:t>Fifth level</a:t>
+            </a:r>
+            <a:endParaRPr lang="en-US"/>
+          </a:p>
+        </p:txBody>
+      </p:sp>
+      <p:sp>
+        <p:nvSpPr>
+          <p:cNvPr id="6" name="Footer Placeholder 5"/>
+          <p:cNvSpPr>
+            <a:spLocks noGrp="1"/>
+          </p:cNvSpPr>
+          <p:nvPr>
+            <p:ph type="ftr" sz="quarter" idx="4"/>
+          </p:nvPr>
+        </p:nvSpPr>
+        <p:spPr>
+          <a:xfrm>
+            <a:off x="0" y="8685213"/>
+            <a:ext cx="2971800" cy="457200"/>
+          </a:xfrm>
+          <a:prstGeom prst="rect">
+            <a:avLst/>
+          </a:prstGeom>
+        </p:spPr>
+        <p:txBody>
+          <a:bodyPr vert="horz" lIns="91440" tIns="45720" rIns="91440" bIns="45720" rtlCol="0" anchor="b"/>
+          <a:lstStyle>
+            <a:lvl1pPr algn="l">
+              <a:defRPr sz="1200"/>
+            </a:lvl1pPr>
+          </a:lstStyle>
+          <a:p>
+            <a:endParaRPr lang="en-US"/>
+          </a:p>
+        </p:txBody>
+      </p:sp>
+      <p:sp>
+        <p:nvSpPr>
+          <p:cNvPr id="7" name="Slide Number Placeholder 6"/>
+          <p:cNvSpPr>
+            <a:spLocks noGrp="1"/>
+          </p:cNvSpPr>
+          <p:nvPr>
+            <p:ph type="sldNum" sz="quarter" idx="5"/>
+          </p:nvPr>
+        </p:nvSpPr>
+        <p:spPr>
+          <a:xfrm>
+            <a:off x="3884613" y="8685213"/>
+            <a:ext cx="2971800" cy="457200"/>
+          </a:xfrm>
+          <a:prstGeom prst="rect">
+            <a:avLst/>
+          </a:prstGeom>
+        </p:spPr>
+        <p:txBody>
+          <a:bodyPr vert="horz" lIns="91440" tIns="45720" rIns="91440" bIns="45720" rtlCol="0" anchor="b"/>
+          <a:lstStyle>
+            <a:lvl1pPr algn="r">
+              <a:defRPr sz="1200"/>
+            </a:lvl1pPr>
+          </a:lstStyle>
+          <a:p>
+            <a:fld id="{00E5C777-6D2F-E647-AC6C-D87F8A9EEAB3}" type="slidenum">
+              <a:rPr lang="en-US" smtClean="0"/>
+              <a:t>‹#›</a:t>
+            </a:fld>
+            <a:endParaRPr lang="en-US"/>
+          </a:p>
+        </p:txBody>
+      </p:sp>
+    </p:spTree>
+    <p:extLst>
+      <p:ext uri="{BB962C8B-B14F-4D97-AF65-F5344CB8AC3E}">
+        <p14:creationId xmlns:p14="http://schemas.microsoft.com/office/powerpoint/2010/main" val="259563135"/>
+      </p:ext>
+    </p:extLst>
+  </p:cSld>
+  <p:clrMap bg1="lt1" tx1="dk1" bg2="lt2" tx2="dk2" accent1="accent1" accent2="accent2" accent3="accent3" accent4="accent4" accent5="accent5" accent6="accent6" hlink="hlink" folHlink="folHlink"/>
+  <p:notesStyle>
+    <a:lvl1pPr marL="0" algn="l" defTabSz="457200" rtl="0" eaLnBrk="1" latinLnBrk="0" hangingPunct="1">
+      <a:defRPr sz="1200" kern="1200">
+        <a:solidFill>
+          <a:schemeClr val="tx1"/>
+        </a:solidFill>
+        <a:latin typeface="+mn-lt"/>
+        <a:ea typeface="+mn-ea"/>
+        <a:cs typeface="+mn-cs"/>
+      </a:defRPr>
+    </a:lvl1pPr>
+    <a:lvl2pPr marL="457200" algn="l" defTabSz="457200" rtl="0" eaLnBrk="1" latinLnBrk="0" hangingPunct="1">
+      <a:defRPr sz="1200" kern="1200">
+        <a:solidFill>
+          <a:schemeClr val="tx1"/>
+        </a:solidFill>
+        <a:latin typeface="+mn-lt"/>
+        <a:ea typeface="+mn-ea"/>
+        <a:cs typeface="+mn-cs"/>
+      </a:defRPr>
+    </a:lvl2pPr>
+    <a:lvl3pPr marL="914400" algn="l" defTabSz="457200" rtl="0" eaLnBrk="1" latinLnBrk="0" hangingPunct="1">
+      <a:defRPr sz="1200" kern="1200">
+        <a:solidFill>
+          <a:schemeClr val="tx1"/>
+        </a:solidFill>
+        <a:latin typeface="+mn-lt"/>
+        <a:ea typeface="+mn-ea"/>
+        <a:cs typeface="+mn-cs"/>
+      </a:defRPr>
+    </a:lvl3pPr>
+    <a:lvl4pPr marL="1371600" algn="l" defTabSz="457200" rtl="0" eaLnBrk="1" latinLnBrk="0" hangingPunct="1">
+      <a:defRPr sz="1200" kern="1200">
+        <a:solidFill>
+          <a:schemeClr val="tx1"/>
+        </a:solidFill>
+        <a:latin typeface="+mn-lt"/>
+        <a:ea typeface="+mn-ea"/>
+        <a:cs typeface="+mn-cs"/>
+      </a:defRPr>
+    </a:lvl4pPr>
+    <a:lvl5pPr marL="1828800" algn="l" defTabSz="457200" rtl="0" eaLnBrk="1" latinLnBrk="0" hangingPunct="1">
+      <a:defRPr sz="1200" kern="1200">
+        <a:solidFill>
+          <a:schemeClr val="tx1"/>
+        </a:solidFill>
+        <a:latin typeface="+mn-lt"/>
+        <a:ea typeface="+mn-ea"/>
+        <a:cs typeface="+mn-cs"/>
+      </a:defRPr>
+    </a:lvl5pPr>
+    <a:lvl6pPr marL="2286000" algn="l" defTabSz="457200" rtl="0" eaLnBrk="1" latinLnBrk="0" hangingPunct="1">
+      <a:defRPr sz="1200" kern="1200">
+        <a:solidFill>
+          <a:schemeClr val="tx1"/>
+        </a:solidFill>
+        <a:latin typeface="+mn-lt"/>
+        <a:ea typeface="+mn-ea"/>
+        <a:cs typeface="+mn-cs"/>
+      </a:defRPr>
+    </a:lvl6pPr>
+    <a:lvl7pPr marL="2743200" algn="l" defTabSz="457200" rtl="0" eaLnBrk="1" latinLnBrk="0" hangingPunct="1">
+      <a:defRPr sz="1200" kern="1200">
+        <a:solidFill>
+          <a:schemeClr val="tx1"/>
+        </a:solidFill>
+        <a:latin typeface="+mn-lt"/>
+        <a:ea typeface="+mn-ea"/>
+        <a:cs typeface="+mn-cs"/>
+      </a:defRPr>
+    </a:lvl7pPr>
+    <a:lvl8pPr marL="3200400" algn="l" defTabSz="457200" rtl="0" eaLnBrk="1" latinLnBrk="0" hangingPunct="1">
+      <a:defRPr sz="1200" kern="1200">
+        <a:solidFill>
+          <a:schemeClr val="tx1"/>
+        </a:solidFill>
+        <a:latin typeface="+mn-lt"/>
+        <a:ea typeface="+mn-ea"/>
+        <a:cs typeface="+mn-cs"/>
+      </a:defRPr>
+    </a:lvl8pPr>
+    <a:lvl9pPr marL="3657600" algn="l" defTabSz="457200" rtl="0" eaLnBrk="1" latinLnBrk="0" hangingPunct="1">
+      <a:defRPr sz="1200" kern="1200">
+        <a:solidFill>
+          <a:schemeClr val="tx1"/>
+        </a:solidFill>
+        <a:latin typeface="+mn-lt"/>
+        <a:ea typeface="+mn-ea"/>
+        <a:cs typeface="+mn-cs"/>
+      </a:defRPr>
+    </a:lvl9pPr>
+  </p:notesStyle>
+</p:notesMaster>
+</file>
+
+<file path=ppt/notesSlides/notesSlide1.xml><?xml version="1.0" encoding="utf-8"?>
+<p:notes xmlns:a="http://schemas.openxmlformats.org/drawingml/2006/main" xmlns:r="http://schemas.openxmlformats.org/officeDocument/2006/relationships" xmlns:p="http://schemas.openxmlformats.org/presentationml/2006/main">
+  <p:cSld>
+    <p:spTree>
+      <p:nvGrpSpPr>
+        <p:cNvPr id="1" name=""/>
+        <p:cNvGrpSpPr/>
+        <p:nvPr/>
+      </p:nvGrpSpPr>
+      <p:grpSpPr>
+        <a:xfrm>
+          <a:off x="0" y="0"/>
+          <a:ext cx="0" cy="0"/>
+          <a:chOff x="0" y="0"/>
+          <a:chExt cx="0" cy="0"/>
+        </a:xfrm>
+      </p:grpSpPr>
+      <p:sp>
+        <p:nvSpPr>
+          <p:cNvPr id="2" name="Slide Image Placeholder 1"/>
+          <p:cNvSpPr>
+            <a:spLocks noGrp="1" noRot="1" noChangeAspect="1"/>
+          </p:cNvSpPr>
+          <p:nvPr>
+            <p:ph type="sldImg"/>
+          </p:nvPr>
+        </p:nvSpPr>
+        <p:spPr/>
+      </p:sp>
+      <p:sp>
+        <p:nvSpPr>
+          <p:cNvPr id="3" name="Notes Placeholder 2"/>
+          <p:cNvSpPr>
+            <a:spLocks noGrp="1"/>
+          </p:cNvSpPr>
+          <p:nvPr>
+            <p:ph type="body" idx="1"/>
+          </p:nvPr>
+        </p:nvSpPr>
+        <p:spPr/>
+        <p:txBody>
+          <a:bodyPr/>
+          <a:lstStyle/>
+          <a:p>
+            <a:r>
+              <a:rPr lang="en-US" dirty="0" smtClean="0"/>
+              <a:t>storyline</a:t>
+            </a:r>
+          </a:p>
+          <a:p>
+            <a:r>
+              <a:rPr lang="en-US" dirty="0" err="1" smtClean="0"/>
+              <a:t>dr</a:t>
+            </a:r>
+            <a:r>
+              <a:rPr lang="en-US" dirty="0" smtClean="0"/>
+              <a:t> </a:t>
+            </a:r>
+            <a:r>
+              <a:rPr lang="en-US" dirty="0" err="1" smtClean="0"/>
+              <a:t>darwin</a:t>
+            </a:r>
+            <a:endParaRPr lang="en-US" dirty="0" smtClean="0"/>
+          </a:p>
+          <a:p>
+            <a:endParaRPr lang="en-US" dirty="0" smtClean="0"/>
+          </a:p>
+          <a:p>
+            <a:r>
+              <a:rPr lang="en-US" dirty="0" smtClean="0"/>
+              <a:t>the creatures </a:t>
+            </a:r>
+          </a:p>
+          <a:p>
+            <a:r>
+              <a:rPr lang="en-US" dirty="0" smtClean="0"/>
+              <a:t>how they evolve</a:t>
+            </a:r>
+          </a:p>
+          <a:p>
+            <a:endParaRPr lang="en-US" dirty="0" smtClean="0"/>
+          </a:p>
+          <a:p>
+            <a:r>
+              <a:rPr lang="en-US" dirty="0" smtClean="0"/>
+              <a:t>use</a:t>
+            </a:r>
+            <a:r>
+              <a:rPr lang="en-US" baseline="0" dirty="0" smtClean="0"/>
+              <a:t> arrow keys to move and spacebar to shoot</a:t>
+            </a:r>
+          </a:p>
+          <a:p>
+            <a:r>
+              <a:rPr lang="en-US" baseline="0" dirty="0" smtClean="0"/>
+              <a:t>shooting decreases your health</a:t>
+            </a:r>
+          </a:p>
+          <a:p>
+            <a:r>
+              <a:rPr lang="en-US" baseline="0" dirty="0" smtClean="0"/>
+              <a:t>going into the wall decreases your health</a:t>
+            </a:r>
+          </a:p>
+          <a:p>
+            <a:r>
+              <a:rPr lang="en-US" baseline="0" dirty="0" smtClean="0"/>
+              <a:t>the creatures eating you decreases your health</a:t>
+            </a:r>
+          </a:p>
+          <a:p>
+            <a:endParaRPr lang="en-US" dirty="0" smtClean="0"/>
+          </a:p>
+        </p:txBody>
+      </p:sp>
+      <p:sp>
+        <p:nvSpPr>
+          <p:cNvPr id="4" name="Slide Number Placeholder 3"/>
+          <p:cNvSpPr>
+            <a:spLocks noGrp="1"/>
+          </p:cNvSpPr>
+          <p:nvPr>
+            <p:ph type="sldNum" sz="quarter" idx="10"/>
+          </p:nvPr>
+        </p:nvSpPr>
+        <p:spPr/>
+        <p:txBody>
+          <a:bodyPr/>
+          <a:lstStyle/>
+          <a:p>
+            <a:fld id="{00E5C777-6D2F-E647-AC6C-D87F8A9EEAB3}" type="slidenum">
+              <a:rPr lang="en-US" smtClean="0"/>
+              <a:t>1</a:t>
+            </a:fld>
+            <a:endParaRPr lang="en-US"/>
+          </a:p>
+        </p:txBody>
+      </p:sp>
+    </p:spTree>
+    <p:extLst>
+      <p:ext uri="{BB962C8B-B14F-4D97-AF65-F5344CB8AC3E}">
+        <p14:creationId xmlns:p14="http://schemas.microsoft.com/office/powerpoint/2010/main" val="3631467729"/>
+      </p:ext>
+    </p:extLst>
+  </p:cSld>
+  <p:clrMapOvr>
+    <a:masterClrMapping/>
+  </p:clrMapOvr>
+</p:notes>
+</file>
+
 <file path=ppt/slideLayouts/slideLayout1.xml><?xml version="1.0" encoding="utf-8"?>
 <p:sldLayout xmlns:a="http://schemas.openxmlformats.org/drawingml/2006/main" xmlns:r="http://schemas.openxmlformats.org/officeDocument/2006/relationships" xmlns:p="http://schemas.openxmlformats.org/presentationml/2006/main" type="title" preserve="1">
   <p:cSld name="Title Slide">
@@ -289,7 +795,7 @@
           <a:p>
             <a:fld id="{A75C9821-D6E9-674A-904E-2F9D6E55AA59}" type="datetimeFigureOut">
               <a:rPr lang="en-US" smtClean="0"/>
-              <a:t>23/07/18</a:t>
+              <a:t>26/07/18</a:t>
             </a:fld>
             <a:endParaRPr lang="en-US"/>
           </a:p>
@@ -340,7 +846,7 @@
     </p:spTree>
     <p:extLst>
       <p:ext uri="{BB962C8B-B14F-4D97-AF65-F5344CB8AC3E}">
-        <p14:creationId xmlns:p14="http://schemas.microsoft.com/office/powerpoint/2010/main" val="2702019936"/>
+        <p14:creationId xmlns:p14="http://schemas.microsoft.com/office/powerpoint/2010/main" val="4001463933"/>
       </p:ext>
     </p:extLst>
   </p:cSld>
@@ -459,7 +965,7 @@
           <a:p>
             <a:fld id="{A75C9821-D6E9-674A-904E-2F9D6E55AA59}" type="datetimeFigureOut">
               <a:rPr lang="en-US" smtClean="0"/>
-              <a:t>23/07/18</a:t>
+              <a:t>26/07/18</a:t>
             </a:fld>
             <a:endParaRPr lang="en-US"/>
           </a:p>
@@ -510,7 +1016,7 @@
     </p:spTree>
     <p:extLst>
       <p:ext uri="{BB962C8B-B14F-4D97-AF65-F5344CB8AC3E}">
-        <p14:creationId xmlns:p14="http://schemas.microsoft.com/office/powerpoint/2010/main" val="2949498235"/>
+        <p14:creationId xmlns:p14="http://schemas.microsoft.com/office/powerpoint/2010/main" val="4062160604"/>
       </p:ext>
     </p:extLst>
   </p:cSld>
@@ -639,7 +1145,7 @@
           <a:p>
             <a:fld id="{A75C9821-D6E9-674A-904E-2F9D6E55AA59}" type="datetimeFigureOut">
               <a:rPr lang="en-US" smtClean="0"/>
-              <a:t>23/07/18</a:t>
+              <a:t>26/07/18</a:t>
             </a:fld>
             <a:endParaRPr lang="en-US"/>
           </a:p>
@@ -690,7 +1196,7 @@
     </p:spTree>
     <p:extLst>
       <p:ext uri="{BB962C8B-B14F-4D97-AF65-F5344CB8AC3E}">
-        <p14:creationId xmlns:p14="http://schemas.microsoft.com/office/powerpoint/2010/main" val="1427941222"/>
+        <p14:creationId xmlns:p14="http://schemas.microsoft.com/office/powerpoint/2010/main" val="841344989"/>
       </p:ext>
     </p:extLst>
   </p:cSld>
@@ -809,7 +1315,7 @@
           <a:p>
             <a:fld id="{A75C9821-D6E9-674A-904E-2F9D6E55AA59}" type="datetimeFigureOut">
               <a:rPr lang="en-US" smtClean="0"/>
-              <a:t>23/07/18</a:t>
+              <a:t>26/07/18</a:t>
             </a:fld>
             <a:endParaRPr lang="en-US"/>
           </a:p>
@@ -860,7 +1366,7 @@
     </p:spTree>
     <p:extLst>
       <p:ext uri="{BB962C8B-B14F-4D97-AF65-F5344CB8AC3E}">
-        <p14:creationId xmlns:p14="http://schemas.microsoft.com/office/powerpoint/2010/main" val="2275933374"/>
+        <p14:creationId xmlns:p14="http://schemas.microsoft.com/office/powerpoint/2010/main" val="3705768460"/>
       </p:ext>
     </p:extLst>
   </p:cSld>
@@ -1055,7 +1561,7 @@
           <a:p>
             <a:fld id="{A75C9821-D6E9-674A-904E-2F9D6E55AA59}" type="datetimeFigureOut">
               <a:rPr lang="en-US" smtClean="0"/>
-              <a:t>23/07/18</a:t>
+              <a:t>26/07/18</a:t>
             </a:fld>
             <a:endParaRPr lang="en-US"/>
           </a:p>
@@ -1106,7 +1612,7 @@
     </p:spTree>
     <p:extLst>
       <p:ext uri="{BB962C8B-B14F-4D97-AF65-F5344CB8AC3E}">
-        <p14:creationId xmlns:p14="http://schemas.microsoft.com/office/powerpoint/2010/main" val="1798952600"/>
+        <p14:creationId xmlns:p14="http://schemas.microsoft.com/office/powerpoint/2010/main" val="1350098706"/>
       </p:ext>
     </p:extLst>
   </p:cSld>
@@ -1343,7 +1849,7 @@
           <a:p>
             <a:fld id="{A75C9821-D6E9-674A-904E-2F9D6E55AA59}" type="datetimeFigureOut">
               <a:rPr lang="en-US" smtClean="0"/>
-              <a:t>23/07/18</a:t>
+              <a:t>26/07/18</a:t>
             </a:fld>
             <a:endParaRPr lang="en-US"/>
           </a:p>
@@ -1394,7 +1900,7 @@
     </p:spTree>
     <p:extLst>
       <p:ext uri="{BB962C8B-B14F-4D97-AF65-F5344CB8AC3E}">
-        <p14:creationId xmlns:p14="http://schemas.microsoft.com/office/powerpoint/2010/main" val="1034301619"/>
+        <p14:creationId xmlns:p14="http://schemas.microsoft.com/office/powerpoint/2010/main" val="337547128"/>
       </p:ext>
     </p:extLst>
   </p:cSld>
@@ -1765,7 +2271,7 @@
           <a:p>
             <a:fld id="{A75C9821-D6E9-674A-904E-2F9D6E55AA59}" type="datetimeFigureOut">
               <a:rPr lang="en-US" smtClean="0"/>
-              <a:t>23/07/18</a:t>
+              <a:t>26/07/18</a:t>
             </a:fld>
             <a:endParaRPr lang="en-US"/>
           </a:p>
@@ -1816,7 +2322,7 @@
     </p:spTree>
     <p:extLst>
       <p:ext uri="{BB962C8B-B14F-4D97-AF65-F5344CB8AC3E}">
-        <p14:creationId xmlns:p14="http://schemas.microsoft.com/office/powerpoint/2010/main" val="1417940929"/>
+        <p14:creationId xmlns:p14="http://schemas.microsoft.com/office/powerpoint/2010/main" val="1292038217"/>
       </p:ext>
     </p:extLst>
   </p:cSld>
@@ -1883,7 +2389,7 @@
           <a:p>
             <a:fld id="{A75C9821-D6E9-674A-904E-2F9D6E55AA59}" type="datetimeFigureOut">
               <a:rPr lang="en-US" smtClean="0"/>
-              <a:t>23/07/18</a:t>
+              <a:t>26/07/18</a:t>
             </a:fld>
             <a:endParaRPr lang="en-US"/>
           </a:p>
@@ -1934,7 +2440,7 @@
     </p:spTree>
     <p:extLst>
       <p:ext uri="{BB962C8B-B14F-4D97-AF65-F5344CB8AC3E}">
-        <p14:creationId xmlns:p14="http://schemas.microsoft.com/office/powerpoint/2010/main" val="656067729"/>
+        <p14:creationId xmlns:p14="http://schemas.microsoft.com/office/powerpoint/2010/main" val="999793255"/>
       </p:ext>
     </p:extLst>
   </p:cSld>
@@ -1978,7 +2484,7 @@
           <a:p>
             <a:fld id="{A75C9821-D6E9-674A-904E-2F9D6E55AA59}" type="datetimeFigureOut">
               <a:rPr lang="en-US" smtClean="0"/>
-              <a:t>23/07/18</a:t>
+              <a:t>26/07/18</a:t>
             </a:fld>
             <a:endParaRPr lang="en-US"/>
           </a:p>
@@ -2029,7 +2535,7 @@
     </p:spTree>
     <p:extLst>
       <p:ext uri="{BB962C8B-B14F-4D97-AF65-F5344CB8AC3E}">
-        <p14:creationId xmlns:p14="http://schemas.microsoft.com/office/powerpoint/2010/main" val="1249128790"/>
+        <p14:creationId xmlns:p14="http://schemas.microsoft.com/office/powerpoint/2010/main" val="2622201402"/>
       </p:ext>
     </p:extLst>
   </p:cSld>
@@ -2255,7 +2761,7 @@
           <a:p>
             <a:fld id="{A75C9821-D6E9-674A-904E-2F9D6E55AA59}" type="datetimeFigureOut">
               <a:rPr lang="en-US" smtClean="0"/>
-              <a:t>23/07/18</a:t>
+              <a:t>26/07/18</a:t>
             </a:fld>
             <a:endParaRPr lang="en-US"/>
           </a:p>
@@ -2306,7 +2812,7 @@
     </p:spTree>
     <p:extLst>
       <p:ext uri="{BB962C8B-B14F-4D97-AF65-F5344CB8AC3E}">
-        <p14:creationId xmlns:p14="http://schemas.microsoft.com/office/powerpoint/2010/main" val="2730116199"/>
+        <p14:creationId xmlns:p14="http://schemas.microsoft.com/office/powerpoint/2010/main" val="1089981929"/>
       </p:ext>
     </p:extLst>
   </p:cSld>
@@ -2422,10 +2928,6 @@
             </a:lvl9pPr>
           </a:lstStyle>
           <a:p>
-            <a:r>
-              <a:rPr lang="en-AU" smtClean="0"/>
-              <a:t>Drag picture to placeholder or click icon to add</a:t>
-            </a:r>
             <a:endParaRPr lang="en-US"/>
           </a:p>
         </p:txBody>
@@ -2512,7 +3014,7 @@
           <a:p>
             <a:fld id="{A75C9821-D6E9-674A-904E-2F9D6E55AA59}" type="datetimeFigureOut">
               <a:rPr lang="en-US" smtClean="0"/>
-              <a:t>23/07/18</a:t>
+              <a:t>26/07/18</a:t>
             </a:fld>
             <a:endParaRPr lang="en-US"/>
           </a:p>
@@ -2563,7 +3065,7 @@
     </p:spTree>
     <p:extLst>
       <p:ext uri="{BB962C8B-B14F-4D97-AF65-F5344CB8AC3E}">
-        <p14:creationId xmlns:p14="http://schemas.microsoft.com/office/powerpoint/2010/main" val="506574558"/>
+        <p14:creationId xmlns:p14="http://schemas.microsoft.com/office/powerpoint/2010/main" val="892835216"/>
       </p:ext>
     </p:extLst>
   </p:cSld>
@@ -2725,7 +3227,7 @@
           <a:p>
             <a:fld id="{A75C9821-D6E9-674A-904E-2F9D6E55AA59}" type="datetimeFigureOut">
               <a:rPr lang="en-US" smtClean="0"/>
-              <a:t>23/07/18</a:t>
+              <a:t>26/07/18</a:t>
             </a:fld>
             <a:endParaRPr lang="en-US"/>
           </a:p>
@@ -2812,27 +3314,27 @@
     </p:spTree>
     <p:extLst>
       <p:ext uri="{BB962C8B-B14F-4D97-AF65-F5344CB8AC3E}">
-        <p14:creationId xmlns:p14="http://schemas.microsoft.com/office/powerpoint/2010/main" val="2557711237"/>
+        <p14:creationId xmlns:p14="http://schemas.microsoft.com/office/powerpoint/2010/main" val="2527622251"/>
       </p:ext>
     </p:extLst>
   </p:cSld>
-  <p:clrMap bg1="dk1" tx1="lt1" bg2="dk2" tx2="lt2" accent1="accent1" accent2="accent2" accent3="accent3" accent4="accent4" accent5="accent5" accent6="accent6" hlink="hlink" folHlink="folHlink"/>
+  <p:clrMap bg1="lt1" tx1="dk1" bg2="lt2" tx2="dk2" accent1="accent1" accent2="accent2" accent3="accent3" accent4="accent4" accent5="accent5" accent6="accent6" hlink="hlink" folHlink="folHlink"/>
   <p:sldLayoutIdLst>
-    <p:sldLayoutId id="2147483661" r:id="rId1"/>
-    <p:sldLayoutId id="2147483662" r:id="rId2"/>
-    <p:sldLayoutId id="2147483663" r:id="rId3"/>
-    <p:sldLayoutId id="2147483664" r:id="rId4"/>
-    <p:sldLayoutId id="2147483665" r:id="rId5"/>
-    <p:sldLayoutId id="2147483666" r:id="rId6"/>
-    <p:sldLayoutId id="2147483667" r:id="rId7"/>
-    <p:sldLayoutId id="2147483668" r:id="rId8"/>
-    <p:sldLayoutId id="2147483669" r:id="rId9"/>
-    <p:sldLayoutId id="2147483670" r:id="rId10"/>
-    <p:sldLayoutId id="2147483671" r:id="rId11"/>
+    <p:sldLayoutId id="2147483673" r:id="rId1"/>
+    <p:sldLayoutId id="2147483674" r:id="rId2"/>
+    <p:sldLayoutId id="2147483675" r:id="rId3"/>
+    <p:sldLayoutId id="2147483676" r:id="rId4"/>
+    <p:sldLayoutId id="2147483677" r:id="rId5"/>
+    <p:sldLayoutId id="2147483678" r:id="rId6"/>
+    <p:sldLayoutId id="2147483679" r:id="rId7"/>
+    <p:sldLayoutId id="2147483680" r:id="rId8"/>
+    <p:sldLayoutId id="2147483681" r:id="rId9"/>
+    <p:sldLayoutId id="2147483682" r:id="rId10"/>
+    <p:sldLayoutId id="2147483683" r:id="rId11"/>
   </p:sldLayoutIdLst>
   <p:txStyles>
     <p:titleStyle>
-      <a:lvl1pPr algn="ctr" defTabSz="914400" rtl="0" eaLnBrk="1" latinLnBrk="0" hangingPunct="1">
+      <a:lvl1pPr algn="ctr" defTabSz="457200" rtl="0" eaLnBrk="1" latinLnBrk="0" hangingPunct="1">
         <a:spcBef>
           <a:spcPct val="0"/>
         </a:spcBef>
@@ -2848,11 +3350,11 @@
       </a:lvl1pPr>
     </p:titleStyle>
     <p:bodyStyle>
-      <a:lvl1pPr marL="342900" indent="-342900" algn="l" defTabSz="914400" rtl="0" eaLnBrk="1" latinLnBrk="0" hangingPunct="1">
+      <a:lvl1pPr marL="342900" indent="-342900" algn="l" defTabSz="457200" rtl="0" eaLnBrk="1" latinLnBrk="0" hangingPunct="1">
         <a:spcBef>
           <a:spcPct val="20000"/>
         </a:spcBef>
-        <a:buFont typeface="Arial" pitchFamily="34" charset="0"/>
+        <a:buFont typeface="Arial"/>
         <a:buChar char="•"/>
         <a:defRPr sz="3200" kern="1200">
           <a:solidFill>
@@ -2863,11 +3365,11 @@
           <a:cs typeface="+mn-cs"/>
         </a:defRPr>
       </a:lvl1pPr>
-      <a:lvl2pPr marL="742950" indent="-285750" algn="l" defTabSz="914400" rtl="0" eaLnBrk="1" latinLnBrk="0" hangingPunct="1">
+      <a:lvl2pPr marL="742950" indent="-285750" algn="l" defTabSz="457200" rtl="0" eaLnBrk="1" latinLnBrk="0" hangingPunct="1">
         <a:spcBef>
           <a:spcPct val="20000"/>
         </a:spcBef>
-        <a:buFont typeface="Arial" pitchFamily="34" charset="0"/>
+        <a:buFont typeface="Arial"/>
         <a:buChar char="–"/>
         <a:defRPr sz="2800" kern="1200">
           <a:solidFill>
@@ -2878,11 +3380,11 @@
           <a:cs typeface="+mn-cs"/>
         </a:defRPr>
       </a:lvl2pPr>
-      <a:lvl3pPr marL="1143000" indent="-228600" algn="l" defTabSz="914400" rtl="0" eaLnBrk="1" latinLnBrk="0" hangingPunct="1">
+      <a:lvl3pPr marL="1143000" indent="-228600" algn="l" defTabSz="457200" rtl="0" eaLnBrk="1" latinLnBrk="0" hangingPunct="1">
         <a:spcBef>
           <a:spcPct val="20000"/>
         </a:spcBef>
-        <a:buFont typeface="Arial" pitchFamily="34" charset="0"/>
+        <a:buFont typeface="Arial"/>
         <a:buChar char="•"/>
         <a:defRPr sz="2400" kern="1200">
           <a:solidFill>
@@ -2893,11 +3395,11 @@
           <a:cs typeface="+mn-cs"/>
         </a:defRPr>
       </a:lvl3pPr>
-      <a:lvl4pPr marL="1600200" indent="-228600" algn="l" defTabSz="914400" rtl="0" eaLnBrk="1" latinLnBrk="0" hangingPunct="1">
+      <a:lvl4pPr marL="1600200" indent="-228600" algn="l" defTabSz="457200" rtl="0" eaLnBrk="1" latinLnBrk="0" hangingPunct="1">
         <a:spcBef>
           <a:spcPct val="20000"/>
         </a:spcBef>
-        <a:buFont typeface="Arial" pitchFamily="34" charset="0"/>
+        <a:buFont typeface="Arial"/>
         <a:buChar char="–"/>
         <a:defRPr sz="2000" kern="1200">
           <a:solidFill>
@@ -2908,11 +3410,11 @@
           <a:cs typeface="+mn-cs"/>
         </a:defRPr>
       </a:lvl4pPr>
-      <a:lvl5pPr marL="2057400" indent="-228600" algn="l" defTabSz="914400" rtl="0" eaLnBrk="1" latinLnBrk="0" hangingPunct="1">
+      <a:lvl5pPr marL="2057400" indent="-228600" algn="l" defTabSz="457200" rtl="0" eaLnBrk="1" latinLnBrk="0" hangingPunct="1">
         <a:spcBef>
           <a:spcPct val="20000"/>
         </a:spcBef>
-        <a:buFont typeface="Arial" pitchFamily="34" charset="0"/>
+        <a:buFont typeface="Arial"/>
         <a:buChar char="»"/>
         <a:defRPr sz="2000" kern="1200">
           <a:solidFill>
@@ -2923,11 +3425,11 @@
           <a:cs typeface="+mn-cs"/>
         </a:defRPr>
       </a:lvl5pPr>
-      <a:lvl6pPr marL="2514600" indent="-228600" algn="l" defTabSz="914400" rtl="0" eaLnBrk="1" latinLnBrk="0" hangingPunct="1">
+      <a:lvl6pPr marL="2514600" indent="-228600" algn="l" defTabSz="457200" rtl="0" eaLnBrk="1" latinLnBrk="0" hangingPunct="1">
         <a:spcBef>
           <a:spcPct val="20000"/>
         </a:spcBef>
-        <a:buFont typeface="Arial" pitchFamily="34" charset="0"/>
+        <a:buFont typeface="Arial"/>
         <a:buChar char="•"/>
         <a:defRPr sz="2000" kern="1200">
           <a:solidFill>
@@ -2938,11 +3440,11 @@
           <a:cs typeface="+mn-cs"/>
         </a:defRPr>
       </a:lvl6pPr>
-      <a:lvl7pPr marL="2971800" indent="-228600" algn="l" defTabSz="914400" rtl="0" eaLnBrk="1" latinLnBrk="0" hangingPunct="1">
+      <a:lvl7pPr marL="2971800" indent="-228600" algn="l" defTabSz="457200" rtl="0" eaLnBrk="1" latinLnBrk="0" hangingPunct="1">
         <a:spcBef>
           <a:spcPct val="20000"/>
         </a:spcBef>
-        <a:buFont typeface="Arial" pitchFamily="34" charset="0"/>
+        <a:buFont typeface="Arial"/>
         <a:buChar char="•"/>
         <a:defRPr sz="2000" kern="1200">
           <a:solidFill>
@@ -2953,11 +3455,11 @@
           <a:cs typeface="+mn-cs"/>
         </a:defRPr>
       </a:lvl7pPr>
-      <a:lvl8pPr marL="3429000" indent="-228600" algn="l" defTabSz="914400" rtl="0" eaLnBrk="1" latinLnBrk="0" hangingPunct="1">
+      <a:lvl8pPr marL="3429000" indent="-228600" algn="l" defTabSz="457200" rtl="0" eaLnBrk="1" latinLnBrk="0" hangingPunct="1">
         <a:spcBef>
           <a:spcPct val="20000"/>
         </a:spcBef>
-        <a:buFont typeface="Arial" pitchFamily="34" charset="0"/>
+        <a:buFont typeface="Arial"/>
         <a:buChar char="•"/>
         <a:defRPr sz="2000" kern="1200">
           <a:solidFill>
@@ -2968,11 +3470,11 @@
           <a:cs typeface="+mn-cs"/>
         </a:defRPr>
       </a:lvl8pPr>
-      <a:lvl9pPr marL="3886200" indent="-228600" algn="l" defTabSz="914400" rtl="0" eaLnBrk="1" latinLnBrk="0" hangingPunct="1">
+      <a:lvl9pPr marL="3886200" indent="-228600" algn="l" defTabSz="457200" rtl="0" eaLnBrk="1" latinLnBrk="0" hangingPunct="1">
         <a:spcBef>
           <a:spcPct val="20000"/>
         </a:spcBef>
-        <a:buFont typeface="Arial" pitchFamily="34" charset="0"/>
+        <a:buFont typeface="Arial"/>
         <a:buChar char="•"/>
         <a:defRPr sz="2000" kern="1200">
           <a:solidFill>
@@ -2988,7 +3490,7 @@
       <a:defPPr>
         <a:defRPr lang="en-US"/>
       </a:defPPr>
-      <a:lvl1pPr marL="0" algn="l" defTabSz="914400" rtl="0" eaLnBrk="1" latinLnBrk="0" hangingPunct="1">
+      <a:lvl1pPr marL="0" algn="l" defTabSz="457200" rtl="0" eaLnBrk="1" latinLnBrk="0" hangingPunct="1">
         <a:defRPr sz="1800" kern="1200">
           <a:solidFill>
             <a:schemeClr val="tx1"/>
@@ -2998,7 +3500,7 @@
           <a:cs typeface="+mn-cs"/>
         </a:defRPr>
       </a:lvl1pPr>
-      <a:lvl2pPr marL="457200" algn="l" defTabSz="914400" rtl="0" eaLnBrk="1" latinLnBrk="0" hangingPunct="1">
+      <a:lvl2pPr marL="457200" algn="l" defTabSz="457200" rtl="0" eaLnBrk="1" latinLnBrk="0" hangingPunct="1">
         <a:defRPr sz="1800" kern="1200">
           <a:solidFill>
             <a:schemeClr val="tx1"/>
@@ -3008,7 +3510,7 @@
           <a:cs typeface="+mn-cs"/>
         </a:defRPr>
       </a:lvl2pPr>
-      <a:lvl3pPr marL="914400" algn="l" defTabSz="914400" rtl="0" eaLnBrk="1" latinLnBrk="0" hangingPunct="1">
+      <a:lvl3pPr marL="914400" algn="l" defTabSz="457200" rtl="0" eaLnBrk="1" latinLnBrk="0" hangingPunct="1">
         <a:defRPr sz="1800" kern="1200">
           <a:solidFill>
             <a:schemeClr val="tx1"/>
@@ -3018,7 +3520,7 @@
           <a:cs typeface="+mn-cs"/>
         </a:defRPr>
       </a:lvl3pPr>
-      <a:lvl4pPr marL="1371600" algn="l" defTabSz="914400" rtl="0" eaLnBrk="1" latinLnBrk="0" hangingPunct="1">
+      <a:lvl4pPr marL="1371600" algn="l" defTabSz="457200" rtl="0" eaLnBrk="1" latinLnBrk="0" hangingPunct="1">
         <a:defRPr sz="1800" kern="1200">
           <a:solidFill>
             <a:schemeClr val="tx1"/>
@@ -3028,7 +3530,7 @@
           <a:cs typeface="+mn-cs"/>
         </a:defRPr>
       </a:lvl4pPr>
-      <a:lvl5pPr marL="1828800" algn="l" defTabSz="914400" rtl="0" eaLnBrk="1" latinLnBrk="0" hangingPunct="1">
+      <a:lvl5pPr marL="1828800" algn="l" defTabSz="457200" rtl="0" eaLnBrk="1" latinLnBrk="0" hangingPunct="1">
         <a:defRPr sz="1800" kern="1200">
           <a:solidFill>
             <a:schemeClr val="tx1"/>
@@ -3038,7 +3540,7 @@
           <a:cs typeface="+mn-cs"/>
         </a:defRPr>
       </a:lvl5pPr>
-      <a:lvl6pPr marL="2286000" algn="l" defTabSz="914400" rtl="0" eaLnBrk="1" latinLnBrk="0" hangingPunct="1">
+      <a:lvl6pPr marL="2286000" algn="l" defTabSz="457200" rtl="0" eaLnBrk="1" latinLnBrk="0" hangingPunct="1">
         <a:defRPr sz="1800" kern="1200">
           <a:solidFill>
             <a:schemeClr val="tx1"/>
@@ -3048,7 +3550,7 @@
           <a:cs typeface="+mn-cs"/>
         </a:defRPr>
       </a:lvl6pPr>
-      <a:lvl7pPr marL="2743200" algn="l" defTabSz="914400" rtl="0" eaLnBrk="1" latinLnBrk="0" hangingPunct="1">
+      <a:lvl7pPr marL="2743200" algn="l" defTabSz="457200" rtl="0" eaLnBrk="1" latinLnBrk="0" hangingPunct="1">
         <a:defRPr sz="1800" kern="1200">
           <a:solidFill>
             <a:schemeClr val="tx1"/>
@@ -3058,7 +3560,7 @@
           <a:cs typeface="+mn-cs"/>
         </a:defRPr>
       </a:lvl7pPr>
-      <a:lvl8pPr marL="3200400" algn="l" defTabSz="914400" rtl="0" eaLnBrk="1" latinLnBrk="0" hangingPunct="1">
+      <a:lvl8pPr marL="3200400" algn="l" defTabSz="457200" rtl="0" eaLnBrk="1" latinLnBrk="0" hangingPunct="1">
         <a:defRPr sz="1800" kern="1200">
           <a:solidFill>
             <a:schemeClr val="tx1"/>
@@ -3068,7 +3570,7 @@
           <a:cs typeface="+mn-cs"/>
         </a:defRPr>
       </a:lvl8pPr>
-      <a:lvl9pPr marL="3657600" algn="l" defTabSz="914400" rtl="0" eaLnBrk="1" latinLnBrk="0" hangingPunct="1">
+      <a:lvl9pPr marL="3657600" algn="l" defTabSz="457200" rtl="0" eaLnBrk="1" latinLnBrk="0" hangingPunct="1">
         <a:defRPr sz="1800" kern="1200">
           <a:solidFill>
             <a:schemeClr val="tx1"/>
@@ -3102,14 +3604,59 @@
       </p:grpSpPr>
       <p:sp>
         <p:nvSpPr>
+          <p:cNvPr id="3" name="Rectangle 2"/>
+          <p:cNvSpPr/>
+          <p:nvPr/>
+        </p:nvSpPr>
+        <p:spPr>
+          <a:xfrm>
+            <a:off x="-1" y="0"/>
+            <a:ext cx="9528175" cy="5715000"/>
+          </a:xfrm>
+          <a:prstGeom prst="rect">
+            <a:avLst/>
+          </a:prstGeom>
+          <a:solidFill>
+            <a:srgbClr val="000000"/>
+          </a:solidFill>
+          <a:ln>
+            <a:noFill/>
+          </a:ln>
+          <a:effectLst/>
+        </p:spPr>
+        <p:style>
+          <a:lnRef idx="1">
+            <a:schemeClr val="accent1"/>
+          </a:lnRef>
+          <a:fillRef idx="3">
+            <a:schemeClr val="accent1"/>
+          </a:fillRef>
+          <a:effectRef idx="2">
+            <a:schemeClr val="accent1"/>
+          </a:effectRef>
+          <a:fontRef idx="minor">
+            <a:schemeClr val="lt1"/>
+          </a:fontRef>
+        </p:style>
+        <p:txBody>
+          <a:bodyPr rtlCol="0" anchor="ctr"/>
+          <a:lstStyle/>
+          <a:p>
+            <a:pPr algn="ctr"/>
+            <a:endParaRPr lang="en-US"/>
+          </a:p>
+        </p:txBody>
+      </p:sp>
+      <p:sp>
+        <p:nvSpPr>
           <p:cNvPr id="11" name="TextBox 10"/>
           <p:cNvSpPr txBox="1"/>
           <p:nvPr/>
         </p:nvSpPr>
         <p:spPr>
           <a:xfrm>
-            <a:off x="1527371" y="1161623"/>
-            <a:ext cx="5874033" cy="584776"/>
+            <a:off x="647485" y="1184451"/>
+            <a:ext cx="7007929" cy="307777"/>
           </a:xfrm>
           <a:prstGeom prst="rect">
             <a:avLst/>
@@ -3143,6 +3690,853 @@
               <a:defRPr/>
             </a:pPr>
             <a:r>
+              <a:rPr kumimoji="0" lang="en-US" sz="1400" b="0" i="0" u="none" strike="noStrike" kern="0" cap="none" spc="0" normalizeH="0" baseline="0" noProof="0" dirty="0" smtClean="0">
+                <a:ln>
+                  <a:noFill/>
+                </a:ln>
+                <a:solidFill>
+                  <a:sysClr val="window" lastClr="FFFFFF"/>
+                </a:solidFill>
+                <a:effectLst/>
+                <a:uLnTx/>
+                <a:uFillTx/>
+                <a:latin typeface="Consolas"/>
+                <a:cs typeface="Consolas"/>
+              </a:rPr>
+              <a:t>Evil </a:t>
+            </a:r>
+            <a:r>
+              <a:rPr kumimoji="0" lang="en-US" sz="1400" b="0" i="0" u="none" strike="noStrike" kern="0" cap="none" spc="0" normalizeH="0" baseline="0" noProof="0" dirty="0" smtClean="0">
+                <a:ln>
+                  <a:noFill/>
+                </a:ln>
+                <a:solidFill>
+                  <a:sysClr val="window" lastClr="FFFFFF"/>
+                </a:solidFill>
+                <a:effectLst/>
+                <a:uLnTx/>
+                <a:uFillTx/>
+                <a:latin typeface="Consolas"/>
+                <a:cs typeface="Consolas"/>
+              </a:rPr>
+              <a:t>Dr. </a:t>
+            </a:r>
+            <a:r>
+              <a:rPr kumimoji="0" lang="en-US" sz="1400" b="0" i="0" u="none" strike="noStrike" kern="0" cap="none" spc="0" normalizeH="0" baseline="0" noProof="0" dirty="0" smtClean="0">
+                <a:ln>
+                  <a:noFill/>
+                </a:ln>
+                <a:solidFill>
+                  <a:sysClr val="window" lastClr="FFFFFF"/>
+                </a:solidFill>
+                <a:effectLst/>
+                <a:uLnTx/>
+                <a:uFillTx/>
+                <a:latin typeface="Consolas"/>
+                <a:cs typeface="Consolas"/>
+              </a:rPr>
+              <a:t>Darwin is planning to </a:t>
+            </a:r>
+            <a:r>
+              <a:rPr kumimoji="0" lang="en-US" sz="1400" b="0" i="0" u="none" strike="noStrike" kern="0" cap="none" spc="0" normalizeH="0" baseline="0" noProof="0" dirty="0" smtClean="0">
+                <a:ln>
+                  <a:noFill/>
+                </a:ln>
+                <a:solidFill>
+                  <a:sysClr val="window" lastClr="FFFFFF"/>
+                </a:solidFill>
+                <a:effectLst/>
+                <a:uLnTx/>
+                <a:uFillTx/>
+                <a:latin typeface="Consolas"/>
+                <a:cs typeface="Consolas"/>
+              </a:rPr>
+              <a:t>breed </a:t>
+            </a:r>
+            <a:r>
+              <a:rPr kumimoji="0" lang="en-US" sz="1400" b="0" i="0" u="none" strike="noStrike" kern="0" cap="none" spc="0" normalizeH="0" baseline="0" noProof="0" dirty="0" smtClean="0">
+                <a:ln>
+                  <a:noFill/>
+                </a:ln>
+                <a:solidFill>
+                  <a:sysClr val="window" lastClr="FFFFFF"/>
+                </a:solidFill>
+                <a:effectLst/>
+                <a:uLnTx/>
+                <a:uFillTx/>
+                <a:latin typeface="Consolas"/>
+                <a:cs typeface="Consolas"/>
+              </a:rPr>
+              <a:t>the ultimate killing </a:t>
+            </a:r>
+            <a:r>
+              <a:rPr kumimoji="0" lang="en-US" sz="1400" b="0" i="0" u="none" strike="noStrike" kern="0" cap="none" spc="0" normalizeH="0" baseline="0" noProof="0" dirty="0" smtClean="0">
+                <a:ln>
+                  <a:noFill/>
+                </a:ln>
+                <a:solidFill>
+                  <a:sysClr val="window" lastClr="FFFFFF"/>
+                </a:solidFill>
+                <a:effectLst/>
+                <a:uLnTx/>
+                <a:uFillTx/>
+                <a:latin typeface="Consolas"/>
+                <a:cs typeface="Consolas"/>
+              </a:rPr>
+              <a:t>creature</a:t>
+            </a:r>
+            <a:endParaRPr kumimoji="0" lang="en-US" sz="1400" b="0" i="0" u="none" strike="noStrike" kern="0" cap="none" spc="0" normalizeH="0" baseline="0" noProof="0" dirty="0">
+              <a:ln>
+                <a:noFill/>
+              </a:ln>
+              <a:solidFill>
+                <a:sysClr val="window" lastClr="FFFFFF"/>
+              </a:solidFill>
+              <a:effectLst/>
+              <a:uLnTx/>
+              <a:uFillTx/>
+              <a:latin typeface="Consolas"/>
+              <a:cs typeface="Consolas"/>
+            </a:endParaRPr>
+          </a:p>
+        </p:txBody>
+      </p:sp>
+      <p:sp>
+        <p:nvSpPr>
+          <p:cNvPr id="14" name="TextBox 13"/>
+          <p:cNvSpPr txBox="1"/>
+          <p:nvPr/>
+        </p:nvSpPr>
+        <p:spPr>
+          <a:xfrm>
+            <a:off x="647485" y="1856999"/>
+            <a:ext cx="5874033" cy="523220"/>
+          </a:xfrm>
+          <a:prstGeom prst="rect">
+            <a:avLst/>
+          </a:prstGeom>
+          <a:noFill/>
+          <a:ln w="38100" cmpd="sng">
+            <a:noFill/>
+          </a:ln>
+        </p:spPr>
+        <p:txBody>
+          <a:bodyPr wrap="square" rtlCol="0">
+            <a:spAutoFit/>
+          </a:bodyPr>
+          <a:lstStyle/>
+          <a:p>
+            <a:pPr marL="0" marR="0" lvl="0" indent="0" defTabSz="914400" eaLnBrk="1" fontAlgn="auto" latinLnBrk="0" hangingPunct="1">
+              <a:lnSpc>
+                <a:spcPct val="100000"/>
+              </a:lnSpc>
+              <a:spcBef>
+                <a:spcPts val="0"/>
+              </a:spcBef>
+              <a:spcAft>
+                <a:spcPts val="0"/>
+              </a:spcAft>
+              <a:buClrTx/>
+              <a:buSzTx/>
+              <a:buFontTx/>
+              <a:buNone/>
+              <a:tabLst/>
+              <a:defRPr/>
+            </a:pPr>
+            <a:r>
+              <a:rPr kumimoji="0" lang="en-US" sz="1400" b="0" i="0" u="none" strike="noStrike" kern="0" cap="none" spc="0" normalizeH="0" baseline="0" noProof="0" dirty="0" smtClean="0">
+                <a:ln>
+                  <a:noFill/>
+                </a:ln>
+                <a:solidFill>
+                  <a:sysClr val="window" lastClr="FFFFFF"/>
+                </a:solidFill>
+                <a:effectLst/>
+                <a:uLnTx/>
+                <a:uFillTx/>
+                <a:latin typeface="Consolas"/>
+                <a:cs typeface="Consolas"/>
+              </a:rPr>
+              <a:t>Each creature has a unique neural network that makes decisions based</a:t>
+            </a:r>
+            <a:r>
+              <a:rPr kumimoji="0" lang="en-US" sz="1400" b="0" i="0" u="none" strike="noStrike" kern="0" cap="none" spc="0" normalizeH="0" noProof="0" dirty="0" smtClean="0">
+                <a:ln>
+                  <a:noFill/>
+                </a:ln>
+                <a:solidFill>
+                  <a:sysClr val="window" lastClr="FFFFFF"/>
+                </a:solidFill>
+                <a:effectLst/>
+                <a:uLnTx/>
+                <a:uFillTx/>
+                <a:latin typeface="Consolas"/>
+                <a:cs typeface="Consolas"/>
+              </a:rPr>
+              <a:t> on their surroundings</a:t>
+            </a:r>
+            <a:r>
+              <a:rPr kumimoji="0" lang="en-US" sz="1400" b="0" i="0" u="none" strike="noStrike" kern="0" cap="none" spc="0" normalizeH="0" baseline="0" noProof="0" dirty="0" smtClean="0">
+                <a:ln>
+                  <a:noFill/>
+                </a:ln>
+                <a:solidFill>
+                  <a:sysClr val="window" lastClr="FFFFFF"/>
+                </a:solidFill>
+                <a:effectLst/>
+                <a:uLnTx/>
+                <a:uFillTx/>
+                <a:latin typeface="Consolas"/>
+                <a:cs typeface="Consolas"/>
+              </a:rPr>
+              <a:t> </a:t>
+            </a:r>
+            <a:endParaRPr kumimoji="0" lang="en-US" sz="1400" b="0" i="0" u="none" strike="noStrike" kern="0" cap="none" spc="0" normalizeH="0" baseline="0" noProof="0" dirty="0">
+              <a:ln>
+                <a:noFill/>
+              </a:ln>
+              <a:solidFill>
+                <a:sysClr val="window" lastClr="FFFFFF"/>
+              </a:solidFill>
+              <a:effectLst/>
+              <a:uLnTx/>
+              <a:uFillTx/>
+              <a:latin typeface="Consolas"/>
+              <a:cs typeface="Consolas"/>
+            </a:endParaRPr>
+          </a:p>
+        </p:txBody>
+      </p:sp>
+      <p:sp>
+        <p:nvSpPr>
+          <p:cNvPr id="15" name="TextBox 14"/>
+          <p:cNvSpPr txBox="1"/>
+          <p:nvPr/>
+        </p:nvSpPr>
+        <p:spPr>
+          <a:xfrm>
+            <a:off x="647487" y="2776220"/>
+            <a:ext cx="4060478" cy="523220"/>
+          </a:xfrm>
+          <a:prstGeom prst="rect">
+            <a:avLst/>
+          </a:prstGeom>
+          <a:noFill/>
+          <a:ln w="38100" cmpd="sng">
+            <a:noFill/>
+          </a:ln>
+        </p:spPr>
+        <p:txBody>
+          <a:bodyPr wrap="square" rtlCol="0">
+            <a:spAutoFit/>
+          </a:bodyPr>
+          <a:lstStyle/>
+          <a:p>
+            <a:pPr marL="0" marR="0" lvl="0" indent="0" defTabSz="914400" eaLnBrk="1" fontAlgn="auto" latinLnBrk="0" hangingPunct="1">
+              <a:lnSpc>
+                <a:spcPct val="100000"/>
+              </a:lnSpc>
+              <a:spcBef>
+                <a:spcPts val="0"/>
+              </a:spcBef>
+              <a:spcAft>
+                <a:spcPts val="0"/>
+              </a:spcAft>
+              <a:buClrTx/>
+              <a:buSzTx/>
+              <a:buFontTx/>
+              <a:buNone/>
+              <a:tabLst/>
+              <a:defRPr/>
+            </a:pPr>
+            <a:r>
+              <a:rPr kumimoji="0" lang="en-US" sz="1400" b="0" i="0" u="none" strike="noStrike" kern="0" cap="none" spc="0" normalizeH="0" baseline="0" noProof="0" dirty="0" smtClean="0">
+                <a:ln>
+                  <a:noFill/>
+                </a:ln>
+                <a:solidFill>
+                  <a:sysClr val="window" lastClr="FFFFFF"/>
+                </a:solidFill>
+                <a:effectLst/>
+                <a:uLnTx/>
+                <a:uFillTx/>
+                <a:latin typeface="Consolas"/>
+                <a:cs typeface="Consolas"/>
+              </a:rPr>
+              <a:t>The creatures have </a:t>
+            </a:r>
+            <a:r>
+              <a:rPr kumimoji="0" lang="en-US" sz="1400" b="0" i="0" u="none" strike="noStrike" kern="0" cap="none" spc="0" normalizeH="0" baseline="0" noProof="0" dirty="0" smtClean="0">
+                <a:ln>
+                  <a:noFill/>
+                </a:ln>
+                <a:solidFill>
+                  <a:sysClr val="window" lastClr="FFFFFF"/>
+                </a:solidFill>
+                <a:effectLst/>
+                <a:uLnTx/>
+                <a:uFillTx/>
+                <a:latin typeface="Consolas"/>
+                <a:cs typeface="Consolas"/>
+              </a:rPr>
+              <a:t>2 eyes </a:t>
+            </a:r>
+            <a:r>
+              <a:rPr kumimoji="0" lang="en-US" sz="1400" b="0" i="0" u="none" strike="noStrike" kern="0" cap="none" spc="0" normalizeH="0" baseline="0" noProof="0" dirty="0" smtClean="0">
+                <a:ln>
+                  <a:noFill/>
+                </a:ln>
+                <a:solidFill>
+                  <a:sysClr val="window" lastClr="FFFFFF"/>
+                </a:solidFill>
+                <a:effectLst/>
+                <a:uLnTx/>
+                <a:uFillTx/>
+                <a:latin typeface="Consolas"/>
+                <a:cs typeface="Consolas"/>
+              </a:rPr>
+              <a:t>which </a:t>
+            </a:r>
+            <a:r>
+              <a:rPr kumimoji="0" lang="en-US" sz="1400" b="0" i="0" u="none" strike="noStrike" kern="0" cap="none" spc="0" normalizeH="0" baseline="0" noProof="0" dirty="0" smtClean="0">
+                <a:ln>
+                  <a:noFill/>
+                </a:ln>
+                <a:solidFill>
+                  <a:sysClr val="window" lastClr="FFFFFF"/>
+                </a:solidFill>
+                <a:effectLst/>
+                <a:uLnTx/>
+                <a:uFillTx/>
+                <a:latin typeface="Consolas"/>
+                <a:cs typeface="Consolas"/>
+              </a:rPr>
+              <a:t>detect the</a:t>
+            </a:r>
+            <a:r>
+              <a:rPr kumimoji="0" lang="en-US" sz="1400" b="0" i="0" u="none" strike="noStrike" kern="0" cap="none" spc="0" normalizeH="0" noProof="0" dirty="0" smtClean="0">
+                <a:ln>
+                  <a:noFill/>
+                </a:ln>
+                <a:solidFill>
+                  <a:sysClr val="window" lastClr="FFFFFF"/>
+                </a:solidFill>
+                <a:effectLst/>
+                <a:uLnTx/>
+                <a:uFillTx/>
+                <a:latin typeface="Consolas"/>
+                <a:cs typeface="Consolas"/>
+              </a:rPr>
+              <a:t> player as well as bullets</a:t>
+            </a:r>
+            <a:endParaRPr kumimoji="0" lang="en-US" sz="1400" b="0" i="0" u="none" strike="noStrike" kern="0" cap="none" spc="0" normalizeH="0" baseline="0" noProof="0" dirty="0">
+              <a:ln>
+                <a:noFill/>
+              </a:ln>
+              <a:solidFill>
+                <a:sysClr val="window" lastClr="FFFFFF"/>
+              </a:solidFill>
+              <a:effectLst/>
+              <a:uLnTx/>
+              <a:uFillTx/>
+              <a:latin typeface="Consolas"/>
+              <a:cs typeface="Consolas"/>
+            </a:endParaRPr>
+          </a:p>
+        </p:txBody>
+      </p:sp>
+      <p:sp>
+        <p:nvSpPr>
+          <p:cNvPr id="17" name="TextBox 16"/>
+          <p:cNvSpPr txBox="1"/>
+          <p:nvPr/>
+        </p:nvSpPr>
+        <p:spPr>
+          <a:xfrm>
+            <a:off x="3207942" y="4084288"/>
+            <a:ext cx="5874033" cy="523220"/>
+          </a:xfrm>
+          <a:prstGeom prst="rect">
+            <a:avLst/>
+          </a:prstGeom>
+          <a:noFill/>
+          <a:ln w="38100" cmpd="sng">
+            <a:noFill/>
+          </a:ln>
+        </p:spPr>
+        <p:txBody>
+          <a:bodyPr wrap="square" rtlCol="0">
+            <a:spAutoFit/>
+          </a:bodyPr>
+          <a:lstStyle/>
+          <a:p>
+            <a:pPr marL="0" marR="0" lvl="0" indent="0" defTabSz="914400" eaLnBrk="1" fontAlgn="auto" latinLnBrk="0" hangingPunct="1">
+              <a:lnSpc>
+                <a:spcPct val="100000"/>
+              </a:lnSpc>
+              <a:spcBef>
+                <a:spcPts val="0"/>
+              </a:spcBef>
+              <a:spcAft>
+                <a:spcPts val="0"/>
+              </a:spcAft>
+              <a:buClrTx/>
+              <a:buSzTx/>
+              <a:buFontTx/>
+              <a:buNone/>
+              <a:tabLst/>
+              <a:defRPr/>
+            </a:pPr>
+            <a:r>
+              <a:rPr kumimoji="0" lang="en-US" sz="1400" b="0" i="0" u="none" strike="noStrike" kern="0" cap="none" spc="0" normalizeH="0" baseline="0" noProof="0" dirty="0" smtClean="0">
+                <a:ln>
+                  <a:noFill/>
+                </a:ln>
+                <a:solidFill>
+                  <a:sysClr val="window" lastClr="FFFFFF"/>
+                </a:solidFill>
+                <a:effectLst/>
+                <a:uLnTx/>
+                <a:uFillTx/>
+                <a:latin typeface="Consolas"/>
+                <a:cs typeface="Consolas"/>
+              </a:rPr>
+              <a:t>Move using arrow keys and shoot creatures using the spacebar but be careful as shooting decreases your health</a:t>
+            </a:r>
+            <a:endParaRPr kumimoji="0" lang="en-US" sz="1400" b="0" i="0" u="none" strike="noStrike" kern="0" cap="none" spc="0" normalizeH="0" baseline="0" noProof="0" dirty="0">
+              <a:ln>
+                <a:noFill/>
+              </a:ln>
+              <a:solidFill>
+                <a:sysClr val="window" lastClr="FFFFFF"/>
+              </a:solidFill>
+              <a:effectLst/>
+              <a:uLnTx/>
+              <a:uFillTx/>
+              <a:latin typeface="Consolas"/>
+              <a:cs typeface="Consolas"/>
+            </a:endParaRPr>
+          </a:p>
+        </p:txBody>
+      </p:sp>
+      <p:pic>
+        <p:nvPicPr>
+          <p:cNvPr id="5" name="Picture 4" descr="Screen Shot 2018-07-26 at 5.01.09 PM.png"/>
+          <p:cNvPicPr>
+            <a:picLocks noChangeAspect="1"/>
+          </p:cNvPicPr>
+          <p:nvPr/>
+        </p:nvPicPr>
+        <p:blipFill>
+          <a:blip r:embed="rId3">
+            <a:extLst>
+              <a:ext uri="{28A0092B-C50C-407E-A947-70E740481C1C}">
+                <a14:useLocalDpi xmlns:a14="http://schemas.microsoft.com/office/drawing/2010/main" val="0"/>
+              </a:ext>
+            </a:extLst>
+          </a:blip>
+          <a:stretch>
+            <a:fillRect/>
+          </a:stretch>
+        </p:blipFill>
+        <p:spPr>
+          <a:xfrm>
+            <a:off x="7424737" y="1580226"/>
+            <a:ext cx="791550" cy="828365"/>
+          </a:xfrm>
+          <a:prstGeom prst="rect">
+            <a:avLst/>
+          </a:prstGeom>
+        </p:spPr>
+      </p:pic>
+    </p:spTree>
+    <p:extLst>
+      <p:ext uri="{BB962C8B-B14F-4D97-AF65-F5344CB8AC3E}">
+        <p14:creationId xmlns:p14="http://schemas.microsoft.com/office/powerpoint/2010/main" val="2469606694"/>
+      </p:ext>
+    </p:extLst>
+  </p:cSld>
+  <p:clrMapOvr>
+    <a:masterClrMapping/>
+  </p:clrMapOvr>
+</p:sld>
+</file>
+
+<file path=ppt/slides/slide2.xml><?xml version="1.0" encoding="utf-8"?>
+<p:sld xmlns:a="http://schemas.openxmlformats.org/drawingml/2006/main" xmlns:r="http://schemas.openxmlformats.org/officeDocument/2006/relationships" xmlns:p="http://schemas.openxmlformats.org/presentationml/2006/main">
+  <p:cSld>
+    <p:spTree>
+      <p:nvGrpSpPr>
+        <p:cNvPr id="1" name=""/>
+        <p:cNvGrpSpPr/>
+        <p:nvPr/>
+      </p:nvGrpSpPr>
+      <p:grpSpPr>
+        <a:xfrm>
+          <a:off x="0" y="0"/>
+          <a:ext cx="0" cy="0"/>
+          <a:chOff x="0" y="0"/>
+          <a:chExt cx="0" cy="0"/>
+        </a:xfrm>
+      </p:grpSpPr>
+      <p:sp>
+        <p:nvSpPr>
+          <p:cNvPr id="3" name="Rectangle 2"/>
+          <p:cNvSpPr/>
+          <p:nvPr/>
+        </p:nvSpPr>
+        <p:spPr>
+          <a:xfrm>
+            <a:off x="-1" y="0"/>
+            <a:ext cx="9528175" cy="5715000"/>
+          </a:xfrm>
+          <a:prstGeom prst="rect">
+            <a:avLst/>
+          </a:prstGeom>
+          <a:solidFill>
+            <a:srgbClr val="000000"/>
+          </a:solidFill>
+          <a:ln>
+            <a:noFill/>
+          </a:ln>
+          <a:effectLst/>
+        </p:spPr>
+        <p:style>
+          <a:lnRef idx="1">
+            <a:schemeClr val="accent1"/>
+          </a:lnRef>
+          <a:fillRef idx="3">
+            <a:schemeClr val="accent1"/>
+          </a:fillRef>
+          <a:effectRef idx="2">
+            <a:schemeClr val="accent1"/>
+          </a:effectRef>
+          <a:fontRef idx="minor">
+            <a:schemeClr val="lt1"/>
+          </a:fontRef>
+        </p:style>
+        <p:txBody>
+          <a:bodyPr rtlCol="0" anchor="ctr"/>
+          <a:lstStyle/>
+          <a:p>
+            <a:pPr algn="ctr"/>
+            <a:endParaRPr lang="en-US"/>
+          </a:p>
+        </p:txBody>
+      </p:sp>
+      <p:sp>
+        <p:nvSpPr>
+          <p:cNvPr id="11" name="TextBox 10"/>
+          <p:cNvSpPr txBox="1"/>
+          <p:nvPr/>
+        </p:nvSpPr>
+        <p:spPr>
+          <a:xfrm>
+            <a:off x="647486" y="1184451"/>
+            <a:ext cx="5874033" cy="523220"/>
+          </a:xfrm>
+          <a:prstGeom prst="rect">
+            <a:avLst/>
+          </a:prstGeom>
+          <a:noFill/>
+          <a:ln w="38100" cmpd="sng">
+            <a:noFill/>
+          </a:ln>
+        </p:spPr>
+        <p:txBody>
+          <a:bodyPr wrap="square" rtlCol="0">
+            <a:spAutoFit/>
+          </a:bodyPr>
+          <a:lstStyle/>
+          <a:p>
+            <a:pPr marL="0" marR="0" lvl="0" indent="0" defTabSz="914400" eaLnBrk="1" fontAlgn="auto" latinLnBrk="0" hangingPunct="1">
+              <a:lnSpc>
+                <a:spcPct val="100000"/>
+              </a:lnSpc>
+              <a:spcBef>
+                <a:spcPts val="0"/>
+              </a:spcBef>
+              <a:spcAft>
+                <a:spcPts val="0"/>
+              </a:spcAft>
+              <a:buClrTx/>
+              <a:buSzTx/>
+              <a:buFontTx/>
+              <a:buNone/>
+              <a:tabLst/>
+              <a:defRPr/>
+            </a:pPr>
+            <a:r>
+              <a:rPr kumimoji="0" lang="en-US" sz="1400" b="0" i="0" u="none" strike="noStrike" kern="0" cap="none" spc="0" normalizeH="0" baseline="0" noProof="0" dirty="0" smtClean="0">
+                <a:ln>
+                  <a:noFill/>
+                </a:ln>
+                <a:solidFill>
+                  <a:sysClr val="window" lastClr="FFFFFF"/>
+                </a:solidFill>
+                <a:effectLst/>
+                <a:uLnTx/>
+                <a:uFillTx/>
+                <a:latin typeface="Consolas"/>
+                <a:cs typeface="Consolas"/>
+              </a:rPr>
+              <a:t>Evil </a:t>
+            </a:r>
+            <a:r>
+              <a:rPr kumimoji="0" lang="en-US" sz="1400" b="0" i="0" u="none" strike="noStrike" kern="0" cap="none" spc="0" normalizeH="0" baseline="0" noProof="0" dirty="0" smtClean="0">
+                <a:ln>
+                  <a:noFill/>
+                </a:ln>
+                <a:solidFill>
+                  <a:sysClr val="window" lastClr="FFFFFF"/>
+                </a:solidFill>
+                <a:effectLst/>
+                <a:uLnTx/>
+                <a:uFillTx/>
+                <a:latin typeface="Consolas"/>
+                <a:cs typeface="Consolas"/>
+              </a:rPr>
+              <a:t>Dr. </a:t>
+            </a:r>
+            <a:r>
+              <a:rPr kumimoji="0" lang="en-US" sz="1400" b="0" i="0" u="none" strike="noStrike" kern="0" cap="none" spc="0" normalizeH="0" baseline="0" noProof="0" dirty="0" smtClean="0">
+                <a:ln>
+                  <a:noFill/>
+                </a:ln>
+                <a:solidFill>
+                  <a:sysClr val="window" lastClr="FFFFFF"/>
+                </a:solidFill>
+                <a:effectLst/>
+                <a:uLnTx/>
+                <a:uFillTx/>
+                <a:latin typeface="Consolas"/>
+                <a:cs typeface="Consolas"/>
+              </a:rPr>
+              <a:t>Darwin is planning to create the ultimate killing creature using evolution</a:t>
+            </a:r>
+            <a:endParaRPr kumimoji="0" lang="en-US" sz="1400" b="0" i="0" u="none" strike="noStrike" kern="0" cap="none" spc="0" normalizeH="0" baseline="0" noProof="0" dirty="0">
+              <a:ln>
+                <a:noFill/>
+              </a:ln>
+              <a:solidFill>
+                <a:sysClr val="window" lastClr="FFFFFF"/>
+              </a:solidFill>
+              <a:effectLst/>
+              <a:uLnTx/>
+              <a:uFillTx/>
+              <a:latin typeface="Consolas"/>
+              <a:cs typeface="Consolas"/>
+            </a:endParaRPr>
+          </a:p>
+        </p:txBody>
+      </p:sp>
+      <p:sp>
+        <p:nvSpPr>
+          <p:cNvPr id="14" name="TextBox 13"/>
+          <p:cNvSpPr txBox="1"/>
+          <p:nvPr/>
+        </p:nvSpPr>
+        <p:spPr>
+          <a:xfrm>
+            <a:off x="647486" y="2149027"/>
+            <a:ext cx="5874033" cy="523220"/>
+          </a:xfrm>
+          <a:prstGeom prst="rect">
+            <a:avLst/>
+          </a:prstGeom>
+          <a:noFill/>
+          <a:ln w="38100" cmpd="sng">
+            <a:noFill/>
+          </a:ln>
+        </p:spPr>
+        <p:txBody>
+          <a:bodyPr wrap="square" rtlCol="0">
+            <a:spAutoFit/>
+          </a:bodyPr>
+          <a:lstStyle/>
+          <a:p>
+            <a:pPr marL="0" marR="0" lvl="0" indent="0" defTabSz="914400" eaLnBrk="1" fontAlgn="auto" latinLnBrk="0" hangingPunct="1">
+              <a:lnSpc>
+                <a:spcPct val="100000"/>
+              </a:lnSpc>
+              <a:spcBef>
+                <a:spcPts val="0"/>
+              </a:spcBef>
+              <a:spcAft>
+                <a:spcPts val="0"/>
+              </a:spcAft>
+              <a:buClrTx/>
+              <a:buSzTx/>
+              <a:buFontTx/>
+              <a:buNone/>
+              <a:tabLst/>
+              <a:defRPr/>
+            </a:pPr>
+            <a:r>
+              <a:rPr kumimoji="0" lang="en-US" sz="1400" b="0" i="0" u="none" strike="noStrike" kern="0" cap="none" spc="0" normalizeH="0" baseline="0" noProof="0" dirty="0" smtClean="0">
+                <a:ln>
+                  <a:noFill/>
+                </a:ln>
+                <a:solidFill>
+                  <a:sysClr val="window" lastClr="FFFFFF"/>
+                </a:solidFill>
+                <a:effectLst/>
+                <a:uLnTx/>
+                <a:uFillTx/>
+                <a:latin typeface="Consolas"/>
+                <a:cs typeface="Consolas"/>
+              </a:rPr>
+              <a:t>This health bar shows you how much health the creature has left</a:t>
+            </a:r>
+            <a:endParaRPr kumimoji="0" lang="en-US" sz="1400" b="0" i="0" u="none" strike="noStrike" kern="0" cap="none" spc="0" normalizeH="0" baseline="0" noProof="0" dirty="0">
+              <a:ln>
+                <a:noFill/>
+              </a:ln>
+              <a:solidFill>
+                <a:sysClr val="window" lastClr="FFFFFF"/>
+              </a:solidFill>
+              <a:effectLst/>
+              <a:uLnTx/>
+              <a:uFillTx/>
+              <a:latin typeface="Consolas"/>
+              <a:cs typeface="Consolas"/>
+            </a:endParaRPr>
+          </a:p>
+        </p:txBody>
+      </p:sp>
+      <p:sp>
+        <p:nvSpPr>
+          <p:cNvPr id="15" name="TextBox 14"/>
+          <p:cNvSpPr txBox="1"/>
+          <p:nvPr/>
+        </p:nvSpPr>
+        <p:spPr>
+          <a:xfrm>
+            <a:off x="647486" y="2776220"/>
+            <a:ext cx="5874033" cy="523220"/>
+          </a:xfrm>
+          <a:prstGeom prst="rect">
+            <a:avLst/>
+          </a:prstGeom>
+          <a:noFill/>
+          <a:ln w="38100" cmpd="sng">
+            <a:noFill/>
+          </a:ln>
+        </p:spPr>
+        <p:txBody>
+          <a:bodyPr wrap="square" rtlCol="0">
+            <a:spAutoFit/>
+          </a:bodyPr>
+          <a:lstStyle/>
+          <a:p>
+            <a:pPr marL="0" marR="0" lvl="0" indent="0" defTabSz="914400" eaLnBrk="1" fontAlgn="auto" latinLnBrk="0" hangingPunct="1">
+              <a:lnSpc>
+                <a:spcPct val="100000"/>
+              </a:lnSpc>
+              <a:spcBef>
+                <a:spcPts val="0"/>
+              </a:spcBef>
+              <a:spcAft>
+                <a:spcPts val="0"/>
+              </a:spcAft>
+              <a:buClrTx/>
+              <a:buSzTx/>
+              <a:buFontTx/>
+              <a:buNone/>
+              <a:tabLst/>
+              <a:defRPr/>
+            </a:pPr>
+            <a:r>
+              <a:rPr kumimoji="0" lang="en-US" sz="1400" b="0" i="0" u="none" strike="noStrike" kern="0" cap="none" spc="0" normalizeH="0" baseline="0" noProof="0" dirty="0" smtClean="0">
+                <a:ln>
+                  <a:noFill/>
+                </a:ln>
+                <a:solidFill>
+                  <a:sysClr val="window" lastClr="FFFFFF"/>
+                </a:solidFill>
+                <a:effectLst/>
+                <a:uLnTx/>
+                <a:uFillTx/>
+                <a:latin typeface="Consolas"/>
+                <a:cs typeface="Consolas"/>
+              </a:rPr>
+              <a:t>The creatures have eyes which turn green when they detect you in their periphery</a:t>
+            </a:r>
+            <a:endParaRPr kumimoji="0" lang="en-US" sz="1400" b="0" i="0" u="none" strike="noStrike" kern="0" cap="none" spc="0" normalizeH="0" baseline="0" noProof="0" dirty="0">
+              <a:ln>
+                <a:noFill/>
+              </a:ln>
+              <a:solidFill>
+                <a:sysClr val="window" lastClr="FFFFFF"/>
+              </a:solidFill>
+              <a:effectLst/>
+              <a:uLnTx/>
+              <a:uFillTx/>
+              <a:latin typeface="Consolas"/>
+              <a:cs typeface="Consolas"/>
+            </a:endParaRPr>
+          </a:p>
+        </p:txBody>
+      </p:sp>
+      <p:sp>
+        <p:nvSpPr>
+          <p:cNvPr id="17" name="TextBox 16"/>
+          <p:cNvSpPr txBox="1"/>
+          <p:nvPr/>
+        </p:nvSpPr>
+        <p:spPr>
+          <a:xfrm>
+            <a:off x="3207942" y="4084288"/>
+            <a:ext cx="5874033" cy="553998"/>
+          </a:xfrm>
+          <a:prstGeom prst="rect">
+            <a:avLst/>
+          </a:prstGeom>
+          <a:noFill/>
+          <a:ln w="38100" cmpd="sng">
+            <a:noFill/>
+          </a:ln>
+        </p:spPr>
+        <p:txBody>
+          <a:bodyPr wrap="square" rtlCol="0">
+            <a:spAutoFit/>
+          </a:bodyPr>
+          <a:lstStyle/>
+          <a:p>
+            <a:pPr marL="0" marR="0" lvl="0" indent="0" defTabSz="914400" eaLnBrk="1" fontAlgn="auto" latinLnBrk="0" hangingPunct="1">
+              <a:lnSpc>
+                <a:spcPct val="100000"/>
+              </a:lnSpc>
+              <a:spcBef>
+                <a:spcPts val="0"/>
+              </a:spcBef>
+              <a:spcAft>
+                <a:spcPts val="0"/>
+              </a:spcAft>
+              <a:buClrTx/>
+              <a:buSzTx/>
+              <a:buFontTx/>
+              <a:buNone/>
+              <a:tabLst/>
+              <a:defRPr/>
+            </a:pPr>
+            <a:r>
+              <a:rPr kumimoji="0" lang="en-US" sz="1400" b="0" i="0" u="none" strike="noStrike" kern="0" cap="none" spc="0" normalizeH="0" baseline="0" noProof="0" dirty="0" smtClean="0">
+                <a:ln>
+                  <a:noFill/>
+                </a:ln>
+                <a:solidFill>
+                  <a:sysClr val="window" lastClr="FFFFFF"/>
+                </a:solidFill>
+                <a:effectLst/>
+                <a:uLnTx/>
+                <a:uFillTx/>
+                <a:latin typeface="Consolas"/>
+                <a:cs typeface="Consolas"/>
+              </a:rPr>
+              <a:t>Move using arrow keys and shoot creatures using the spacebar</a:t>
+            </a:r>
+            <a:r>
               <a:rPr kumimoji="0" lang="en-US" sz="1600" b="0" i="0" u="none" strike="noStrike" kern="0" cap="none" spc="0" normalizeH="0" baseline="0" noProof="0" dirty="0" smtClean="0">
                 <a:ln>
                   <a:noFill/>
@@ -3156,10 +4550,10 @@
                 <a:latin typeface="Consolas"/>
                 <a:cs typeface="Consolas"/>
               </a:rPr>
-              <a:t>Evil </a:t>
-            </a:r>
-            <a:r>
-              <a:rPr kumimoji="0" lang="en-US" sz="1600" b="0" i="0" u="none" strike="noStrike" kern="0" cap="none" spc="0" normalizeH="0" baseline="0" noProof="0" dirty="0" err="1" smtClean="0">
+              <a:t> </a:t>
+            </a:r>
+            <a:r>
+              <a:rPr kumimoji="0" lang="en-US" sz="1400" b="0" i="0" u="none" strike="noStrike" kern="0" cap="none" spc="0" normalizeH="0" baseline="0" noProof="0" dirty="0" smtClean="0">
                 <a:ln>
                   <a:noFill/>
                 </a:ln>
@@ -3172,25 +4566,9 @@
                 <a:latin typeface="Consolas"/>
                 <a:cs typeface="Consolas"/>
               </a:rPr>
-              <a:t>Dr</a:t>
-            </a:r>
-            <a:r>
-              <a:rPr kumimoji="0" lang="en-US" sz="1600" b="0" i="0" u="none" strike="noStrike" kern="0" cap="none" spc="0" normalizeH="0" baseline="0" noProof="0" dirty="0" smtClean="0">
-                <a:ln>
-                  <a:noFill/>
-                </a:ln>
-                <a:solidFill>
-                  <a:sysClr val="window" lastClr="FFFFFF"/>
-                </a:solidFill>
-                <a:effectLst/>
-                <a:uLnTx/>
-                <a:uFillTx/>
-                <a:latin typeface="Consolas"/>
-                <a:cs typeface="Consolas"/>
-              </a:rPr>
-              <a:t> Darwin is planning to create the ultimate killing creature using evolution</a:t>
-            </a:r>
-            <a:endParaRPr kumimoji="0" lang="en-US" sz="1600" b="0" i="0" u="none" strike="noStrike" kern="0" cap="none" spc="0" normalizeH="0" baseline="0" noProof="0" dirty="0">
+              <a:t>but be careful as shooting decreases your health</a:t>
+            </a:r>
+            <a:endParaRPr kumimoji="0" lang="en-US" sz="1400" b="0" i="0" u="none" strike="noStrike" kern="0" cap="none" spc="0" normalizeH="0" baseline="0" noProof="0" dirty="0">
               <a:ln>
                 <a:noFill/>
               </a:ln>
@@ -3208,7 +4586,7 @@
       </p:sp>
       <p:pic>
         <p:nvPicPr>
-          <p:cNvPr id="12" name="Picture 11" descr="darwin.bmp"/>
+          <p:cNvPr id="4" name="Picture 3" descr="Screen Shot 2018-07-26 at 4.59.08 PM.png"/>
           <p:cNvPicPr>
             <a:picLocks noChangeAspect="1"/>
           </p:cNvPicPr>
@@ -3228,338 +4606,18 @@
         </p:blipFill>
         <p:spPr>
           <a:xfrm>
-            <a:off x="647486" y="1161623"/>
-            <a:ext cx="596146" cy="596146"/>
+            <a:off x="6636841" y="1347020"/>
+            <a:ext cx="1175556" cy="844413"/>
           </a:xfrm>
           <a:prstGeom prst="rect">
             <a:avLst/>
           </a:prstGeom>
         </p:spPr>
       </p:pic>
-      <p:pic>
-        <p:nvPicPr>
-          <p:cNvPr id="13" name="Picture 12" descr="Screen Shot 2018-07-14 at 2.31.13 PM.png"/>
-          <p:cNvPicPr>
-            <a:picLocks noChangeAspect="1"/>
-          </p:cNvPicPr>
-          <p:nvPr/>
-        </p:nvPicPr>
-        <p:blipFill rotWithShape="1">
-          <a:blip r:embed="rId3">
-            <a:extLst>
-              <a:ext uri="{28A0092B-C50C-407E-A947-70E740481C1C}">
-                <a14:useLocalDpi xmlns:a14="http://schemas.microsoft.com/office/drawing/2010/main" val="0"/>
-              </a:ext>
-            </a:extLst>
-          </a:blip>
-          <a:srcRect l="17682" t="60765" r="17250" b="8675"/>
-          <a:stretch/>
-        </p:blipFill>
-        <p:spPr>
-          <a:xfrm>
-            <a:off x="6851020" y="2613674"/>
-            <a:ext cx="838650" cy="532263"/>
-          </a:xfrm>
-          <a:prstGeom prst="rect">
-            <a:avLst/>
-          </a:prstGeom>
-        </p:spPr>
-      </p:pic>
-      <p:sp>
-        <p:nvSpPr>
-          <p:cNvPr id="14" name="TextBox 13"/>
-          <p:cNvSpPr txBox="1"/>
-          <p:nvPr/>
-        </p:nvSpPr>
-        <p:spPr>
-          <a:xfrm>
-            <a:off x="647486" y="2163085"/>
-            <a:ext cx="5874033" cy="584776"/>
-          </a:xfrm>
-          <a:prstGeom prst="rect">
-            <a:avLst/>
-          </a:prstGeom>
-          <a:noFill/>
-          <a:ln w="38100" cmpd="sng">
-            <a:noFill/>
-          </a:ln>
-        </p:spPr>
-        <p:txBody>
-          <a:bodyPr wrap="square" rtlCol="0">
-            <a:spAutoFit/>
-          </a:bodyPr>
-          <a:lstStyle/>
-          <a:p>
-            <a:pPr marL="0" marR="0" lvl="0" indent="0" defTabSz="914400" eaLnBrk="1" fontAlgn="auto" latinLnBrk="0" hangingPunct="1">
-              <a:lnSpc>
-                <a:spcPct val="100000"/>
-              </a:lnSpc>
-              <a:spcBef>
-                <a:spcPts val="0"/>
-              </a:spcBef>
-              <a:spcAft>
-                <a:spcPts val="0"/>
-              </a:spcAft>
-              <a:buClrTx/>
-              <a:buSzTx/>
-              <a:buFontTx/>
-              <a:buNone/>
-              <a:tabLst/>
-              <a:defRPr/>
-            </a:pPr>
-            <a:r>
-              <a:rPr kumimoji="0" lang="en-US" sz="1600" b="0" i="0" u="none" strike="noStrike" kern="0" cap="none" spc="0" normalizeH="0" baseline="0" noProof="0" dirty="0" smtClean="0">
-                <a:ln>
-                  <a:noFill/>
-                </a:ln>
-                <a:solidFill>
-                  <a:sysClr val="window" lastClr="FFFFFF"/>
-                </a:solidFill>
-                <a:effectLst/>
-                <a:uLnTx/>
-                <a:uFillTx/>
-                <a:latin typeface="Consolas"/>
-                <a:cs typeface="Consolas"/>
-              </a:rPr>
-              <a:t>This health bar shows you how much health the creature has left</a:t>
-            </a:r>
-            <a:endParaRPr kumimoji="0" lang="en-US" sz="1600" b="0" i="0" u="none" strike="noStrike" kern="0" cap="none" spc="0" normalizeH="0" baseline="0" noProof="0" dirty="0">
-              <a:ln>
-                <a:noFill/>
-              </a:ln>
-              <a:solidFill>
-                <a:sysClr val="window" lastClr="FFFFFF"/>
-              </a:solidFill>
-              <a:effectLst/>
-              <a:uLnTx/>
-              <a:uFillTx/>
-              <a:latin typeface="Consolas"/>
-              <a:cs typeface="Consolas"/>
-            </a:endParaRPr>
-          </a:p>
-        </p:txBody>
-      </p:sp>
-      <p:sp>
-        <p:nvSpPr>
-          <p:cNvPr id="15" name="TextBox 14"/>
-          <p:cNvSpPr txBox="1"/>
-          <p:nvPr/>
-        </p:nvSpPr>
-        <p:spPr>
-          <a:xfrm>
-            <a:off x="647486" y="2776220"/>
-            <a:ext cx="5874033" cy="584776"/>
-          </a:xfrm>
-          <a:prstGeom prst="rect">
-            <a:avLst/>
-          </a:prstGeom>
-          <a:noFill/>
-          <a:ln w="38100" cmpd="sng">
-            <a:noFill/>
-          </a:ln>
-        </p:spPr>
-        <p:txBody>
-          <a:bodyPr wrap="square" rtlCol="0">
-            <a:spAutoFit/>
-          </a:bodyPr>
-          <a:lstStyle/>
-          <a:p>
-            <a:pPr marL="0" marR="0" lvl="0" indent="0" defTabSz="914400" eaLnBrk="1" fontAlgn="auto" latinLnBrk="0" hangingPunct="1">
-              <a:lnSpc>
-                <a:spcPct val="100000"/>
-              </a:lnSpc>
-              <a:spcBef>
-                <a:spcPts val="0"/>
-              </a:spcBef>
-              <a:spcAft>
-                <a:spcPts val="0"/>
-              </a:spcAft>
-              <a:buClrTx/>
-              <a:buSzTx/>
-              <a:buFontTx/>
-              <a:buNone/>
-              <a:tabLst/>
-              <a:defRPr/>
-            </a:pPr>
-            <a:r>
-              <a:rPr kumimoji="0" lang="en-US" sz="1600" b="0" i="0" u="none" strike="noStrike" kern="0" cap="none" spc="0" normalizeH="0" baseline="0" noProof="0" dirty="0" smtClean="0">
-                <a:ln>
-                  <a:noFill/>
-                </a:ln>
-                <a:solidFill>
-                  <a:sysClr val="window" lastClr="FFFFFF"/>
-                </a:solidFill>
-                <a:effectLst/>
-                <a:uLnTx/>
-                <a:uFillTx/>
-                <a:latin typeface="Consolas"/>
-                <a:cs typeface="Consolas"/>
-              </a:rPr>
-              <a:t>The creatures have eyes which turn green when they detect you in their periphery</a:t>
-            </a:r>
-            <a:endParaRPr kumimoji="0" lang="en-US" sz="1600" b="0" i="0" u="none" strike="noStrike" kern="0" cap="none" spc="0" normalizeH="0" baseline="0" noProof="0" dirty="0">
-              <a:ln>
-                <a:noFill/>
-              </a:ln>
-              <a:solidFill>
-                <a:sysClr val="window" lastClr="FFFFFF"/>
-              </a:solidFill>
-              <a:effectLst/>
-              <a:uLnTx/>
-              <a:uFillTx/>
-              <a:latin typeface="Consolas"/>
-              <a:cs typeface="Consolas"/>
-            </a:endParaRPr>
-          </a:p>
-        </p:txBody>
-      </p:sp>
-      <p:sp>
-        <p:nvSpPr>
-          <p:cNvPr id="16" name="Isosceles Triangle 15"/>
-          <p:cNvSpPr/>
-          <p:nvPr/>
-        </p:nvSpPr>
-        <p:spPr>
-          <a:xfrm rot="18759158">
-            <a:off x="6954856" y="2868717"/>
-            <a:ext cx="925714" cy="302688"/>
-          </a:xfrm>
-          <a:prstGeom prst="triangle">
-            <a:avLst/>
-          </a:prstGeom>
-          <a:solidFill>
-            <a:sysClr val="window" lastClr="FFFFFF">
-              <a:alpha val="44000"/>
-            </a:sysClr>
-          </a:solidFill>
-          <a:ln w="9525" cap="flat" cmpd="sng" algn="ctr">
-            <a:noFill/>
-            <a:prstDash val="solid"/>
-          </a:ln>
-          <a:effectLst>
-            <a:outerShdw blurRad="40000" dist="23000" dir="5400000" rotWithShape="0">
-              <a:srgbClr val="000000">
-                <a:alpha val="35000"/>
-              </a:srgbClr>
-            </a:outerShdw>
-          </a:effectLst>
-        </p:spPr>
-        <p:txBody>
-          <a:bodyPr rtlCol="0" anchor="ctr"/>
-          <a:lstStyle/>
-          <a:p>
-            <a:pPr marL="0" marR="0" lvl="0" indent="0" algn="ctr" defTabSz="914400" eaLnBrk="1" fontAlgn="auto" latinLnBrk="0" hangingPunct="1">
-              <a:lnSpc>
-                <a:spcPct val="100000"/>
-              </a:lnSpc>
-              <a:spcBef>
-                <a:spcPts val="0"/>
-              </a:spcBef>
-              <a:spcAft>
-                <a:spcPts val="0"/>
-              </a:spcAft>
-              <a:buClrTx/>
-              <a:buSzTx/>
-              <a:buFontTx/>
-              <a:buNone/>
-              <a:tabLst/>
-              <a:defRPr/>
-            </a:pPr>
-            <a:endParaRPr kumimoji="0" lang="en-US" sz="1800" b="0" i="0" u="none" strike="noStrike" kern="0" cap="none" spc="0" normalizeH="0" baseline="0" noProof="0" smtClean="0">
-              <a:ln>
-                <a:noFill/>
-              </a:ln>
-              <a:solidFill>
-                <a:sysClr val="window" lastClr="FFFFFF"/>
-              </a:solidFill>
-              <a:effectLst/>
-              <a:uLnTx/>
-              <a:uFillTx/>
-              <a:latin typeface="Calibri"/>
-              <a:ea typeface="+mn-ea"/>
-              <a:cs typeface="+mn-cs"/>
-            </a:endParaRPr>
-          </a:p>
-        </p:txBody>
-      </p:sp>
-      <p:sp>
-        <p:nvSpPr>
-          <p:cNvPr id="17" name="TextBox 16"/>
-          <p:cNvSpPr txBox="1"/>
-          <p:nvPr/>
-        </p:nvSpPr>
-        <p:spPr>
-          <a:xfrm>
-            <a:off x="3207942" y="4499787"/>
-            <a:ext cx="5874033" cy="830997"/>
-          </a:xfrm>
-          <a:prstGeom prst="rect">
-            <a:avLst/>
-          </a:prstGeom>
-          <a:noFill/>
-          <a:ln w="38100" cmpd="sng">
-            <a:noFill/>
-          </a:ln>
-        </p:spPr>
-        <p:txBody>
-          <a:bodyPr wrap="square" rtlCol="0">
-            <a:spAutoFit/>
-          </a:bodyPr>
-          <a:lstStyle/>
-          <a:p>
-            <a:pPr marL="0" marR="0" lvl="0" indent="0" defTabSz="914400" eaLnBrk="1" fontAlgn="auto" latinLnBrk="0" hangingPunct="1">
-              <a:lnSpc>
-                <a:spcPct val="100000"/>
-              </a:lnSpc>
-              <a:spcBef>
-                <a:spcPts val="0"/>
-              </a:spcBef>
-              <a:spcAft>
-                <a:spcPts val="0"/>
-              </a:spcAft>
-              <a:buClrTx/>
-              <a:buSzTx/>
-              <a:buFontTx/>
-              <a:buNone/>
-              <a:tabLst/>
-              <a:defRPr/>
-            </a:pPr>
-            <a:r>
-              <a:rPr kumimoji="0" lang="en-US" sz="1600" b="0" i="0" u="none" strike="noStrike" kern="0" cap="none" spc="0" normalizeH="0" baseline="0" noProof="0" dirty="0" smtClean="0">
-                <a:ln>
-                  <a:noFill/>
-                </a:ln>
-                <a:solidFill>
-                  <a:sysClr val="window" lastClr="FFFFFF"/>
-                </a:solidFill>
-                <a:effectLst/>
-                <a:uLnTx/>
-                <a:uFillTx/>
-                <a:latin typeface="Consolas"/>
-                <a:cs typeface="Consolas"/>
-              </a:rPr>
-              <a:t>Move using arrow keys and shoot creatures using the spacebar but be careful as shooting decreases your health</a:t>
-            </a:r>
-            <a:endParaRPr kumimoji="0" lang="en-US" sz="1600" b="0" i="0" u="none" strike="noStrike" kern="0" cap="none" spc="0" normalizeH="0" baseline="0" noProof="0" dirty="0">
-              <a:ln>
-                <a:noFill/>
-              </a:ln>
-              <a:solidFill>
-                <a:sysClr val="window" lastClr="FFFFFF"/>
-              </a:solidFill>
-              <a:effectLst/>
-              <a:uLnTx/>
-              <a:uFillTx/>
-              <a:latin typeface="Consolas"/>
-              <a:cs typeface="Consolas"/>
-            </a:endParaRPr>
-          </a:p>
-        </p:txBody>
-      </p:sp>
     </p:spTree>
     <p:extLst>
       <p:ext uri="{BB962C8B-B14F-4D97-AF65-F5344CB8AC3E}">
-        <p14:creationId xmlns:p14="http://schemas.microsoft.com/office/powerpoint/2010/main" val="2469606694"/>
+        <p14:creationId xmlns:p14="http://schemas.microsoft.com/office/powerpoint/2010/main" val="2614285645"/>
       </p:ext>
     </p:extLst>
   </p:cSld>
@@ -3569,7 +4627,7 @@
 </p:sld>
 </file>
 
-<file path=ppt/slides/slide2.xml><?xml version="1.0" encoding="utf-8"?>
+<file path=ppt/slides/slide3.xml><?xml version="1.0" encoding="utf-8"?>
 <p:sld xmlns:a="http://schemas.openxmlformats.org/drawingml/2006/main" xmlns:r="http://schemas.openxmlformats.org/officeDocument/2006/relationships" xmlns:p="http://schemas.openxmlformats.org/presentationml/2006/main">
   <p:cSld>
     <p:spTree>
@@ -3696,8 +4754,537 @@
 </p:sld>
 </file>
 
+<file path=ppt/slides/slide4.xml><?xml version="1.0" encoding="utf-8"?>
+<p:sld xmlns:a="http://schemas.openxmlformats.org/drawingml/2006/main" xmlns:r="http://schemas.openxmlformats.org/officeDocument/2006/relationships" xmlns:p="http://schemas.openxmlformats.org/presentationml/2006/main">
+  <p:cSld>
+    <p:spTree>
+      <p:nvGrpSpPr>
+        <p:cNvPr id="1" name=""/>
+        <p:cNvGrpSpPr/>
+        <p:nvPr/>
+      </p:nvGrpSpPr>
+      <p:grpSpPr>
+        <a:xfrm>
+          <a:off x="0" y="0"/>
+          <a:ext cx="0" cy="0"/>
+          <a:chOff x="0" y="0"/>
+          <a:chExt cx="0" cy="0"/>
+        </a:xfrm>
+      </p:grpSpPr>
+      <p:sp>
+        <p:nvSpPr>
+          <p:cNvPr id="3" name="Rectangle 2"/>
+          <p:cNvSpPr/>
+          <p:nvPr/>
+        </p:nvSpPr>
+        <p:spPr>
+          <a:xfrm>
+            <a:off x="-1" y="0"/>
+            <a:ext cx="9528175" cy="5715000"/>
+          </a:xfrm>
+          <a:prstGeom prst="rect">
+            <a:avLst/>
+          </a:prstGeom>
+          <a:solidFill>
+            <a:srgbClr val="000000"/>
+          </a:solidFill>
+          <a:ln>
+            <a:noFill/>
+          </a:ln>
+          <a:effectLst/>
+        </p:spPr>
+        <p:style>
+          <a:lnRef idx="1">
+            <a:schemeClr val="accent1"/>
+          </a:lnRef>
+          <a:fillRef idx="3">
+            <a:schemeClr val="accent1"/>
+          </a:fillRef>
+          <a:effectRef idx="2">
+            <a:schemeClr val="accent1"/>
+          </a:effectRef>
+          <a:fontRef idx="minor">
+            <a:schemeClr val="lt1"/>
+          </a:fontRef>
+        </p:style>
+        <p:txBody>
+          <a:bodyPr rtlCol="0" anchor="ctr"/>
+          <a:lstStyle/>
+          <a:p>
+            <a:pPr algn="ctr"/>
+            <a:endParaRPr lang="en-US"/>
+          </a:p>
+        </p:txBody>
+      </p:sp>
+      <p:sp>
+        <p:nvSpPr>
+          <p:cNvPr id="11" name="TextBox 10"/>
+          <p:cNvSpPr txBox="1"/>
+          <p:nvPr/>
+        </p:nvSpPr>
+        <p:spPr>
+          <a:xfrm>
+            <a:off x="647486" y="1184451"/>
+            <a:ext cx="5874033" cy="523220"/>
+          </a:xfrm>
+          <a:prstGeom prst="rect">
+            <a:avLst/>
+          </a:prstGeom>
+          <a:noFill/>
+          <a:ln w="38100" cmpd="sng">
+            <a:noFill/>
+          </a:ln>
+        </p:spPr>
+        <p:txBody>
+          <a:bodyPr wrap="square" rtlCol="0">
+            <a:spAutoFit/>
+          </a:bodyPr>
+          <a:lstStyle/>
+          <a:p>
+            <a:pPr marL="0" marR="0" lvl="0" indent="0" defTabSz="914400" eaLnBrk="1" fontAlgn="auto" latinLnBrk="0" hangingPunct="1">
+              <a:lnSpc>
+                <a:spcPct val="100000"/>
+              </a:lnSpc>
+              <a:spcBef>
+                <a:spcPts val="0"/>
+              </a:spcBef>
+              <a:spcAft>
+                <a:spcPts val="0"/>
+              </a:spcAft>
+              <a:buClrTx/>
+              <a:buSzTx/>
+              <a:buFontTx/>
+              <a:buNone/>
+              <a:tabLst/>
+              <a:defRPr/>
+            </a:pPr>
+            <a:r>
+              <a:rPr kumimoji="0" lang="en-US" sz="1400" b="0" i="0" u="none" strike="noStrike" kern="0" cap="none" spc="0" normalizeH="0" baseline="0" noProof="0" dirty="0" smtClean="0">
+                <a:ln>
+                  <a:noFill/>
+                </a:ln>
+                <a:solidFill>
+                  <a:sysClr val="window" lastClr="FFFFFF"/>
+                </a:solidFill>
+                <a:effectLst/>
+                <a:uLnTx/>
+                <a:uFillTx/>
+                <a:latin typeface="Consolas"/>
+                <a:cs typeface="Consolas"/>
+              </a:rPr>
+              <a:t>Evil </a:t>
+            </a:r>
+            <a:r>
+              <a:rPr kumimoji="0" lang="en-US" sz="1400" b="0" i="0" u="none" strike="noStrike" kern="0" cap="none" spc="0" normalizeH="0" baseline="0" noProof="0" dirty="0" smtClean="0">
+                <a:ln>
+                  <a:noFill/>
+                </a:ln>
+                <a:solidFill>
+                  <a:sysClr val="window" lastClr="FFFFFF"/>
+                </a:solidFill>
+                <a:effectLst/>
+                <a:uLnTx/>
+                <a:uFillTx/>
+                <a:latin typeface="Consolas"/>
+                <a:cs typeface="Consolas"/>
+              </a:rPr>
+              <a:t>Dr. </a:t>
+            </a:r>
+            <a:r>
+              <a:rPr kumimoji="0" lang="en-US" sz="1400" b="0" i="0" u="none" strike="noStrike" kern="0" cap="none" spc="0" normalizeH="0" baseline="0" noProof="0" dirty="0" smtClean="0">
+                <a:ln>
+                  <a:noFill/>
+                </a:ln>
+                <a:solidFill>
+                  <a:sysClr val="window" lastClr="FFFFFF"/>
+                </a:solidFill>
+                <a:effectLst/>
+                <a:uLnTx/>
+                <a:uFillTx/>
+                <a:latin typeface="Consolas"/>
+                <a:cs typeface="Consolas"/>
+              </a:rPr>
+              <a:t>Darwin is planning to create the ultimate killing creature using evolution</a:t>
+            </a:r>
+            <a:endParaRPr kumimoji="0" lang="en-US" sz="1400" b="0" i="0" u="none" strike="noStrike" kern="0" cap="none" spc="0" normalizeH="0" baseline="0" noProof="0" dirty="0">
+              <a:ln>
+                <a:noFill/>
+              </a:ln>
+              <a:solidFill>
+                <a:sysClr val="window" lastClr="FFFFFF"/>
+              </a:solidFill>
+              <a:effectLst/>
+              <a:uLnTx/>
+              <a:uFillTx/>
+              <a:latin typeface="Consolas"/>
+              <a:cs typeface="Consolas"/>
+            </a:endParaRPr>
+          </a:p>
+        </p:txBody>
+      </p:sp>
+      <p:sp>
+        <p:nvSpPr>
+          <p:cNvPr id="14" name="TextBox 13"/>
+          <p:cNvSpPr txBox="1"/>
+          <p:nvPr/>
+        </p:nvSpPr>
+        <p:spPr>
+          <a:xfrm>
+            <a:off x="647486" y="2149027"/>
+            <a:ext cx="5874033" cy="523220"/>
+          </a:xfrm>
+          <a:prstGeom prst="rect">
+            <a:avLst/>
+          </a:prstGeom>
+          <a:noFill/>
+          <a:ln w="38100" cmpd="sng">
+            <a:noFill/>
+          </a:ln>
+        </p:spPr>
+        <p:txBody>
+          <a:bodyPr wrap="square" rtlCol="0">
+            <a:spAutoFit/>
+          </a:bodyPr>
+          <a:lstStyle/>
+          <a:p>
+            <a:pPr marL="0" marR="0" lvl="0" indent="0" defTabSz="914400" eaLnBrk="1" fontAlgn="auto" latinLnBrk="0" hangingPunct="1">
+              <a:lnSpc>
+                <a:spcPct val="100000"/>
+              </a:lnSpc>
+              <a:spcBef>
+                <a:spcPts val="0"/>
+              </a:spcBef>
+              <a:spcAft>
+                <a:spcPts val="0"/>
+              </a:spcAft>
+              <a:buClrTx/>
+              <a:buSzTx/>
+              <a:buFontTx/>
+              <a:buNone/>
+              <a:tabLst/>
+              <a:defRPr/>
+            </a:pPr>
+            <a:r>
+              <a:rPr kumimoji="0" lang="en-US" sz="1400" b="0" i="0" u="none" strike="noStrike" kern="0" cap="none" spc="0" normalizeH="0" baseline="0" noProof="0" dirty="0" smtClean="0">
+                <a:ln>
+                  <a:noFill/>
+                </a:ln>
+                <a:solidFill>
+                  <a:sysClr val="window" lastClr="FFFFFF"/>
+                </a:solidFill>
+                <a:effectLst/>
+                <a:uLnTx/>
+                <a:uFillTx/>
+                <a:latin typeface="Consolas"/>
+                <a:cs typeface="Consolas"/>
+              </a:rPr>
+              <a:t>Each creature has a unique neural network that makes decisions based</a:t>
+            </a:r>
+            <a:r>
+              <a:rPr kumimoji="0" lang="en-US" sz="1400" b="0" i="0" u="none" strike="noStrike" kern="0" cap="none" spc="0" normalizeH="0" noProof="0" dirty="0" smtClean="0">
+                <a:ln>
+                  <a:noFill/>
+                </a:ln>
+                <a:solidFill>
+                  <a:sysClr val="window" lastClr="FFFFFF"/>
+                </a:solidFill>
+                <a:effectLst/>
+                <a:uLnTx/>
+                <a:uFillTx/>
+                <a:latin typeface="Consolas"/>
+                <a:cs typeface="Consolas"/>
+              </a:rPr>
+              <a:t> on their surroundings</a:t>
+            </a:r>
+            <a:r>
+              <a:rPr kumimoji="0" lang="en-US" sz="1400" b="0" i="0" u="none" strike="noStrike" kern="0" cap="none" spc="0" normalizeH="0" baseline="0" noProof="0" dirty="0" smtClean="0">
+                <a:ln>
+                  <a:noFill/>
+                </a:ln>
+                <a:solidFill>
+                  <a:sysClr val="window" lastClr="FFFFFF"/>
+                </a:solidFill>
+                <a:effectLst/>
+                <a:uLnTx/>
+                <a:uFillTx/>
+                <a:latin typeface="Consolas"/>
+                <a:cs typeface="Consolas"/>
+              </a:rPr>
+              <a:t> </a:t>
+            </a:r>
+            <a:endParaRPr kumimoji="0" lang="en-US" sz="1400" b="0" i="0" u="none" strike="noStrike" kern="0" cap="none" spc="0" normalizeH="0" baseline="0" noProof="0" dirty="0">
+              <a:ln>
+                <a:noFill/>
+              </a:ln>
+              <a:solidFill>
+                <a:sysClr val="window" lastClr="FFFFFF"/>
+              </a:solidFill>
+              <a:effectLst/>
+              <a:uLnTx/>
+              <a:uFillTx/>
+              <a:latin typeface="Consolas"/>
+              <a:cs typeface="Consolas"/>
+            </a:endParaRPr>
+          </a:p>
+        </p:txBody>
+      </p:sp>
+      <p:sp>
+        <p:nvSpPr>
+          <p:cNvPr id="15" name="TextBox 14"/>
+          <p:cNvSpPr txBox="1"/>
+          <p:nvPr/>
+        </p:nvSpPr>
+        <p:spPr>
+          <a:xfrm>
+            <a:off x="647486" y="2776220"/>
+            <a:ext cx="5874033" cy="523220"/>
+          </a:xfrm>
+          <a:prstGeom prst="rect">
+            <a:avLst/>
+          </a:prstGeom>
+          <a:noFill/>
+          <a:ln w="38100" cmpd="sng">
+            <a:noFill/>
+          </a:ln>
+        </p:spPr>
+        <p:txBody>
+          <a:bodyPr wrap="square" rtlCol="0">
+            <a:spAutoFit/>
+          </a:bodyPr>
+          <a:lstStyle/>
+          <a:p>
+            <a:pPr marL="0" marR="0" lvl="0" indent="0" defTabSz="914400" eaLnBrk="1" fontAlgn="auto" latinLnBrk="0" hangingPunct="1">
+              <a:lnSpc>
+                <a:spcPct val="100000"/>
+              </a:lnSpc>
+              <a:spcBef>
+                <a:spcPts val="0"/>
+              </a:spcBef>
+              <a:spcAft>
+                <a:spcPts val="0"/>
+              </a:spcAft>
+              <a:buClrTx/>
+              <a:buSzTx/>
+              <a:buFontTx/>
+              <a:buNone/>
+              <a:tabLst/>
+              <a:defRPr/>
+            </a:pPr>
+            <a:r>
+              <a:rPr kumimoji="0" lang="en-US" sz="1400" b="0" i="0" u="none" strike="noStrike" kern="0" cap="none" spc="0" normalizeH="0" baseline="0" noProof="0" dirty="0" smtClean="0">
+                <a:ln>
+                  <a:noFill/>
+                </a:ln>
+                <a:solidFill>
+                  <a:sysClr val="window" lastClr="FFFFFF"/>
+                </a:solidFill>
+                <a:effectLst/>
+                <a:uLnTx/>
+                <a:uFillTx/>
+                <a:latin typeface="Consolas"/>
+                <a:cs typeface="Consolas"/>
+              </a:rPr>
+              <a:t>The creatures have </a:t>
+            </a:r>
+            <a:r>
+              <a:rPr kumimoji="0" lang="en-US" sz="1400" b="0" i="0" u="none" strike="noStrike" kern="0" cap="none" spc="0" normalizeH="0" baseline="0" noProof="0" dirty="0" smtClean="0">
+                <a:ln>
+                  <a:noFill/>
+                </a:ln>
+                <a:solidFill>
+                  <a:sysClr val="window" lastClr="FFFFFF"/>
+                </a:solidFill>
+                <a:effectLst/>
+                <a:uLnTx/>
+                <a:uFillTx/>
+                <a:latin typeface="Consolas"/>
+                <a:cs typeface="Consolas"/>
+              </a:rPr>
+              <a:t>2 eyes </a:t>
+            </a:r>
+            <a:r>
+              <a:rPr kumimoji="0" lang="en-US" sz="1400" b="0" i="0" u="none" strike="noStrike" kern="0" cap="none" spc="0" normalizeH="0" baseline="0" noProof="0" dirty="0" smtClean="0">
+                <a:ln>
+                  <a:noFill/>
+                </a:ln>
+                <a:solidFill>
+                  <a:sysClr val="window" lastClr="FFFFFF"/>
+                </a:solidFill>
+                <a:effectLst/>
+                <a:uLnTx/>
+                <a:uFillTx/>
+                <a:latin typeface="Consolas"/>
+                <a:cs typeface="Consolas"/>
+              </a:rPr>
+              <a:t>which </a:t>
+            </a:r>
+            <a:r>
+              <a:rPr kumimoji="0" lang="en-US" sz="1400" b="0" i="0" u="none" strike="noStrike" kern="0" cap="none" spc="0" normalizeH="0" baseline="0" noProof="0" dirty="0" smtClean="0">
+                <a:ln>
+                  <a:noFill/>
+                </a:ln>
+                <a:solidFill>
+                  <a:sysClr val="window" lastClr="FFFFFF"/>
+                </a:solidFill>
+                <a:effectLst/>
+                <a:uLnTx/>
+                <a:uFillTx/>
+                <a:latin typeface="Consolas"/>
+                <a:cs typeface="Consolas"/>
+              </a:rPr>
+              <a:t>detect the</a:t>
+            </a:r>
+            <a:r>
+              <a:rPr kumimoji="0" lang="en-US" sz="1400" b="0" i="0" u="none" strike="noStrike" kern="0" cap="none" spc="0" normalizeH="0" noProof="0" dirty="0" smtClean="0">
+                <a:ln>
+                  <a:noFill/>
+                </a:ln>
+                <a:solidFill>
+                  <a:sysClr val="window" lastClr="FFFFFF"/>
+                </a:solidFill>
+                <a:effectLst/>
+                <a:uLnTx/>
+                <a:uFillTx/>
+                <a:latin typeface="Consolas"/>
+                <a:cs typeface="Consolas"/>
+              </a:rPr>
+              <a:t> player as well as bullets</a:t>
+            </a:r>
+            <a:endParaRPr kumimoji="0" lang="en-US" sz="1400" b="0" i="0" u="none" strike="noStrike" kern="0" cap="none" spc="0" normalizeH="0" baseline="0" noProof="0" dirty="0">
+              <a:ln>
+                <a:noFill/>
+              </a:ln>
+              <a:solidFill>
+                <a:sysClr val="window" lastClr="FFFFFF"/>
+              </a:solidFill>
+              <a:effectLst/>
+              <a:uLnTx/>
+              <a:uFillTx/>
+              <a:latin typeface="Consolas"/>
+              <a:cs typeface="Consolas"/>
+            </a:endParaRPr>
+          </a:p>
+        </p:txBody>
+      </p:sp>
+      <p:sp>
+        <p:nvSpPr>
+          <p:cNvPr id="17" name="TextBox 16"/>
+          <p:cNvSpPr txBox="1"/>
+          <p:nvPr/>
+        </p:nvSpPr>
+        <p:spPr>
+          <a:xfrm>
+            <a:off x="3207942" y="4084288"/>
+            <a:ext cx="5874033" cy="523220"/>
+          </a:xfrm>
+          <a:prstGeom prst="rect">
+            <a:avLst/>
+          </a:prstGeom>
+          <a:noFill/>
+          <a:ln w="38100" cmpd="sng">
+            <a:noFill/>
+          </a:ln>
+        </p:spPr>
+        <p:txBody>
+          <a:bodyPr wrap="square" rtlCol="0">
+            <a:spAutoFit/>
+          </a:bodyPr>
+          <a:lstStyle/>
+          <a:p>
+            <a:pPr marL="0" marR="0" lvl="0" indent="0" defTabSz="914400" eaLnBrk="1" fontAlgn="auto" latinLnBrk="0" hangingPunct="1">
+              <a:lnSpc>
+                <a:spcPct val="100000"/>
+              </a:lnSpc>
+              <a:spcBef>
+                <a:spcPts val="0"/>
+              </a:spcBef>
+              <a:spcAft>
+                <a:spcPts val="0"/>
+              </a:spcAft>
+              <a:buClrTx/>
+              <a:buSzTx/>
+              <a:buFontTx/>
+              <a:buNone/>
+              <a:tabLst/>
+              <a:defRPr/>
+            </a:pPr>
+            <a:r>
+              <a:rPr kumimoji="0" lang="en-US" sz="1400" b="0" i="0" u="none" strike="noStrike" kern="0" cap="none" spc="0" normalizeH="0" baseline="0" noProof="0" dirty="0" smtClean="0">
+                <a:ln>
+                  <a:noFill/>
+                </a:ln>
+                <a:solidFill>
+                  <a:sysClr val="window" lastClr="FFFFFF"/>
+                </a:solidFill>
+                <a:effectLst/>
+                <a:uLnTx/>
+                <a:uFillTx/>
+                <a:latin typeface="Consolas"/>
+                <a:cs typeface="Consolas"/>
+              </a:rPr>
+              <a:t>Move using arrow keys and shoot creatures using the spacebar but be careful as shooting decreases your health</a:t>
+            </a:r>
+            <a:endParaRPr kumimoji="0" lang="en-US" sz="1400" b="0" i="0" u="none" strike="noStrike" kern="0" cap="none" spc="0" normalizeH="0" baseline="0" noProof="0" dirty="0">
+              <a:ln>
+                <a:noFill/>
+              </a:ln>
+              <a:solidFill>
+                <a:sysClr val="window" lastClr="FFFFFF"/>
+              </a:solidFill>
+              <a:effectLst/>
+              <a:uLnTx/>
+              <a:uFillTx/>
+              <a:latin typeface="Consolas"/>
+              <a:cs typeface="Consolas"/>
+            </a:endParaRPr>
+          </a:p>
+        </p:txBody>
+      </p:sp>
+      <p:pic>
+        <p:nvPicPr>
+          <p:cNvPr id="5" name="Picture 4" descr="Screen Shot 2018-07-26 at 5.01.09 PM.png"/>
+          <p:cNvPicPr>
+            <a:picLocks noChangeAspect="1"/>
+          </p:cNvPicPr>
+          <p:nvPr/>
+        </p:nvPicPr>
+        <p:blipFill>
+          <a:blip r:embed="rId2">
+            <a:extLst>
+              <a:ext uri="{28A0092B-C50C-407E-A947-70E740481C1C}">
+                <a14:useLocalDpi xmlns:a14="http://schemas.microsoft.com/office/drawing/2010/main" val="0"/>
+              </a:ext>
+            </a:extLst>
+          </a:blip>
+          <a:stretch>
+            <a:fillRect/>
+          </a:stretch>
+        </p:blipFill>
+        <p:spPr>
+          <a:xfrm>
+            <a:off x="6863865" y="1404335"/>
+            <a:ext cx="791550" cy="828365"/>
+          </a:xfrm>
+          <a:prstGeom prst="rect">
+            <a:avLst/>
+          </a:prstGeom>
+        </p:spPr>
+      </p:pic>
+    </p:spTree>
+    <p:extLst>
+      <p:ext uri="{BB962C8B-B14F-4D97-AF65-F5344CB8AC3E}">
+        <p14:creationId xmlns:p14="http://schemas.microsoft.com/office/powerpoint/2010/main" val="2838566785"/>
+      </p:ext>
+    </p:extLst>
+  </p:cSld>
+  <p:clrMapOvr>
+    <a:masterClrMapping/>
+  </p:clrMapOvr>
+</p:sld>
+</file>
+
 <file path=ppt/theme/theme1.xml><?xml version="1.0" encoding="utf-8"?>
-<a:theme xmlns:a="http://schemas.openxmlformats.org/drawingml/2006/main" name="Black">
+<a:theme xmlns:a="http://schemas.openxmlformats.org/drawingml/2006/main" name="Office Theme">
   <a:themeElements>
     <a:clrScheme name="Office">
       <a:dk1>
@@ -3841,20 +5428,16 @@
           <a:gsLst>
             <a:gs pos="0">
               <a:schemeClr val="phClr">
-                <a:shade val="51000"/>
-                <a:satMod val="130000"/>
-              </a:schemeClr>
-            </a:gs>
-            <a:gs pos="80000">
-              <a:schemeClr val="phClr">
-                <a:shade val="93000"/>
+                <a:tint val="100000"/>
+                <a:shade val="100000"/>
                 <a:satMod val="130000"/>
               </a:schemeClr>
             </a:gs>
             <a:gs pos="100000">
               <a:schemeClr val="phClr">
-                <a:shade val="94000"/>
-                <a:satMod val="135000"/>
+                <a:tint val="50000"/>
+                <a:shade val="100000"/>
+                <a:satMod val="350000"/>
               </a:schemeClr>
             </a:gs>
           </a:gsLst>
@@ -3976,7 +5559,366 @@
       </a:bgFillStyleLst>
     </a:fmtScheme>
   </a:themeElements>
-  <a:objectDefaults/>
+  <a:objectDefaults>
+    <a:spDef>
+      <a:spPr/>
+      <a:bodyPr/>
+      <a:lstStyle/>
+      <a:style>
+        <a:lnRef idx="1">
+          <a:schemeClr val="accent1"/>
+        </a:lnRef>
+        <a:fillRef idx="3">
+          <a:schemeClr val="accent1"/>
+        </a:fillRef>
+        <a:effectRef idx="2">
+          <a:schemeClr val="accent1"/>
+        </a:effectRef>
+        <a:fontRef idx="minor">
+          <a:schemeClr val="lt1"/>
+        </a:fontRef>
+      </a:style>
+    </a:spDef>
+    <a:lnDef>
+      <a:spPr/>
+      <a:bodyPr/>
+      <a:lstStyle/>
+      <a:style>
+        <a:lnRef idx="2">
+          <a:schemeClr val="accent1"/>
+        </a:lnRef>
+        <a:fillRef idx="0">
+          <a:schemeClr val="accent1"/>
+        </a:fillRef>
+        <a:effectRef idx="1">
+          <a:schemeClr val="accent1"/>
+        </a:effectRef>
+        <a:fontRef idx="minor">
+          <a:schemeClr val="tx1"/>
+        </a:fontRef>
+      </a:style>
+    </a:lnDef>
+  </a:objectDefaults>
+  <a:extraClrSchemeLst/>
+</a:theme>
+</file>
+
+<file path=ppt/theme/theme2.xml><?xml version="1.0" encoding="utf-8"?>
+<a:theme xmlns:a="http://schemas.openxmlformats.org/drawingml/2006/main" name="Office Theme">
+  <a:themeElements>
+    <a:clrScheme name="Office">
+      <a:dk1>
+        <a:sysClr val="windowText" lastClr="000000"/>
+      </a:dk1>
+      <a:lt1>
+        <a:sysClr val="window" lastClr="FFFFFF"/>
+      </a:lt1>
+      <a:dk2>
+        <a:srgbClr val="1F497D"/>
+      </a:dk2>
+      <a:lt2>
+        <a:srgbClr val="EEECE1"/>
+      </a:lt2>
+      <a:accent1>
+        <a:srgbClr val="4F81BD"/>
+      </a:accent1>
+      <a:accent2>
+        <a:srgbClr val="C0504D"/>
+      </a:accent2>
+      <a:accent3>
+        <a:srgbClr val="9BBB59"/>
+      </a:accent3>
+      <a:accent4>
+        <a:srgbClr val="8064A2"/>
+      </a:accent4>
+      <a:accent5>
+        <a:srgbClr val="4BACC6"/>
+      </a:accent5>
+      <a:accent6>
+        <a:srgbClr val="F79646"/>
+      </a:accent6>
+      <a:hlink>
+        <a:srgbClr val="0000FF"/>
+      </a:hlink>
+      <a:folHlink>
+        <a:srgbClr val="800080"/>
+      </a:folHlink>
+    </a:clrScheme>
+    <a:fontScheme name="Office">
+      <a:majorFont>
+        <a:latin typeface="Calibri"/>
+        <a:ea typeface=""/>
+        <a:cs typeface=""/>
+        <a:font script="Jpan" typeface="ＭＳ Ｐゴシック"/>
+        <a:font script="Hang" typeface="맑은 고딕"/>
+        <a:font script="Hans" typeface="宋体"/>
+        <a:font script="Hant" typeface="新細明體"/>
+        <a:font script="Arab" typeface="Times New Roman"/>
+        <a:font script="Hebr" typeface="Times New Roman"/>
+        <a:font script="Thai" typeface="Angsana New"/>
+        <a:font script="Ethi" typeface="Nyala"/>
+        <a:font script="Beng" typeface="Vrinda"/>
+        <a:font script="Gujr" typeface="Shruti"/>
+        <a:font script="Khmr" typeface="MoolBoran"/>
+        <a:font script="Knda" typeface="Tunga"/>
+        <a:font script="Guru" typeface="Raavi"/>
+        <a:font script="Cans" typeface="Euphemia"/>
+        <a:font script="Cher" typeface="Plantagenet Cherokee"/>
+        <a:font script="Yiii" typeface="Microsoft Yi Baiti"/>
+        <a:font script="Tibt" typeface="Microsoft Himalaya"/>
+        <a:font script="Thaa" typeface="MV Boli"/>
+        <a:font script="Deva" typeface="Mangal"/>
+        <a:font script="Telu" typeface="Gautami"/>
+        <a:font script="Taml" typeface="Latha"/>
+        <a:font script="Syrc" typeface="Estrangelo Edessa"/>
+        <a:font script="Orya" typeface="Kalinga"/>
+        <a:font script="Mlym" typeface="Kartika"/>
+        <a:font script="Laoo" typeface="DokChampa"/>
+        <a:font script="Sinh" typeface="Iskoola Pota"/>
+        <a:font script="Mong" typeface="Mongolian Baiti"/>
+        <a:font script="Viet" typeface="Times New Roman"/>
+        <a:font script="Uigh" typeface="Microsoft Uighur"/>
+        <a:font script="Geor" typeface="Sylfaen"/>
+      </a:majorFont>
+      <a:minorFont>
+        <a:latin typeface="Calibri"/>
+        <a:ea typeface=""/>
+        <a:cs typeface=""/>
+        <a:font script="Jpan" typeface="ＭＳ Ｐゴシック"/>
+        <a:font script="Hang" typeface="맑은 고딕"/>
+        <a:font script="Hans" typeface="宋体"/>
+        <a:font script="Hant" typeface="新細明體"/>
+        <a:font script="Arab" typeface="Arial"/>
+        <a:font script="Hebr" typeface="Arial"/>
+        <a:font script="Thai" typeface="Cordia New"/>
+        <a:font script="Ethi" typeface="Nyala"/>
+        <a:font script="Beng" typeface="Vrinda"/>
+        <a:font script="Gujr" typeface="Shruti"/>
+        <a:font script="Khmr" typeface="DaunPenh"/>
+        <a:font script="Knda" typeface="Tunga"/>
+        <a:font script="Guru" typeface="Raavi"/>
+        <a:font script="Cans" typeface="Euphemia"/>
+        <a:font script="Cher" typeface="Plantagenet Cherokee"/>
+        <a:font script="Yiii" typeface="Microsoft Yi Baiti"/>
+        <a:font script="Tibt" typeface="Microsoft Himalaya"/>
+        <a:font script="Thaa" typeface="MV Boli"/>
+        <a:font script="Deva" typeface="Mangal"/>
+        <a:font script="Telu" typeface="Gautami"/>
+        <a:font script="Taml" typeface="Latha"/>
+        <a:font script="Syrc" typeface="Estrangelo Edessa"/>
+        <a:font script="Orya" typeface="Kalinga"/>
+        <a:font script="Mlym" typeface="Kartika"/>
+        <a:font script="Laoo" typeface="DokChampa"/>
+        <a:font script="Sinh" typeface="Iskoola Pota"/>
+        <a:font script="Mong" typeface="Mongolian Baiti"/>
+        <a:font script="Viet" typeface="Arial"/>
+        <a:font script="Uigh" typeface="Microsoft Uighur"/>
+        <a:font script="Geor" typeface="Sylfaen"/>
+      </a:minorFont>
+    </a:fontScheme>
+    <a:fmtScheme name="Office">
+      <a:fillStyleLst>
+        <a:solidFill>
+          <a:schemeClr val="phClr"/>
+        </a:solidFill>
+        <a:gradFill rotWithShape="1">
+          <a:gsLst>
+            <a:gs pos="0">
+              <a:schemeClr val="phClr">
+                <a:tint val="50000"/>
+                <a:satMod val="300000"/>
+              </a:schemeClr>
+            </a:gs>
+            <a:gs pos="35000">
+              <a:schemeClr val="phClr">
+                <a:tint val="37000"/>
+                <a:satMod val="300000"/>
+              </a:schemeClr>
+            </a:gs>
+            <a:gs pos="100000">
+              <a:schemeClr val="phClr">
+                <a:tint val="15000"/>
+                <a:satMod val="350000"/>
+              </a:schemeClr>
+            </a:gs>
+          </a:gsLst>
+          <a:lin ang="16200000" scaled="1"/>
+        </a:gradFill>
+        <a:gradFill rotWithShape="1">
+          <a:gsLst>
+            <a:gs pos="0">
+              <a:schemeClr val="phClr">
+                <a:tint val="100000"/>
+                <a:shade val="100000"/>
+                <a:satMod val="130000"/>
+              </a:schemeClr>
+            </a:gs>
+            <a:gs pos="100000">
+              <a:schemeClr val="phClr">
+                <a:tint val="50000"/>
+                <a:shade val="100000"/>
+                <a:satMod val="350000"/>
+              </a:schemeClr>
+            </a:gs>
+          </a:gsLst>
+          <a:lin ang="16200000" scaled="0"/>
+        </a:gradFill>
+      </a:fillStyleLst>
+      <a:lnStyleLst>
+        <a:ln w="9525" cap="flat" cmpd="sng" algn="ctr">
+          <a:solidFill>
+            <a:schemeClr val="phClr">
+              <a:shade val="95000"/>
+              <a:satMod val="105000"/>
+            </a:schemeClr>
+          </a:solidFill>
+          <a:prstDash val="solid"/>
+        </a:ln>
+        <a:ln w="25400" cap="flat" cmpd="sng" algn="ctr">
+          <a:solidFill>
+            <a:schemeClr val="phClr"/>
+          </a:solidFill>
+          <a:prstDash val="solid"/>
+        </a:ln>
+        <a:ln w="38100" cap="flat" cmpd="sng" algn="ctr">
+          <a:solidFill>
+            <a:schemeClr val="phClr"/>
+          </a:solidFill>
+          <a:prstDash val="solid"/>
+        </a:ln>
+      </a:lnStyleLst>
+      <a:effectStyleLst>
+        <a:effectStyle>
+          <a:effectLst>
+            <a:outerShdw blurRad="40000" dist="20000" dir="5400000" rotWithShape="0">
+              <a:srgbClr val="000000">
+                <a:alpha val="38000"/>
+              </a:srgbClr>
+            </a:outerShdw>
+          </a:effectLst>
+        </a:effectStyle>
+        <a:effectStyle>
+          <a:effectLst>
+            <a:outerShdw blurRad="40000" dist="23000" dir="5400000" rotWithShape="0">
+              <a:srgbClr val="000000">
+                <a:alpha val="35000"/>
+              </a:srgbClr>
+            </a:outerShdw>
+          </a:effectLst>
+        </a:effectStyle>
+        <a:effectStyle>
+          <a:effectLst>
+            <a:outerShdw blurRad="40000" dist="23000" dir="5400000" rotWithShape="0">
+              <a:srgbClr val="000000">
+                <a:alpha val="35000"/>
+              </a:srgbClr>
+            </a:outerShdw>
+          </a:effectLst>
+          <a:scene3d>
+            <a:camera prst="orthographicFront">
+              <a:rot lat="0" lon="0" rev="0"/>
+            </a:camera>
+            <a:lightRig rig="threePt" dir="t">
+              <a:rot lat="0" lon="0" rev="1200000"/>
+            </a:lightRig>
+          </a:scene3d>
+          <a:sp3d>
+            <a:bevelT w="63500" h="25400"/>
+          </a:sp3d>
+        </a:effectStyle>
+      </a:effectStyleLst>
+      <a:bgFillStyleLst>
+        <a:solidFill>
+          <a:schemeClr val="phClr"/>
+        </a:solidFill>
+        <a:gradFill rotWithShape="1">
+          <a:gsLst>
+            <a:gs pos="0">
+              <a:schemeClr val="phClr">
+                <a:tint val="40000"/>
+                <a:satMod val="350000"/>
+              </a:schemeClr>
+            </a:gs>
+            <a:gs pos="40000">
+              <a:schemeClr val="phClr">
+                <a:tint val="45000"/>
+                <a:shade val="99000"/>
+                <a:satMod val="350000"/>
+              </a:schemeClr>
+            </a:gs>
+            <a:gs pos="100000">
+              <a:schemeClr val="phClr">
+                <a:shade val="20000"/>
+                <a:satMod val="255000"/>
+              </a:schemeClr>
+            </a:gs>
+          </a:gsLst>
+          <a:path path="circle">
+            <a:fillToRect l="50000" t="-80000" r="50000" b="180000"/>
+          </a:path>
+        </a:gradFill>
+        <a:gradFill rotWithShape="1">
+          <a:gsLst>
+            <a:gs pos="0">
+              <a:schemeClr val="phClr">
+                <a:tint val="80000"/>
+                <a:satMod val="300000"/>
+              </a:schemeClr>
+            </a:gs>
+            <a:gs pos="100000">
+              <a:schemeClr val="phClr">
+                <a:shade val="30000"/>
+                <a:satMod val="200000"/>
+              </a:schemeClr>
+            </a:gs>
+          </a:gsLst>
+          <a:path path="circle">
+            <a:fillToRect l="50000" t="50000" r="50000" b="50000"/>
+          </a:path>
+        </a:gradFill>
+      </a:bgFillStyleLst>
+    </a:fmtScheme>
+  </a:themeElements>
+  <a:objectDefaults>
+    <a:spDef>
+      <a:spPr/>
+      <a:bodyPr/>
+      <a:lstStyle/>
+      <a:style>
+        <a:lnRef idx="1">
+          <a:schemeClr val="accent1"/>
+        </a:lnRef>
+        <a:fillRef idx="3">
+          <a:schemeClr val="accent1"/>
+        </a:fillRef>
+        <a:effectRef idx="2">
+          <a:schemeClr val="accent1"/>
+        </a:effectRef>
+        <a:fontRef idx="minor">
+          <a:schemeClr val="lt1"/>
+        </a:fontRef>
+      </a:style>
+    </a:spDef>
+    <a:lnDef>
+      <a:spPr/>
+      <a:bodyPr/>
+      <a:lstStyle/>
+      <a:style>
+        <a:lnRef idx="2">
+          <a:schemeClr val="accent1"/>
+        </a:lnRef>
+        <a:fillRef idx="0">
+          <a:schemeClr val="accent1"/>
+        </a:fillRef>
+        <a:effectRef idx="1">
+          <a:schemeClr val="accent1"/>
+        </a:effectRef>
+        <a:fontRef idx="minor">
+          <a:schemeClr val="tx1"/>
+        </a:fontRef>
+      </a:style>
+    </a:lnDef>
+  </a:objectDefaults>
   <a:extraClrSchemeLst/>
 </a:theme>
 </file>
--- a/resources/how to.pptx
+++ b/resources/how to.pptx
@@ -5,22 +5,25 @@
     <p:sldMasterId id="2147483672" r:id="rId1"/>
   </p:sldMasterIdLst>
   <p:notesMasterIdLst>
-    <p:notesMasterId r:id="rId6"/>
+    <p:notesMasterId r:id="rId9"/>
   </p:notesMasterIdLst>
   <p:sldIdLst>
     <p:sldId id="256" r:id="rId2"/>
-    <p:sldId id="258" r:id="rId3"/>
-    <p:sldId id="257" r:id="rId4"/>
-    <p:sldId id="259" r:id="rId5"/>
+    <p:sldId id="261" r:id="rId3"/>
+    <p:sldId id="258" r:id="rId4"/>
+    <p:sldId id="260" r:id="rId5"/>
+    <p:sldId id="262" r:id="rId6"/>
+    <p:sldId id="257" r:id="rId7"/>
+    <p:sldId id="259" r:id="rId8"/>
   </p:sldIdLst>
-  <p:sldSz cx="9528175" cy="5715000"/>
+  <p:sldSz cx="6089650" cy="3657600"/>
   <p:notesSz cx="6858000" cy="9144000"/>
   <p:defaultTextStyle>
     <a:defPPr>
       <a:defRPr lang="en-US"/>
     </a:defPPr>
-    <a:lvl1pPr marL="0" algn="l" defTabSz="457200" rtl="0" eaLnBrk="1" latinLnBrk="0" hangingPunct="1">
-      <a:defRPr sz="1800" kern="1200">
+    <a:lvl1pPr marL="0" algn="l" defTabSz="292334" rtl="0" eaLnBrk="1" latinLnBrk="0" hangingPunct="1">
+      <a:defRPr sz="1200" kern="1200">
         <a:solidFill>
           <a:schemeClr val="tx1"/>
         </a:solidFill>
@@ -29,8 +32,8 @@
         <a:cs typeface="+mn-cs"/>
       </a:defRPr>
     </a:lvl1pPr>
-    <a:lvl2pPr marL="457200" algn="l" defTabSz="457200" rtl="0" eaLnBrk="1" latinLnBrk="0" hangingPunct="1">
-      <a:defRPr sz="1800" kern="1200">
+    <a:lvl2pPr marL="292334" algn="l" defTabSz="292334" rtl="0" eaLnBrk="1" latinLnBrk="0" hangingPunct="1">
+      <a:defRPr sz="1200" kern="1200">
         <a:solidFill>
           <a:schemeClr val="tx1"/>
         </a:solidFill>
@@ -39,8 +42,8 @@
         <a:cs typeface="+mn-cs"/>
       </a:defRPr>
     </a:lvl2pPr>
-    <a:lvl3pPr marL="914400" algn="l" defTabSz="457200" rtl="0" eaLnBrk="1" latinLnBrk="0" hangingPunct="1">
-      <a:defRPr sz="1800" kern="1200">
+    <a:lvl3pPr marL="584667" algn="l" defTabSz="292334" rtl="0" eaLnBrk="1" latinLnBrk="0" hangingPunct="1">
+      <a:defRPr sz="1200" kern="1200">
         <a:solidFill>
           <a:schemeClr val="tx1"/>
         </a:solidFill>
@@ -49,8 +52,8 @@
         <a:cs typeface="+mn-cs"/>
       </a:defRPr>
     </a:lvl3pPr>
-    <a:lvl4pPr marL="1371600" algn="l" defTabSz="457200" rtl="0" eaLnBrk="1" latinLnBrk="0" hangingPunct="1">
-      <a:defRPr sz="1800" kern="1200">
+    <a:lvl4pPr marL="877001" algn="l" defTabSz="292334" rtl="0" eaLnBrk="1" latinLnBrk="0" hangingPunct="1">
+      <a:defRPr sz="1200" kern="1200">
         <a:solidFill>
           <a:schemeClr val="tx1"/>
         </a:solidFill>
@@ -59,8 +62,8 @@
         <a:cs typeface="+mn-cs"/>
       </a:defRPr>
     </a:lvl4pPr>
-    <a:lvl5pPr marL="1828800" algn="l" defTabSz="457200" rtl="0" eaLnBrk="1" latinLnBrk="0" hangingPunct="1">
-      <a:defRPr sz="1800" kern="1200">
+    <a:lvl5pPr marL="1169335" algn="l" defTabSz="292334" rtl="0" eaLnBrk="1" latinLnBrk="0" hangingPunct="1">
+      <a:defRPr sz="1200" kern="1200">
         <a:solidFill>
           <a:schemeClr val="tx1"/>
         </a:solidFill>
@@ -69,8 +72,8 @@
         <a:cs typeface="+mn-cs"/>
       </a:defRPr>
     </a:lvl5pPr>
-    <a:lvl6pPr marL="2286000" algn="l" defTabSz="457200" rtl="0" eaLnBrk="1" latinLnBrk="0" hangingPunct="1">
-      <a:defRPr sz="1800" kern="1200">
+    <a:lvl6pPr marL="1461668" algn="l" defTabSz="292334" rtl="0" eaLnBrk="1" latinLnBrk="0" hangingPunct="1">
+      <a:defRPr sz="1200" kern="1200">
         <a:solidFill>
           <a:schemeClr val="tx1"/>
         </a:solidFill>
@@ -79,8 +82,8 @@
         <a:cs typeface="+mn-cs"/>
       </a:defRPr>
     </a:lvl6pPr>
-    <a:lvl7pPr marL="2743200" algn="l" defTabSz="457200" rtl="0" eaLnBrk="1" latinLnBrk="0" hangingPunct="1">
-      <a:defRPr sz="1800" kern="1200">
+    <a:lvl7pPr marL="1754002" algn="l" defTabSz="292334" rtl="0" eaLnBrk="1" latinLnBrk="0" hangingPunct="1">
+      <a:defRPr sz="1200" kern="1200">
         <a:solidFill>
           <a:schemeClr val="tx1"/>
         </a:solidFill>
@@ -89,8 +92,8 @@
         <a:cs typeface="+mn-cs"/>
       </a:defRPr>
     </a:lvl7pPr>
-    <a:lvl8pPr marL="3200400" algn="l" defTabSz="457200" rtl="0" eaLnBrk="1" latinLnBrk="0" hangingPunct="1">
-      <a:defRPr sz="1800" kern="1200">
+    <a:lvl8pPr marL="2046336" algn="l" defTabSz="292334" rtl="0" eaLnBrk="1" latinLnBrk="0" hangingPunct="1">
+      <a:defRPr sz="1200" kern="1200">
         <a:solidFill>
           <a:schemeClr val="tx1"/>
         </a:solidFill>
@@ -99,8 +102,8 @@
         <a:cs typeface="+mn-cs"/>
       </a:defRPr>
     </a:lvl8pPr>
-    <a:lvl9pPr marL="3657600" algn="l" defTabSz="457200" rtl="0" eaLnBrk="1" latinLnBrk="0" hangingPunct="1">
-      <a:defRPr sz="1800" kern="1200">
+    <a:lvl9pPr marL="2338669" algn="l" defTabSz="292334" rtl="0" eaLnBrk="1" latinLnBrk="0" hangingPunct="1">
+      <a:defRPr sz="1200" kern="1200">
         <a:solidFill>
           <a:schemeClr val="tx1"/>
         </a:solidFill>
@@ -195,7 +198,7 @@
           <a:p>
             <a:fld id="{F006E9B4-BA61-2A4C-BC78-D1E8B3DCAF2C}" type="datetimeFigureOut">
               <a:rPr lang="en-US" smtClean="0"/>
-              <a:t>27/07/18</a:t>
+              <a:t>31/07/18</a:t>
             </a:fld>
             <a:endParaRPr lang="en-US"/>
           </a:p>
@@ -213,8 +216,8 @@
         </p:nvSpPr>
         <p:spPr>
           <a:xfrm>
-            <a:off x="571500" y="685800"/>
-            <a:ext cx="5715000" cy="3429000"/>
+            <a:off x="574675" y="685800"/>
+            <a:ext cx="5708650" cy="3429000"/>
           </a:xfrm>
           <a:prstGeom prst="rect">
             <a:avLst/>
@@ -369,8 +372,8 @@
   </p:cSld>
   <p:clrMap bg1="lt1" tx1="dk1" bg2="lt2" tx2="dk2" accent1="accent1" accent2="accent2" accent3="accent3" accent4="accent4" accent5="accent5" accent6="accent6" hlink="hlink" folHlink="folHlink"/>
   <p:notesStyle>
-    <a:lvl1pPr marL="0" algn="l" defTabSz="457200" rtl="0" eaLnBrk="1" latinLnBrk="0" hangingPunct="1">
-      <a:defRPr sz="1200" kern="1200">
+    <a:lvl1pPr marL="0" algn="l" defTabSz="292334" rtl="0" eaLnBrk="1" latinLnBrk="0" hangingPunct="1">
+      <a:defRPr sz="800" kern="1200">
         <a:solidFill>
           <a:schemeClr val="tx1"/>
         </a:solidFill>
@@ -379,8 +382,8 @@
         <a:cs typeface="+mn-cs"/>
       </a:defRPr>
     </a:lvl1pPr>
-    <a:lvl2pPr marL="457200" algn="l" defTabSz="457200" rtl="0" eaLnBrk="1" latinLnBrk="0" hangingPunct="1">
-      <a:defRPr sz="1200" kern="1200">
+    <a:lvl2pPr marL="292334" algn="l" defTabSz="292334" rtl="0" eaLnBrk="1" latinLnBrk="0" hangingPunct="1">
+      <a:defRPr sz="800" kern="1200">
         <a:solidFill>
           <a:schemeClr val="tx1"/>
         </a:solidFill>
@@ -389,8 +392,8 @@
         <a:cs typeface="+mn-cs"/>
       </a:defRPr>
     </a:lvl2pPr>
-    <a:lvl3pPr marL="914400" algn="l" defTabSz="457200" rtl="0" eaLnBrk="1" latinLnBrk="0" hangingPunct="1">
-      <a:defRPr sz="1200" kern="1200">
+    <a:lvl3pPr marL="584667" algn="l" defTabSz="292334" rtl="0" eaLnBrk="1" latinLnBrk="0" hangingPunct="1">
+      <a:defRPr sz="800" kern="1200">
         <a:solidFill>
           <a:schemeClr val="tx1"/>
         </a:solidFill>
@@ -399,8 +402,8 @@
         <a:cs typeface="+mn-cs"/>
       </a:defRPr>
     </a:lvl3pPr>
-    <a:lvl4pPr marL="1371600" algn="l" defTabSz="457200" rtl="0" eaLnBrk="1" latinLnBrk="0" hangingPunct="1">
-      <a:defRPr sz="1200" kern="1200">
+    <a:lvl4pPr marL="877001" algn="l" defTabSz="292334" rtl="0" eaLnBrk="1" latinLnBrk="0" hangingPunct="1">
+      <a:defRPr sz="800" kern="1200">
         <a:solidFill>
           <a:schemeClr val="tx1"/>
         </a:solidFill>
@@ -409,8 +412,8 @@
         <a:cs typeface="+mn-cs"/>
       </a:defRPr>
     </a:lvl4pPr>
-    <a:lvl5pPr marL="1828800" algn="l" defTabSz="457200" rtl="0" eaLnBrk="1" latinLnBrk="0" hangingPunct="1">
-      <a:defRPr sz="1200" kern="1200">
+    <a:lvl5pPr marL="1169335" algn="l" defTabSz="292334" rtl="0" eaLnBrk="1" latinLnBrk="0" hangingPunct="1">
+      <a:defRPr sz="800" kern="1200">
         <a:solidFill>
           <a:schemeClr val="tx1"/>
         </a:solidFill>
@@ -419,8 +422,8 @@
         <a:cs typeface="+mn-cs"/>
       </a:defRPr>
     </a:lvl5pPr>
-    <a:lvl6pPr marL="2286000" algn="l" defTabSz="457200" rtl="0" eaLnBrk="1" latinLnBrk="0" hangingPunct="1">
-      <a:defRPr sz="1200" kern="1200">
+    <a:lvl6pPr marL="1461668" algn="l" defTabSz="292334" rtl="0" eaLnBrk="1" latinLnBrk="0" hangingPunct="1">
+      <a:defRPr sz="800" kern="1200">
         <a:solidFill>
           <a:schemeClr val="tx1"/>
         </a:solidFill>
@@ -429,8 +432,8 @@
         <a:cs typeface="+mn-cs"/>
       </a:defRPr>
     </a:lvl6pPr>
-    <a:lvl7pPr marL="2743200" algn="l" defTabSz="457200" rtl="0" eaLnBrk="1" latinLnBrk="0" hangingPunct="1">
-      <a:defRPr sz="1200" kern="1200">
+    <a:lvl7pPr marL="1754002" algn="l" defTabSz="292334" rtl="0" eaLnBrk="1" latinLnBrk="0" hangingPunct="1">
+      <a:defRPr sz="800" kern="1200">
         <a:solidFill>
           <a:schemeClr val="tx1"/>
         </a:solidFill>
@@ -439,8 +442,8 @@
         <a:cs typeface="+mn-cs"/>
       </a:defRPr>
     </a:lvl7pPr>
-    <a:lvl8pPr marL="3200400" algn="l" defTabSz="457200" rtl="0" eaLnBrk="1" latinLnBrk="0" hangingPunct="1">
-      <a:defRPr sz="1200" kern="1200">
+    <a:lvl8pPr marL="2046336" algn="l" defTabSz="292334" rtl="0" eaLnBrk="1" latinLnBrk="0" hangingPunct="1">
+      <a:defRPr sz="800" kern="1200">
         <a:solidFill>
           <a:schemeClr val="tx1"/>
         </a:solidFill>
@@ -449,8 +452,8 @@
         <a:cs typeface="+mn-cs"/>
       </a:defRPr>
     </a:lvl8pPr>
-    <a:lvl9pPr marL="3657600" algn="l" defTabSz="457200" rtl="0" eaLnBrk="1" latinLnBrk="0" hangingPunct="1">
-      <a:defRPr sz="1200" kern="1200">
+    <a:lvl9pPr marL="2338669" algn="l" defTabSz="292334" rtl="0" eaLnBrk="1" latinLnBrk="0" hangingPunct="1">
+      <a:defRPr sz="800" kern="1200">
         <a:solidFill>
           <a:schemeClr val="tx1"/>
         </a:solidFill>
@@ -490,7 +493,12 @@
             <p:ph type="sldImg"/>
           </p:nvPr>
         </p:nvSpPr>
-        <p:spPr/>
+        <p:spPr>
+          <a:xfrm>
+            <a:off x="574675" y="685800"/>
+            <a:ext cx="5708650" cy="3429000"/>
+          </a:xfrm>
+        </p:spPr>
       </p:sp>
       <p:sp>
         <p:nvSpPr>
@@ -596,6 +604,162 @@
             <a:fld id="{00E5C777-6D2F-E647-AC6C-D87F8A9EEAB3}" type="slidenum">
               <a:rPr lang="en-US" smtClean="0"/>
               <a:t>1</a:t>
+            </a:fld>
+            <a:endParaRPr lang="en-US"/>
+          </a:p>
+        </p:txBody>
+      </p:sp>
+    </p:spTree>
+    <p:extLst>
+      <p:ext uri="{BB962C8B-B14F-4D97-AF65-F5344CB8AC3E}">
+        <p14:creationId xmlns:p14="http://schemas.microsoft.com/office/powerpoint/2010/main" val="3631467729"/>
+      </p:ext>
+    </p:extLst>
+  </p:cSld>
+  <p:clrMapOvr>
+    <a:masterClrMapping/>
+  </p:clrMapOvr>
+</p:notes>
+</file>
+
+<file path=ppt/notesSlides/notesSlide2.xml><?xml version="1.0" encoding="utf-8"?>
+<p:notes xmlns:a="http://schemas.openxmlformats.org/drawingml/2006/main" xmlns:r="http://schemas.openxmlformats.org/officeDocument/2006/relationships" xmlns:p="http://schemas.openxmlformats.org/presentationml/2006/main">
+  <p:cSld>
+    <p:spTree>
+      <p:nvGrpSpPr>
+        <p:cNvPr id="1" name=""/>
+        <p:cNvGrpSpPr/>
+        <p:nvPr/>
+      </p:nvGrpSpPr>
+      <p:grpSpPr>
+        <a:xfrm>
+          <a:off x="0" y="0"/>
+          <a:ext cx="0" cy="0"/>
+          <a:chOff x="0" y="0"/>
+          <a:chExt cx="0" cy="0"/>
+        </a:xfrm>
+      </p:grpSpPr>
+      <p:sp>
+        <p:nvSpPr>
+          <p:cNvPr id="2" name="Slide Image Placeholder 1"/>
+          <p:cNvSpPr>
+            <a:spLocks noGrp="1" noRot="1" noChangeAspect="1"/>
+          </p:cNvSpPr>
+          <p:nvPr>
+            <p:ph type="sldImg"/>
+          </p:nvPr>
+        </p:nvSpPr>
+        <p:spPr>
+          <a:xfrm>
+            <a:off x="574675" y="685800"/>
+            <a:ext cx="5708650" cy="3429000"/>
+          </a:xfrm>
+        </p:spPr>
+      </p:sp>
+      <p:sp>
+        <p:nvSpPr>
+          <p:cNvPr id="3" name="Notes Placeholder 2"/>
+          <p:cNvSpPr>
+            <a:spLocks noGrp="1"/>
+          </p:cNvSpPr>
+          <p:nvPr>
+            <p:ph type="body" idx="1"/>
+          </p:nvPr>
+        </p:nvSpPr>
+        <p:spPr/>
+        <p:txBody>
+          <a:bodyPr/>
+          <a:lstStyle/>
+          <a:p>
+            <a:r>
+              <a:rPr lang="en-US" dirty="0" smtClean="0"/>
+              <a:t>storyline</a:t>
+            </a:r>
+          </a:p>
+          <a:p>
+            <a:r>
+              <a:rPr lang="en-US" dirty="0" err="1" smtClean="0"/>
+              <a:t>dr</a:t>
+            </a:r>
+            <a:r>
+              <a:rPr lang="en-US" dirty="0" smtClean="0"/>
+              <a:t> </a:t>
+            </a:r>
+            <a:r>
+              <a:rPr lang="en-US" dirty="0" err="1" smtClean="0"/>
+              <a:t>darwin</a:t>
+            </a:r>
+            <a:endParaRPr lang="en-US" dirty="0" smtClean="0"/>
+          </a:p>
+          <a:p>
+            <a:endParaRPr lang="en-US" dirty="0" smtClean="0"/>
+          </a:p>
+          <a:p>
+            <a:r>
+              <a:rPr lang="en-US" dirty="0" smtClean="0"/>
+              <a:t>the creatures </a:t>
+            </a:r>
+          </a:p>
+          <a:p>
+            <a:r>
+              <a:rPr lang="en-US" dirty="0" smtClean="0"/>
+              <a:t>how they evolve</a:t>
+            </a:r>
+          </a:p>
+          <a:p>
+            <a:endParaRPr lang="en-US" dirty="0" smtClean="0"/>
+          </a:p>
+          <a:p>
+            <a:r>
+              <a:rPr lang="en-US" dirty="0" smtClean="0"/>
+              <a:t>use</a:t>
+            </a:r>
+            <a:r>
+              <a:rPr lang="en-US" baseline="0" dirty="0" smtClean="0"/>
+              <a:t> arrow keys to move and spacebar to shoot</a:t>
+            </a:r>
+          </a:p>
+          <a:p>
+            <a:r>
+              <a:rPr lang="en-US" baseline="0" dirty="0" smtClean="0"/>
+              <a:t>shooting decreases your health</a:t>
+            </a:r>
+          </a:p>
+          <a:p>
+            <a:r>
+              <a:rPr lang="en-US" baseline="0" dirty="0" smtClean="0"/>
+              <a:t>going into the wall decreases your health</a:t>
+            </a:r>
+          </a:p>
+          <a:p>
+            <a:r>
+              <a:rPr lang="en-US" baseline="0" dirty="0" smtClean="0"/>
+              <a:t>the creatures eating you decreases your health</a:t>
+            </a:r>
+          </a:p>
+          <a:p>
+            <a:endParaRPr lang="en-US" dirty="0" smtClean="0"/>
+          </a:p>
+        </p:txBody>
+      </p:sp>
+      <p:sp>
+        <p:nvSpPr>
+          <p:cNvPr id="4" name="Slide Number Placeholder 3"/>
+          <p:cNvSpPr>
+            <a:spLocks noGrp="1"/>
+          </p:cNvSpPr>
+          <p:nvPr>
+            <p:ph type="sldNum" sz="quarter" idx="10"/>
+          </p:nvPr>
+        </p:nvSpPr>
+        <p:spPr/>
+        <p:txBody>
+          <a:bodyPr/>
+          <a:lstStyle/>
+          <a:p>
+            <a:fld id="{00E5C777-6D2F-E647-AC6C-D87F8A9EEAB3}" type="slidenum">
+              <a:rPr lang="en-US" smtClean="0"/>
+              <a:t>2</a:t>
             </a:fld>
             <a:endParaRPr lang="en-US"/>
           </a:p>
@@ -643,8 +807,8 @@
         </p:nvSpPr>
         <p:spPr>
           <a:xfrm>
-            <a:off x="714613" y="1775355"/>
-            <a:ext cx="8098949" cy="1225021"/>
+            <a:off x="456724" y="1136228"/>
+            <a:ext cx="5176203" cy="784013"/>
           </a:xfrm>
         </p:spPr>
         <p:txBody>
@@ -671,8 +835,8 @@
         </p:nvSpPr>
         <p:spPr>
           <a:xfrm>
-            <a:off x="1429226" y="3238500"/>
-            <a:ext cx="6669723" cy="1460500"/>
+            <a:off x="913448" y="2072640"/>
+            <a:ext cx="4262755" cy="934720"/>
           </a:xfrm>
         </p:spPr>
         <p:txBody>
@@ -688,7 +852,7 @@
                 </a:solidFill>
               </a:defRPr>
             </a:lvl1pPr>
-            <a:lvl2pPr marL="457200" indent="0" algn="ctr">
+            <a:lvl2pPr marL="292334" indent="0" algn="ctr">
               <a:buNone/>
               <a:defRPr>
                 <a:solidFill>
@@ -698,7 +862,7 @@
                 </a:solidFill>
               </a:defRPr>
             </a:lvl2pPr>
-            <a:lvl3pPr marL="914400" indent="0" algn="ctr">
+            <a:lvl3pPr marL="584667" indent="0" algn="ctr">
               <a:buNone/>
               <a:defRPr>
                 <a:solidFill>
@@ -708,7 +872,7 @@
                 </a:solidFill>
               </a:defRPr>
             </a:lvl3pPr>
-            <a:lvl4pPr marL="1371600" indent="0" algn="ctr">
+            <a:lvl4pPr marL="877001" indent="0" algn="ctr">
               <a:buNone/>
               <a:defRPr>
                 <a:solidFill>
@@ -718,7 +882,7 @@
                 </a:solidFill>
               </a:defRPr>
             </a:lvl4pPr>
-            <a:lvl5pPr marL="1828800" indent="0" algn="ctr">
+            <a:lvl5pPr marL="1169335" indent="0" algn="ctr">
               <a:buNone/>
               <a:defRPr>
                 <a:solidFill>
@@ -728,7 +892,7 @@
                 </a:solidFill>
               </a:defRPr>
             </a:lvl5pPr>
-            <a:lvl6pPr marL="2286000" indent="0" algn="ctr">
+            <a:lvl6pPr marL="1461668" indent="0" algn="ctr">
               <a:buNone/>
               <a:defRPr>
                 <a:solidFill>
@@ -738,7 +902,7 @@
                 </a:solidFill>
               </a:defRPr>
             </a:lvl6pPr>
-            <a:lvl7pPr marL="2743200" indent="0" algn="ctr">
+            <a:lvl7pPr marL="1754002" indent="0" algn="ctr">
               <a:buNone/>
               <a:defRPr>
                 <a:solidFill>
@@ -748,7 +912,7 @@
                 </a:solidFill>
               </a:defRPr>
             </a:lvl7pPr>
-            <a:lvl8pPr marL="3200400" indent="0" algn="ctr">
+            <a:lvl8pPr marL="2046336" indent="0" algn="ctr">
               <a:buNone/>
               <a:defRPr>
                 <a:solidFill>
@@ -758,7 +922,7 @@
                 </a:solidFill>
               </a:defRPr>
             </a:lvl8pPr>
-            <a:lvl9pPr marL="3657600" indent="0" algn="ctr">
+            <a:lvl9pPr marL="2338669" indent="0" algn="ctr">
               <a:buNone/>
               <a:defRPr>
                 <a:solidFill>
@@ -795,7 +959,7 @@
           <a:p>
             <a:fld id="{A75C9821-D6E9-674A-904E-2F9D6E55AA59}" type="datetimeFigureOut">
               <a:rPr lang="en-US" smtClean="0"/>
-              <a:t>26/07/18</a:t>
+              <a:t>31/07/18</a:t>
             </a:fld>
             <a:endParaRPr lang="en-US"/>
           </a:p>
@@ -965,7 +1129,7 @@
           <a:p>
             <a:fld id="{A75C9821-D6E9-674A-904E-2F9D6E55AA59}" type="datetimeFigureOut">
               <a:rPr lang="en-US" smtClean="0"/>
-              <a:t>26/07/18</a:t>
+              <a:t>31/07/18</a:t>
             </a:fld>
             <a:endParaRPr lang="en-US"/>
           </a:p>
@@ -1055,8 +1219,8 @@
         </p:nvSpPr>
         <p:spPr>
           <a:xfrm>
-            <a:off x="6907927" y="228865"/>
-            <a:ext cx="2143839" cy="4876271"/>
+            <a:off x="4414997" y="146474"/>
+            <a:ext cx="1370171" cy="3120813"/>
           </a:xfrm>
         </p:spPr>
         <p:txBody>
@@ -1083,8 +1247,8 @@
         </p:nvSpPr>
         <p:spPr>
           <a:xfrm>
-            <a:off x="476409" y="228865"/>
-            <a:ext cx="6272715" cy="4876271"/>
+            <a:off x="304483" y="146474"/>
+            <a:ext cx="4009019" cy="3120813"/>
           </a:xfrm>
         </p:spPr>
         <p:txBody>
@@ -1145,7 +1309,7 @@
           <a:p>
             <a:fld id="{A75C9821-D6E9-674A-904E-2F9D6E55AA59}" type="datetimeFigureOut">
               <a:rPr lang="en-US" smtClean="0"/>
-              <a:t>26/07/18</a:t>
+              <a:t>31/07/18</a:t>
             </a:fld>
             <a:endParaRPr lang="en-US"/>
           </a:p>
@@ -1315,7 +1479,7 @@
           <a:p>
             <a:fld id="{A75C9821-D6E9-674A-904E-2F9D6E55AA59}" type="datetimeFigureOut">
               <a:rPr lang="en-US" smtClean="0"/>
-              <a:t>26/07/18</a:t>
+              <a:t>31/07/18</a:t>
             </a:fld>
             <a:endParaRPr lang="en-US"/>
           </a:p>
@@ -1405,15 +1569,15 @@
         </p:nvSpPr>
         <p:spPr>
           <a:xfrm>
-            <a:off x="752660" y="3672417"/>
-            <a:ext cx="8098949" cy="1135063"/>
+            <a:off x="481040" y="2350347"/>
+            <a:ext cx="5176203" cy="726440"/>
           </a:xfrm>
         </p:spPr>
         <p:txBody>
           <a:bodyPr anchor="t"/>
           <a:lstStyle>
             <a:lvl1pPr algn="l">
-              <a:defRPr sz="4000" b="1" cap="all"/>
+              <a:defRPr sz="2600" b="1" cap="all"/>
             </a:lvl1pPr>
           </a:lstStyle>
           <a:p>
@@ -1437,8 +1601,8 @@
         </p:nvSpPr>
         <p:spPr>
           <a:xfrm>
-            <a:off x="752660" y="2422261"/>
-            <a:ext cx="8098949" cy="1250156"/>
+            <a:off x="481040" y="1550247"/>
+            <a:ext cx="5176203" cy="800100"/>
           </a:xfrm>
         </p:spPr>
         <p:txBody>
@@ -1446,7 +1610,7 @@
           <a:lstStyle>
             <a:lvl1pPr marL="0" indent="0">
               <a:buNone/>
-              <a:defRPr sz="2000">
+              <a:defRPr sz="1300">
                 <a:solidFill>
                   <a:schemeClr val="tx1">
                     <a:tint val="75000"/>
@@ -1454,9 +1618,9 @@
                 </a:solidFill>
               </a:defRPr>
             </a:lvl1pPr>
-            <a:lvl2pPr marL="457200" indent="0">
+            <a:lvl2pPr marL="292334" indent="0">
               <a:buNone/>
-              <a:defRPr sz="1800">
+              <a:defRPr sz="1200">
                 <a:solidFill>
                   <a:schemeClr val="tx1">
                     <a:tint val="75000"/>
@@ -1464,9 +1628,9 @@
                 </a:solidFill>
               </a:defRPr>
             </a:lvl2pPr>
-            <a:lvl3pPr marL="914400" indent="0">
+            <a:lvl3pPr marL="584667" indent="0">
               <a:buNone/>
-              <a:defRPr sz="1600">
+              <a:defRPr sz="1000">
                 <a:solidFill>
                   <a:schemeClr val="tx1">
                     <a:tint val="75000"/>
@@ -1474,9 +1638,9 @@
                 </a:solidFill>
               </a:defRPr>
             </a:lvl3pPr>
-            <a:lvl4pPr marL="1371600" indent="0">
+            <a:lvl4pPr marL="877001" indent="0">
               <a:buNone/>
-              <a:defRPr sz="1400">
+              <a:defRPr sz="900">
                 <a:solidFill>
                   <a:schemeClr val="tx1">
                     <a:tint val="75000"/>
@@ -1484,9 +1648,9 @@
                 </a:solidFill>
               </a:defRPr>
             </a:lvl4pPr>
-            <a:lvl5pPr marL="1828800" indent="0">
+            <a:lvl5pPr marL="1169335" indent="0">
               <a:buNone/>
-              <a:defRPr sz="1400">
+              <a:defRPr sz="900">
                 <a:solidFill>
                   <a:schemeClr val="tx1">
                     <a:tint val="75000"/>
@@ -1494,9 +1658,9 @@
                 </a:solidFill>
               </a:defRPr>
             </a:lvl5pPr>
-            <a:lvl6pPr marL="2286000" indent="0">
+            <a:lvl6pPr marL="1461668" indent="0">
               <a:buNone/>
-              <a:defRPr sz="1400">
+              <a:defRPr sz="900">
                 <a:solidFill>
                   <a:schemeClr val="tx1">
                     <a:tint val="75000"/>
@@ -1504,9 +1668,9 @@
                 </a:solidFill>
               </a:defRPr>
             </a:lvl6pPr>
-            <a:lvl7pPr marL="2743200" indent="0">
+            <a:lvl7pPr marL="1754002" indent="0">
               <a:buNone/>
-              <a:defRPr sz="1400">
+              <a:defRPr sz="900">
                 <a:solidFill>
                   <a:schemeClr val="tx1">
                     <a:tint val="75000"/>
@@ -1514,9 +1678,9 @@
                 </a:solidFill>
               </a:defRPr>
             </a:lvl7pPr>
-            <a:lvl8pPr marL="3200400" indent="0">
+            <a:lvl8pPr marL="2046336" indent="0">
               <a:buNone/>
-              <a:defRPr sz="1400">
+              <a:defRPr sz="900">
                 <a:solidFill>
                   <a:schemeClr val="tx1">
                     <a:tint val="75000"/>
@@ -1524,9 +1688,9 @@
                 </a:solidFill>
               </a:defRPr>
             </a:lvl8pPr>
-            <a:lvl9pPr marL="3657600" indent="0">
+            <a:lvl9pPr marL="2338669" indent="0">
               <a:buNone/>
-              <a:defRPr sz="1400">
+              <a:defRPr sz="900">
                 <a:solidFill>
                   <a:schemeClr val="tx1">
                     <a:tint val="75000"/>
@@ -1561,7 +1725,7 @@
           <a:p>
             <a:fld id="{A75C9821-D6E9-674A-904E-2F9D6E55AA59}" type="datetimeFigureOut">
               <a:rPr lang="en-US" smtClean="0"/>
-              <a:t>26/07/18</a:t>
+              <a:t>31/07/18</a:t>
             </a:fld>
             <a:endParaRPr lang="en-US"/>
           </a:p>
@@ -1674,39 +1838,39 @@
         </p:nvSpPr>
         <p:spPr>
           <a:xfrm>
-            <a:off x="476409" y="1333500"/>
-            <a:ext cx="4208277" cy="3771636"/>
+            <a:off x="304483" y="853440"/>
+            <a:ext cx="2689595" cy="2413847"/>
           </a:xfrm>
         </p:spPr>
         <p:txBody>
           <a:bodyPr/>
           <a:lstStyle>
             <a:lvl1pPr>
-              <a:defRPr sz="2800"/>
+              <a:defRPr sz="1800"/>
             </a:lvl1pPr>
             <a:lvl2pPr>
-              <a:defRPr sz="2400"/>
+              <a:defRPr sz="1500"/>
             </a:lvl2pPr>
             <a:lvl3pPr>
-              <a:defRPr sz="2000"/>
+              <a:defRPr sz="1300"/>
             </a:lvl3pPr>
             <a:lvl4pPr>
-              <a:defRPr sz="1800"/>
+              <a:defRPr sz="1200"/>
             </a:lvl4pPr>
             <a:lvl5pPr>
-              <a:defRPr sz="1800"/>
+              <a:defRPr sz="1200"/>
             </a:lvl5pPr>
             <a:lvl6pPr>
-              <a:defRPr sz="1800"/>
+              <a:defRPr sz="1200"/>
             </a:lvl6pPr>
             <a:lvl7pPr>
-              <a:defRPr sz="1800"/>
+              <a:defRPr sz="1200"/>
             </a:lvl7pPr>
             <a:lvl8pPr>
-              <a:defRPr sz="1800"/>
+              <a:defRPr sz="1200"/>
             </a:lvl8pPr>
             <a:lvl9pPr>
-              <a:defRPr sz="1800"/>
+              <a:defRPr sz="1200"/>
             </a:lvl9pPr>
           </a:lstStyle>
           <a:p>
@@ -1759,39 +1923,39 @@
         </p:nvSpPr>
         <p:spPr>
           <a:xfrm>
-            <a:off x="4843489" y="1333500"/>
-            <a:ext cx="4208277" cy="3771636"/>
+            <a:off x="3095573" y="853440"/>
+            <a:ext cx="2689595" cy="2413847"/>
           </a:xfrm>
         </p:spPr>
         <p:txBody>
           <a:bodyPr/>
           <a:lstStyle>
             <a:lvl1pPr>
-              <a:defRPr sz="2800"/>
+              <a:defRPr sz="1800"/>
             </a:lvl1pPr>
             <a:lvl2pPr>
-              <a:defRPr sz="2400"/>
+              <a:defRPr sz="1500"/>
             </a:lvl2pPr>
             <a:lvl3pPr>
-              <a:defRPr sz="2000"/>
+              <a:defRPr sz="1300"/>
             </a:lvl3pPr>
             <a:lvl4pPr>
-              <a:defRPr sz="1800"/>
+              <a:defRPr sz="1200"/>
             </a:lvl4pPr>
             <a:lvl5pPr>
-              <a:defRPr sz="1800"/>
+              <a:defRPr sz="1200"/>
             </a:lvl5pPr>
             <a:lvl6pPr>
-              <a:defRPr sz="1800"/>
+              <a:defRPr sz="1200"/>
             </a:lvl6pPr>
             <a:lvl7pPr>
-              <a:defRPr sz="1800"/>
+              <a:defRPr sz="1200"/>
             </a:lvl7pPr>
             <a:lvl8pPr>
-              <a:defRPr sz="1800"/>
+              <a:defRPr sz="1200"/>
             </a:lvl8pPr>
             <a:lvl9pPr>
-              <a:defRPr sz="1800"/>
+              <a:defRPr sz="1200"/>
             </a:lvl9pPr>
           </a:lstStyle>
           <a:p>
@@ -1849,7 +2013,7 @@
           <a:p>
             <a:fld id="{A75C9821-D6E9-674A-904E-2F9D6E55AA59}" type="datetimeFigureOut">
               <a:rPr lang="en-US" smtClean="0"/>
-              <a:t>26/07/18</a:t>
+              <a:t>31/07/18</a:t>
             </a:fld>
             <a:endParaRPr lang="en-US"/>
           </a:p>
@@ -1966,8 +2130,8 @@
         </p:nvSpPr>
         <p:spPr>
           <a:xfrm>
-            <a:off x="476409" y="1279261"/>
-            <a:ext cx="4209932" cy="533135"/>
+            <a:off x="304483" y="818728"/>
+            <a:ext cx="2690653" cy="341206"/>
           </a:xfrm>
         </p:spPr>
         <p:txBody>
@@ -1975,39 +2139,39 @@
           <a:lstStyle>
             <a:lvl1pPr marL="0" indent="0">
               <a:buNone/>
-              <a:defRPr sz="2400" b="1"/>
+              <a:defRPr sz="1500" b="1"/>
             </a:lvl1pPr>
-            <a:lvl2pPr marL="457200" indent="0">
+            <a:lvl2pPr marL="292334" indent="0">
               <a:buNone/>
-              <a:defRPr sz="2000" b="1"/>
+              <a:defRPr sz="1300" b="1"/>
             </a:lvl2pPr>
-            <a:lvl3pPr marL="914400" indent="0">
+            <a:lvl3pPr marL="584667" indent="0">
               <a:buNone/>
-              <a:defRPr sz="1800" b="1"/>
+              <a:defRPr sz="1200" b="1"/>
             </a:lvl3pPr>
-            <a:lvl4pPr marL="1371600" indent="0">
+            <a:lvl4pPr marL="877001" indent="0">
               <a:buNone/>
-              <a:defRPr sz="1600" b="1"/>
+              <a:defRPr sz="1000" b="1"/>
             </a:lvl4pPr>
-            <a:lvl5pPr marL="1828800" indent="0">
+            <a:lvl5pPr marL="1169335" indent="0">
               <a:buNone/>
-              <a:defRPr sz="1600" b="1"/>
+              <a:defRPr sz="1000" b="1"/>
             </a:lvl5pPr>
-            <a:lvl6pPr marL="2286000" indent="0">
+            <a:lvl6pPr marL="1461668" indent="0">
               <a:buNone/>
-              <a:defRPr sz="1600" b="1"/>
+              <a:defRPr sz="1000" b="1"/>
             </a:lvl6pPr>
-            <a:lvl7pPr marL="2743200" indent="0">
+            <a:lvl7pPr marL="1754002" indent="0">
               <a:buNone/>
-              <a:defRPr sz="1600" b="1"/>
+              <a:defRPr sz="1000" b="1"/>
             </a:lvl7pPr>
-            <a:lvl8pPr marL="3200400" indent="0">
+            <a:lvl8pPr marL="2046336" indent="0">
               <a:buNone/>
-              <a:defRPr sz="1600" b="1"/>
+              <a:defRPr sz="1000" b="1"/>
             </a:lvl8pPr>
-            <a:lvl9pPr marL="3657600" indent="0">
+            <a:lvl9pPr marL="2338669" indent="0">
               <a:buNone/>
-              <a:defRPr sz="1600" b="1"/>
+              <a:defRPr sz="1000" b="1"/>
             </a:lvl9pPr>
           </a:lstStyle>
           <a:p>
@@ -2031,39 +2195,39 @@
         </p:nvSpPr>
         <p:spPr>
           <a:xfrm>
-            <a:off x="476409" y="1812396"/>
-            <a:ext cx="4209932" cy="3292740"/>
+            <a:off x="304483" y="1159933"/>
+            <a:ext cx="2690653" cy="2107354"/>
           </a:xfrm>
         </p:spPr>
         <p:txBody>
           <a:bodyPr/>
           <a:lstStyle>
             <a:lvl1pPr>
-              <a:defRPr sz="2400"/>
+              <a:defRPr sz="1500"/>
             </a:lvl1pPr>
             <a:lvl2pPr>
-              <a:defRPr sz="2000"/>
+              <a:defRPr sz="1300"/>
             </a:lvl2pPr>
             <a:lvl3pPr>
-              <a:defRPr sz="1800"/>
+              <a:defRPr sz="1200"/>
             </a:lvl3pPr>
             <a:lvl4pPr>
-              <a:defRPr sz="1600"/>
+              <a:defRPr sz="1000"/>
             </a:lvl4pPr>
             <a:lvl5pPr>
-              <a:defRPr sz="1600"/>
+              <a:defRPr sz="1000"/>
             </a:lvl5pPr>
             <a:lvl6pPr>
-              <a:defRPr sz="1600"/>
+              <a:defRPr sz="1000"/>
             </a:lvl6pPr>
             <a:lvl7pPr>
-              <a:defRPr sz="1600"/>
+              <a:defRPr sz="1000"/>
             </a:lvl7pPr>
             <a:lvl8pPr>
-              <a:defRPr sz="1600"/>
+              <a:defRPr sz="1000"/>
             </a:lvl8pPr>
             <a:lvl9pPr>
-              <a:defRPr sz="1600"/>
+              <a:defRPr sz="1000"/>
             </a:lvl9pPr>
           </a:lstStyle>
           <a:p>
@@ -2116,8 +2280,8 @@
         </p:nvSpPr>
         <p:spPr>
           <a:xfrm>
-            <a:off x="4840181" y="1279261"/>
-            <a:ext cx="4211586" cy="533135"/>
+            <a:off x="3093458" y="818728"/>
+            <a:ext cx="2691710" cy="341206"/>
           </a:xfrm>
         </p:spPr>
         <p:txBody>
@@ -2125,39 +2289,39 @@
           <a:lstStyle>
             <a:lvl1pPr marL="0" indent="0">
               <a:buNone/>
-              <a:defRPr sz="2400" b="1"/>
+              <a:defRPr sz="1500" b="1"/>
             </a:lvl1pPr>
-            <a:lvl2pPr marL="457200" indent="0">
+            <a:lvl2pPr marL="292334" indent="0">
               <a:buNone/>
-              <a:defRPr sz="2000" b="1"/>
+              <a:defRPr sz="1300" b="1"/>
             </a:lvl2pPr>
-            <a:lvl3pPr marL="914400" indent="0">
+            <a:lvl3pPr marL="584667" indent="0">
               <a:buNone/>
-              <a:defRPr sz="1800" b="1"/>
+              <a:defRPr sz="1200" b="1"/>
             </a:lvl3pPr>
-            <a:lvl4pPr marL="1371600" indent="0">
+            <a:lvl4pPr marL="877001" indent="0">
               <a:buNone/>
-              <a:defRPr sz="1600" b="1"/>
+              <a:defRPr sz="1000" b="1"/>
             </a:lvl4pPr>
-            <a:lvl5pPr marL="1828800" indent="0">
+            <a:lvl5pPr marL="1169335" indent="0">
               <a:buNone/>
-              <a:defRPr sz="1600" b="1"/>
+              <a:defRPr sz="1000" b="1"/>
             </a:lvl5pPr>
-            <a:lvl6pPr marL="2286000" indent="0">
+            <a:lvl6pPr marL="1461668" indent="0">
               <a:buNone/>
-              <a:defRPr sz="1600" b="1"/>
+              <a:defRPr sz="1000" b="1"/>
             </a:lvl6pPr>
-            <a:lvl7pPr marL="2743200" indent="0">
+            <a:lvl7pPr marL="1754002" indent="0">
               <a:buNone/>
-              <a:defRPr sz="1600" b="1"/>
+              <a:defRPr sz="1000" b="1"/>
             </a:lvl7pPr>
-            <a:lvl8pPr marL="3200400" indent="0">
+            <a:lvl8pPr marL="2046336" indent="0">
               <a:buNone/>
-              <a:defRPr sz="1600" b="1"/>
+              <a:defRPr sz="1000" b="1"/>
             </a:lvl8pPr>
-            <a:lvl9pPr marL="3657600" indent="0">
+            <a:lvl9pPr marL="2338669" indent="0">
               <a:buNone/>
-              <a:defRPr sz="1600" b="1"/>
+              <a:defRPr sz="1000" b="1"/>
             </a:lvl9pPr>
           </a:lstStyle>
           <a:p>
@@ -2181,39 +2345,39 @@
         </p:nvSpPr>
         <p:spPr>
           <a:xfrm>
-            <a:off x="4840181" y="1812396"/>
-            <a:ext cx="4211586" cy="3292740"/>
+            <a:off x="3093458" y="1159933"/>
+            <a:ext cx="2691710" cy="2107354"/>
           </a:xfrm>
         </p:spPr>
         <p:txBody>
           <a:bodyPr/>
           <a:lstStyle>
             <a:lvl1pPr>
-              <a:defRPr sz="2400"/>
+              <a:defRPr sz="1500"/>
             </a:lvl1pPr>
             <a:lvl2pPr>
-              <a:defRPr sz="2000"/>
+              <a:defRPr sz="1300"/>
             </a:lvl2pPr>
             <a:lvl3pPr>
-              <a:defRPr sz="1800"/>
+              <a:defRPr sz="1200"/>
             </a:lvl3pPr>
             <a:lvl4pPr>
-              <a:defRPr sz="1600"/>
+              <a:defRPr sz="1000"/>
             </a:lvl4pPr>
             <a:lvl5pPr>
-              <a:defRPr sz="1600"/>
+              <a:defRPr sz="1000"/>
             </a:lvl5pPr>
             <a:lvl6pPr>
-              <a:defRPr sz="1600"/>
+              <a:defRPr sz="1000"/>
             </a:lvl6pPr>
             <a:lvl7pPr>
-              <a:defRPr sz="1600"/>
+              <a:defRPr sz="1000"/>
             </a:lvl7pPr>
             <a:lvl8pPr>
-              <a:defRPr sz="1600"/>
+              <a:defRPr sz="1000"/>
             </a:lvl8pPr>
             <a:lvl9pPr>
-              <a:defRPr sz="1600"/>
+              <a:defRPr sz="1000"/>
             </a:lvl9pPr>
           </a:lstStyle>
           <a:p>
@@ -2271,7 +2435,7 @@
           <a:p>
             <a:fld id="{A75C9821-D6E9-674A-904E-2F9D6E55AA59}" type="datetimeFigureOut">
               <a:rPr lang="en-US" smtClean="0"/>
-              <a:t>26/07/18</a:t>
+              <a:t>31/07/18</a:t>
             </a:fld>
             <a:endParaRPr lang="en-US"/>
           </a:p>
@@ -2389,7 +2553,7 @@
           <a:p>
             <a:fld id="{A75C9821-D6E9-674A-904E-2F9D6E55AA59}" type="datetimeFigureOut">
               <a:rPr lang="en-US" smtClean="0"/>
-              <a:t>26/07/18</a:t>
+              <a:t>31/07/18</a:t>
             </a:fld>
             <a:endParaRPr lang="en-US"/>
           </a:p>
@@ -2484,7 +2648,7 @@
           <a:p>
             <a:fld id="{A75C9821-D6E9-674A-904E-2F9D6E55AA59}" type="datetimeFigureOut">
               <a:rPr lang="en-US" smtClean="0"/>
-              <a:t>26/07/18</a:t>
+              <a:t>31/07/18</a:t>
             </a:fld>
             <a:endParaRPr lang="en-US"/>
           </a:p>
@@ -2574,15 +2738,15 @@
         </p:nvSpPr>
         <p:spPr>
           <a:xfrm>
-            <a:off x="476409" y="227542"/>
-            <a:ext cx="3134704" cy="968375"/>
+            <a:off x="304483" y="145627"/>
+            <a:ext cx="2003453" cy="619760"/>
           </a:xfrm>
         </p:spPr>
         <p:txBody>
           <a:bodyPr anchor="b"/>
           <a:lstStyle>
             <a:lvl1pPr algn="l">
-              <a:defRPr sz="2000" b="1"/>
+              <a:defRPr sz="1300" b="1"/>
             </a:lvl1pPr>
           </a:lstStyle>
           <a:p>
@@ -2606,39 +2770,39 @@
         </p:nvSpPr>
         <p:spPr>
           <a:xfrm>
-            <a:off x="3725252" y="227542"/>
-            <a:ext cx="5326514" cy="4877594"/>
+            <a:off x="2380884" y="145627"/>
+            <a:ext cx="3404283" cy="3121660"/>
           </a:xfrm>
         </p:spPr>
         <p:txBody>
           <a:bodyPr/>
           <a:lstStyle>
             <a:lvl1pPr>
-              <a:defRPr sz="3200"/>
+              <a:defRPr sz="2000"/>
             </a:lvl1pPr>
             <a:lvl2pPr>
-              <a:defRPr sz="2800"/>
+              <a:defRPr sz="1800"/>
             </a:lvl2pPr>
             <a:lvl3pPr>
-              <a:defRPr sz="2400"/>
+              <a:defRPr sz="1500"/>
             </a:lvl3pPr>
             <a:lvl4pPr>
-              <a:defRPr sz="2000"/>
+              <a:defRPr sz="1300"/>
             </a:lvl4pPr>
             <a:lvl5pPr>
-              <a:defRPr sz="2000"/>
+              <a:defRPr sz="1300"/>
             </a:lvl5pPr>
             <a:lvl6pPr>
-              <a:defRPr sz="2000"/>
+              <a:defRPr sz="1300"/>
             </a:lvl6pPr>
             <a:lvl7pPr>
-              <a:defRPr sz="2000"/>
+              <a:defRPr sz="1300"/>
             </a:lvl7pPr>
             <a:lvl8pPr>
-              <a:defRPr sz="2000"/>
+              <a:defRPr sz="1300"/>
             </a:lvl8pPr>
             <a:lvl9pPr>
-              <a:defRPr sz="2000"/>
+              <a:defRPr sz="1300"/>
             </a:lvl9pPr>
           </a:lstStyle>
           <a:p>
@@ -2691,8 +2855,8 @@
         </p:nvSpPr>
         <p:spPr>
           <a:xfrm>
-            <a:off x="476409" y="1195917"/>
-            <a:ext cx="3134704" cy="3909219"/>
+            <a:off x="304483" y="765387"/>
+            <a:ext cx="2003453" cy="2501900"/>
           </a:xfrm>
         </p:spPr>
         <p:txBody>
@@ -2700,39 +2864,39 @@
           <a:lstStyle>
             <a:lvl1pPr marL="0" indent="0">
               <a:buNone/>
-              <a:defRPr sz="1400"/>
+              <a:defRPr sz="900"/>
             </a:lvl1pPr>
-            <a:lvl2pPr marL="457200" indent="0">
+            <a:lvl2pPr marL="292334" indent="0">
               <a:buNone/>
-              <a:defRPr sz="1200"/>
+              <a:defRPr sz="800"/>
             </a:lvl2pPr>
-            <a:lvl3pPr marL="914400" indent="0">
+            <a:lvl3pPr marL="584667" indent="0">
               <a:buNone/>
-              <a:defRPr sz="1000"/>
+              <a:defRPr sz="600"/>
             </a:lvl3pPr>
-            <a:lvl4pPr marL="1371600" indent="0">
+            <a:lvl4pPr marL="877001" indent="0">
               <a:buNone/>
-              <a:defRPr sz="900"/>
+              <a:defRPr sz="600"/>
             </a:lvl4pPr>
-            <a:lvl5pPr marL="1828800" indent="0">
+            <a:lvl5pPr marL="1169335" indent="0">
               <a:buNone/>
-              <a:defRPr sz="900"/>
+              <a:defRPr sz="600"/>
             </a:lvl5pPr>
-            <a:lvl6pPr marL="2286000" indent="0">
+            <a:lvl6pPr marL="1461668" indent="0">
               <a:buNone/>
-              <a:defRPr sz="900"/>
+              <a:defRPr sz="600"/>
             </a:lvl6pPr>
-            <a:lvl7pPr marL="2743200" indent="0">
+            <a:lvl7pPr marL="1754002" indent="0">
               <a:buNone/>
-              <a:defRPr sz="900"/>
+              <a:defRPr sz="600"/>
             </a:lvl7pPr>
-            <a:lvl8pPr marL="3200400" indent="0">
+            <a:lvl8pPr marL="2046336" indent="0">
               <a:buNone/>
-              <a:defRPr sz="900"/>
+              <a:defRPr sz="600"/>
             </a:lvl8pPr>
-            <a:lvl9pPr marL="3657600" indent="0">
+            <a:lvl9pPr marL="2338669" indent="0">
               <a:buNone/>
-              <a:defRPr sz="900"/>
+              <a:defRPr sz="600"/>
             </a:lvl9pPr>
           </a:lstStyle>
           <a:p>
@@ -2761,7 +2925,7 @@
           <a:p>
             <a:fld id="{A75C9821-D6E9-674A-904E-2F9D6E55AA59}" type="datetimeFigureOut">
               <a:rPr lang="en-US" smtClean="0"/>
-              <a:t>26/07/18</a:t>
+              <a:t>31/07/18</a:t>
             </a:fld>
             <a:endParaRPr lang="en-US"/>
           </a:p>
@@ -2851,15 +3015,15 @@
         </p:nvSpPr>
         <p:spPr>
           <a:xfrm>
-            <a:off x="1867589" y="4000500"/>
-            <a:ext cx="5716905" cy="472282"/>
+            <a:off x="1193614" y="2560320"/>
+            <a:ext cx="3653790" cy="302260"/>
           </a:xfrm>
         </p:spPr>
         <p:txBody>
           <a:bodyPr anchor="b"/>
           <a:lstStyle>
             <a:lvl1pPr algn="l">
-              <a:defRPr sz="2000" b="1"/>
+              <a:defRPr sz="1300" b="1"/>
             </a:lvl1pPr>
           </a:lstStyle>
           <a:p>
@@ -2883,8 +3047,8 @@
         </p:nvSpPr>
         <p:spPr>
           <a:xfrm>
-            <a:off x="1867589" y="510646"/>
-            <a:ext cx="5716905" cy="3429000"/>
+            <a:off x="1193614" y="326813"/>
+            <a:ext cx="3653790" cy="2194560"/>
           </a:xfrm>
         </p:spPr>
         <p:txBody>
@@ -2892,39 +3056,39 @@
           <a:lstStyle>
             <a:lvl1pPr marL="0" indent="0">
               <a:buNone/>
-              <a:defRPr sz="3200"/>
+              <a:defRPr sz="2000"/>
             </a:lvl1pPr>
-            <a:lvl2pPr marL="457200" indent="0">
+            <a:lvl2pPr marL="292334" indent="0">
               <a:buNone/>
-              <a:defRPr sz="2800"/>
+              <a:defRPr sz="1800"/>
             </a:lvl2pPr>
-            <a:lvl3pPr marL="914400" indent="0">
+            <a:lvl3pPr marL="584667" indent="0">
               <a:buNone/>
-              <a:defRPr sz="2400"/>
+              <a:defRPr sz="1500"/>
             </a:lvl3pPr>
-            <a:lvl4pPr marL="1371600" indent="0">
+            <a:lvl4pPr marL="877001" indent="0">
               <a:buNone/>
-              <a:defRPr sz="2000"/>
+              <a:defRPr sz="1300"/>
             </a:lvl4pPr>
-            <a:lvl5pPr marL="1828800" indent="0">
+            <a:lvl5pPr marL="1169335" indent="0">
               <a:buNone/>
-              <a:defRPr sz="2000"/>
+              <a:defRPr sz="1300"/>
             </a:lvl5pPr>
-            <a:lvl6pPr marL="2286000" indent="0">
+            <a:lvl6pPr marL="1461668" indent="0">
               <a:buNone/>
-              <a:defRPr sz="2000"/>
+              <a:defRPr sz="1300"/>
             </a:lvl6pPr>
-            <a:lvl7pPr marL="2743200" indent="0">
+            <a:lvl7pPr marL="1754002" indent="0">
               <a:buNone/>
-              <a:defRPr sz="2000"/>
+              <a:defRPr sz="1300"/>
             </a:lvl7pPr>
-            <a:lvl8pPr marL="3200400" indent="0">
+            <a:lvl8pPr marL="2046336" indent="0">
               <a:buNone/>
-              <a:defRPr sz="2000"/>
+              <a:defRPr sz="1300"/>
             </a:lvl8pPr>
-            <a:lvl9pPr marL="3657600" indent="0">
+            <a:lvl9pPr marL="2338669" indent="0">
               <a:buNone/>
-              <a:defRPr sz="2000"/>
+              <a:defRPr sz="1300"/>
             </a:lvl9pPr>
           </a:lstStyle>
           <a:p>
@@ -2944,8 +3108,8 @@
         </p:nvSpPr>
         <p:spPr>
           <a:xfrm>
-            <a:off x="1867589" y="4472782"/>
-            <a:ext cx="5716905" cy="670718"/>
+            <a:off x="1193614" y="2862580"/>
+            <a:ext cx="3653790" cy="429260"/>
           </a:xfrm>
         </p:spPr>
         <p:txBody>
@@ -2953,39 +3117,39 @@
           <a:lstStyle>
             <a:lvl1pPr marL="0" indent="0">
               <a:buNone/>
-              <a:defRPr sz="1400"/>
+              <a:defRPr sz="900"/>
             </a:lvl1pPr>
-            <a:lvl2pPr marL="457200" indent="0">
+            <a:lvl2pPr marL="292334" indent="0">
               <a:buNone/>
-              <a:defRPr sz="1200"/>
+              <a:defRPr sz="800"/>
             </a:lvl2pPr>
-            <a:lvl3pPr marL="914400" indent="0">
+            <a:lvl3pPr marL="584667" indent="0">
               <a:buNone/>
-              <a:defRPr sz="1000"/>
+              <a:defRPr sz="600"/>
             </a:lvl3pPr>
-            <a:lvl4pPr marL="1371600" indent="0">
+            <a:lvl4pPr marL="877001" indent="0">
               <a:buNone/>
-              <a:defRPr sz="900"/>
+              <a:defRPr sz="600"/>
             </a:lvl4pPr>
-            <a:lvl5pPr marL="1828800" indent="0">
+            <a:lvl5pPr marL="1169335" indent="0">
               <a:buNone/>
-              <a:defRPr sz="900"/>
+              <a:defRPr sz="600"/>
             </a:lvl5pPr>
-            <a:lvl6pPr marL="2286000" indent="0">
+            <a:lvl6pPr marL="1461668" indent="0">
               <a:buNone/>
-              <a:defRPr sz="900"/>
+              <a:defRPr sz="600"/>
             </a:lvl6pPr>
-            <a:lvl7pPr marL="2743200" indent="0">
+            <a:lvl7pPr marL="1754002" indent="0">
               <a:buNone/>
-              <a:defRPr sz="900"/>
+              <a:defRPr sz="600"/>
             </a:lvl7pPr>
-            <a:lvl8pPr marL="3200400" indent="0">
+            <a:lvl8pPr marL="2046336" indent="0">
               <a:buNone/>
-              <a:defRPr sz="900"/>
+              <a:defRPr sz="600"/>
             </a:lvl8pPr>
-            <a:lvl9pPr marL="3657600" indent="0">
+            <a:lvl9pPr marL="2338669" indent="0">
               <a:buNone/>
-              <a:defRPr sz="900"/>
+              <a:defRPr sz="600"/>
             </a:lvl9pPr>
           </a:lstStyle>
           <a:p>
@@ -3014,7 +3178,7 @@
           <a:p>
             <a:fld id="{A75C9821-D6E9-674A-904E-2F9D6E55AA59}" type="datetimeFigureOut">
               <a:rPr lang="en-US" smtClean="0"/>
-              <a:t>26/07/18</a:t>
+              <a:t>31/07/18</a:t>
             </a:fld>
             <a:endParaRPr lang="en-US"/>
           </a:p>
@@ -3109,15 +3273,15 @@
         </p:nvSpPr>
         <p:spPr>
           <a:xfrm>
-            <a:off x="476409" y="228865"/>
-            <a:ext cx="8575358" cy="952500"/>
+            <a:off x="304483" y="146474"/>
+            <a:ext cx="5480685" cy="609600"/>
           </a:xfrm>
           <a:prstGeom prst="rect">
             <a:avLst/>
           </a:prstGeom>
         </p:spPr>
         <p:txBody>
-          <a:bodyPr vert="horz" lIns="91440" tIns="45720" rIns="91440" bIns="45720" rtlCol="0" anchor="ctr">
+          <a:bodyPr vert="horz" lIns="58467" tIns="29233" rIns="58467" bIns="29233" rtlCol="0" anchor="ctr">
             <a:normAutofit/>
           </a:bodyPr>
           <a:lstStyle/>
@@ -3142,15 +3306,15 @@
         </p:nvSpPr>
         <p:spPr>
           <a:xfrm>
-            <a:off x="476409" y="1333500"/>
-            <a:ext cx="8575358" cy="3771636"/>
+            <a:off x="304483" y="853440"/>
+            <a:ext cx="5480685" cy="2413847"/>
           </a:xfrm>
           <a:prstGeom prst="rect">
             <a:avLst/>
           </a:prstGeom>
         </p:spPr>
         <p:txBody>
-          <a:bodyPr vert="horz" lIns="91440" tIns="45720" rIns="91440" bIns="45720" rtlCol="0">
+          <a:bodyPr vert="horz" lIns="58467" tIns="29233" rIns="58467" bIns="29233" rtlCol="0">
             <a:normAutofit/>
           </a:bodyPr>
           <a:lstStyle/>
@@ -3204,18 +3368,18 @@
         </p:nvSpPr>
         <p:spPr>
           <a:xfrm>
-            <a:off x="476409" y="5296959"/>
-            <a:ext cx="2223241" cy="304271"/>
+            <a:off x="304483" y="3390054"/>
+            <a:ext cx="1420918" cy="194733"/>
           </a:xfrm>
           <a:prstGeom prst="rect">
             <a:avLst/>
           </a:prstGeom>
         </p:spPr>
         <p:txBody>
-          <a:bodyPr vert="horz" lIns="91440" tIns="45720" rIns="91440" bIns="45720" rtlCol="0" anchor="ctr"/>
+          <a:bodyPr vert="horz" lIns="58467" tIns="29233" rIns="58467" bIns="29233" rtlCol="0" anchor="ctr"/>
           <a:lstStyle>
             <a:lvl1pPr algn="l">
-              <a:defRPr sz="1200">
+              <a:defRPr sz="800">
                 <a:solidFill>
                   <a:schemeClr val="tx1">
                     <a:tint val="75000"/>
@@ -3227,7 +3391,7 @@
           <a:p>
             <a:fld id="{A75C9821-D6E9-674A-904E-2F9D6E55AA59}" type="datetimeFigureOut">
               <a:rPr lang="en-US" smtClean="0"/>
-              <a:t>26/07/18</a:t>
+              <a:t>31/07/18</a:t>
             </a:fld>
             <a:endParaRPr lang="en-US"/>
           </a:p>
@@ -3245,18 +3409,18 @@
         </p:nvSpPr>
         <p:spPr>
           <a:xfrm>
-            <a:off x="3255460" y="5296959"/>
-            <a:ext cx="3017255" cy="304271"/>
+            <a:off x="2080631" y="3390054"/>
+            <a:ext cx="1928389" cy="194733"/>
           </a:xfrm>
           <a:prstGeom prst="rect">
             <a:avLst/>
           </a:prstGeom>
         </p:spPr>
         <p:txBody>
-          <a:bodyPr vert="horz" lIns="91440" tIns="45720" rIns="91440" bIns="45720" rtlCol="0" anchor="ctr"/>
+          <a:bodyPr vert="horz" lIns="58467" tIns="29233" rIns="58467" bIns="29233" rtlCol="0" anchor="ctr"/>
           <a:lstStyle>
             <a:lvl1pPr algn="ctr">
-              <a:defRPr sz="1200">
+              <a:defRPr sz="800">
                 <a:solidFill>
                   <a:schemeClr val="tx1">
                     <a:tint val="75000"/>
@@ -3282,18 +3446,18 @@
         </p:nvSpPr>
         <p:spPr>
           <a:xfrm>
-            <a:off x="6828525" y="5296959"/>
-            <a:ext cx="2223241" cy="304271"/>
+            <a:off x="4364249" y="3390054"/>
+            <a:ext cx="1420918" cy="194733"/>
           </a:xfrm>
           <a:prstGeom prst="rect">
             <a:avLst/>
           </a:prstGeom>
         </p:spPr>
         <p:txBody>
-          <a:bodyPr vert="horz" lIns="91440" tIns="45720" rIns="91440" bIns="45720" rtlCol="0" anchor="ctr"/>
+          <a:bodyPr vert="horz" lIns="58467" tIns="29233" rIns="58467" bIns="29233" rtlCol="0" anchor="ctr"/>
           <a:lstStyle>
             <a:lvl1pPr algn="r">
-              <a:defRPr sz="1200">
+              <a:defRPr sz="800">
                 <a:solidFill>
                   <a:schemeClr val="tx1">
                     <a:tint val="75000"/>
@@ -3334,12 +3498,12 @@
   </p:sldLayoutIdLst>
   <p:txStyles>
     <p:titleStyle>
-      <a:lvl1pPr algn="ctr" defTabSz="457200" rtl="0" eaLnBrk="1" latinLnBrk="0" hangingPunct="1">
+      <a:lvl1pPr algn="ctr" defTabSz="292334" rtl="0" eaLnBrk="1" latinLnBrk="0" hangingPunct="1">
         <a:spcBef>
           <a:spcPct val="0"/>
         </a:spcBef>
         <a:buNone/>
-        <a:defRPr sz="4400" kern="1200">
+        <a:defRPr sz="2800" kern="1200">
           <a:solidFill>
             <a:schemeClr val="tx1"/>
           </a:solidFill>
@@ -3350,82 +3514,7 @@
       </a:lvl1pPr>
     </p:titleStyle>
     <p:bodyStyle>
-      <a:lvl1pPr marL="342900" indent="-342900" algn="l" defTabSz="457200" rtl="0" eaLnBrk="1" latinLnBrk="0" hangingPunct="1">
-        <a:spcBef>
-          <a:spcPct val="20000"/>
-        </a:spcBef>
-        <a:buFont typeface="Arial"/>
-        <a:buChar char="•"/>
-        <a:defRPr sz="3200" kern="1200">
-          <a:solidFill>
-            <a:schemeClr val="tx1"/>
-          </a:solidFill>
-          <a:latin typeface="+mn-lt"/>
-          <a:ea typeface="+mn-ea"/>
-          <a:cs typeface="+mn-cs"/>
-        </a:defRPr>
-      </a:lvl1pPr>
-      <a:lvl2pPr marL="742950" indent="-285750" algn="l" defTabSz="457200" rtl="0" eaLnBrk="1" latinLnBrk="0" hangingPunct="1">
-        <a:spcBef>
-          <a:spcPct val="20000"/>
-        </a:spcBef>
-        <a:buFont typeface="Arial"/>
-        <a:buChar char="–"/>
-        <a:defRPr sz="2800" kern="1200">
-          <a:solidFill>
-            <a:schemeClr val="tx1"/>
-          </a:solidFill>
-          <a:latin typeface="+mn-lt"/>
-          <a:ea typeface="+mn-ea"/>
-          <a:cs typeface="+mn-cs"/>
-        </a:defRPr>
-      </a:lvl2pPr>
-      <a:lvl3pPr marL="1143000" indent="-228600" algn="l" defTabSz="457200" rtl="0" eaLnBrk="1" latinLnBrk="0" hangingPunct="1">
-        <a:spcBef>
-          <a:spcPct val="20000"/>
-        </a:spcBef>
-        <a:buFont typeface="Arial"/>
-        <a:buChar char="•"/>
-        <a:defRPr sz="2400" kern="1200">
-          <a:solidFill>
-            <a:schemeClr val="tx1"/>
-          </a:solidFill>
-          <a:latin typeface="+mn-lt"/>
-          <a:ea typeface="+mn-ea"/>
-          <a:cs typeface="+mn-cs"/>
-        </a:defRPr>
-      </a:lvl3pPr>
-      <a:lvl4pPr marL="1600200" indent="-228600" algn="l" defTabSz="457200" rtl="0" eaLnBrk="1" latinLnBrk="0" hangingPunct="1">
-        <a:spcBef>
-          <a:spcPct val="20000"/>
-        </a:spcBef>
-        <a:buFont typeface="Arial"/>
-        <a:buChar char="–"/>
-        <a:defRPr sz="2000" kern="1200">
-          <a:solidFill>
-            <a:schemeClr val="tx1"/>
-          </a:solidFill>
-          <a:latin typeface="+mn-lt"/>
-          <a:ea typeface="+mn-ea"/>
-          <a:cs typeface="+mn-cs"/>
-        </a:defRPr>
-      </a:lvl4pPr>
-      <a:lvl5pPr marL="2057400" indent="-228600" algn="l" defTabSz="457200" rtl="0" eaLnBrk="1" latinLnBrk="0" hangingPunct="1">
-        <a:spcBef>
-          <a:spcPct val="20000"/>
-        </a:spcBef>
-        <a:buFont typeface="Arial"/>
-        <a:buChar char="»"/>
-        <a:defRPr sz="2000" kern="1200">
-          <a:solidFill>
-            <a:schemeClr val="tx1"/>
-          </a:solidFill>
-          <a:latin typeface="+mn-lt"/>
-          <a:ea typeface="+mn-ea"/>
-          <a:cs typeface="+mn-cs"/>
-        </a:defRPr>
-      </a:lvl5pPr>
-      <a:lvl6pPr marL="2514600" indent="-228600" algn="l" defTabSz="457200" rtl="0" eaLnBrk="1" latinLnBrk="0" hangingPunct="1">
+      <a:lvl1pPr marL="219250" indent="-219250" algn="l" defTabSz="292334" rtl="0" eaLnBrk="1" latinLnBrk="0" hangingPunct="1">
         <a:spcBef>
           <a:spcPct val="20000"/>
         </a:spcBef>
@@ -3439,14 +3528,89 @@
           <a:ea typeface="+mn-ea"/>
           <a:cs typeface="+mn-cs"/>
         </a:defRPr>
-      </a:lvl6pPr>
-      <a:lvl7pPr marL="2971800" indent="-228600" algn="l" defTabSz="457200" rtl="0" eaLnBrk="1" latinLnBrk="0" hangingPunct="1">
+      </a:lvl1pPr>
+      <a:lvl2pPr marL="475042" indent="-182709" algn="l" defTabSz="292334" rtl="0" eaLnBrk="1" latinLnBrk="0" hangingPunct="1">
+        <a:spcBef>
+          <a:spcPct val="20000"/>
+        </a:spcBef>
+        <a:buFont typeface="Arial"/>
+        <a:buChar char="–"/>
+        <a:defRPr sz="1800" kern="1200">
+          <a:solidFill>
+            <a:schemeClr val="tx1"/>
+          </a:solidFill>
+          <a:latin typeface="+mn-lt"/>
+          <a:ea typeface="+mn-ea"/>
+          <a:cs typeface="+mn-cs"/>
+        </a:defRPr>
+      </a:lvl2pPr>
+      <a:lvl3pPr marL="730834" indent="-146167" algn="l" defTabSz="292334" rtl="0" eaLnBrk="1" latinLnBrk="0" hangingPunct="1">
         <a:spcBef>
           <a:spcPct val="20000"/>
         </a:spcBef>
         <a:buFont typeface="Arial"/>
         <a:buChar char="•"/>
-        <a:defRPr sz="2000" kern="1200">
+        <a:defRPr sz="1500" kern="1200">
+          <a:solidFill>
+            <a:schemeClr val="tx1"/>
+          </a:solidFill>
+          <a:latin typeface="+mn-lt"/>
+          <a:ea typeface="+mn-ea"/>
+          <a:cs typeface="+mn-cs"/>
+        </a:defRPr>
+      </a:lvl3pPr>
+      <a:lvl4pPr marL="1023168" indent="-146167" algn="l" defTabSz="292334" rtl="0" eaLnBrk="1" latinLnBrk="0" hangingPunct="1">
+        <a:spcBef>
+          <a:spcPct val="20000"/>
+        </a:spcBef>
+        <a:buFont typeface="Arial"/>
+        <a:buChar char="–"/>
+        <a:defRPr sz="1300" kern="1200">
+          <a:solidFill>
+            <a:schemeClr val="tx1"/>
+          </a:solidFill>
+          <a:latin typeface="+mn-lt"/>
+          <a:ea typeface="+mn-ea"/>
+          <a:cs typeface="+mn-cs"/>
+        </a:defRPr>
+      </a:lvl4pPr>
+      <a:lvl5pPr marL="1315502" indent="-146167" algn="l" defTabSz="292334" rtl="0" eaLnBrk="1" latinLnBrk="0" hangingPunct="1">
+        <a:spcBef>
+          <a:spcPct val="20000"/>
+        </a:spcBef>
+        <a:buFont typeface="Arial"/>
+        <a:buChar char="»"/>
+        <a:defRPr sz="1300" kern="1200">
+          <a:solidFill>
+            <a:schemeClr val="tx1"/>
+          </a:solidFill>
+          <a:latin typeface="+mn-lt"/>
+          <a:ea typeface="+mn-ea"/>
+          <a:cs typeface="+mn-cs"/>
+        </a:defRPr>
+      </a:lvl5pPr>
+      <a:lvl6pPr marL="1607835" indent="-146167" algn="l" defTabSz="292334" rtl="0" eaLnBrk="1" latinLnBrk="0" hangingPunct="1">
+        <a:spcBef>
+          <a:spcPct val="20000"/>
+        </a:spcBef>
+        <a:buFont typeface="Arial"/>
+        <a:buChar char="•"/>
+        <a:defRPr sz="1300" kern="1200">
+          <a:solidFill>
+            <a:schemeClr val="tx1"/>
+          </a:solidFill>
+          <a:latin typeface="+mn-lt"/>
+          <a:ea typeface="+mn-ea"/>
+          <a:cs typeface="+mn-cs"/>
+        </a:defRPr>
+      </a:lvl6pPr>
+      <a:lvl7pPr marL="1900169" indent="-146167" algn="l" defTabSz="292334" rtl="0" eaLnBrk="1" latinLnBrk="0" hangingPunct="1">
+        <a:spcBef>
+          <a:spcPct val="20000"/>
+        </a:spcBef>
+        <a:buFont typeface="Arial"/>
+        <a:buChar char="•"/>
+        <a:defRPr sz="1300" kern="1200">
           <a:solidFill>
             <a:schemeClr val="tx1"/>
           </a:solidFill>
@@ -3455,13 +3619,13 @@
           <a:cs typeface="+mn-cs"/>
         </a:defRPr>
       </a:lvl7pPr>
-      <a:lvl8pPr marL="3429000" indent="-228600" algn="l" defTabSz="457200" rtl="0" eaLnBrk="1" latinLnBrk="0" hangingPunct="1">
+      <a:lvl8pPr marL="2192503" indent="-146167" algn="l" defTabSz="292334" rtl="0" eaLnBrk="1" latinLnBrk="0" hangingPunct="1">
         <a:spcBef>
           <a:spcPct val="20000"/>
         </a:spcBef>
         <a:buFont typeface="Arial"/>
         <a:buChar char="•"/>
-        <a:defRPr sz="2000" kern="1200">
+        <a:defRPr sz="1300" kern="1200">
           <a:solidFill>
             <a:schemeClr val="tx1"/>
           </a:solidFill>
@@ -3470,13 +3634,13 @@
           <a:cs typeface="+mn-cs"/>
         </a:defRPr>
       </a:lvl8pPr>
-      <a:lvl9pPr marL="3886200" indent="-228600" algn="l" defTabSz="457200" rtl="0" eaLnBrk="1" latinLnBrk="0" hangingPunct="1">
+      <a:lvl9pPr marL="2484836" indent="-146167" algn="l" defTabSz="292334" rtl="0" eaLnBrk="1" latinLnBrk="0" hangingPunct="1">
         <a:spcBef>
           <a:spcPct val="20000"/>
         </a:spcBef>
         <a:buFont typeface="Arial"/>
         <a:buChar char="•"/>
-        <a:defRPr sz="2000" kern="1200">
+        <a:defRPr sz="1300" kern="1200">
           <a:solidFill>
             <a:schemeClr val="tx1"/>
           </a:solidFill>
@@ -3490,8 +3654,8 @@
       <a:defPPr>
         <a:defRPr lang="en-US"/>
       </a:defPPr>
-      <a:lvl1pPr marL="0" algn="l" defTabSz="457200" rtl="0" eaLnBrk="1" latinLnBrk="0" hangingPunct="1">
-        <a:defRPr sz="1800" kern="1200">
+      <a:lvl1pPr marL="0" algn="l" defTabSz="292334" rtl="0" eaLnBrk="1" latinLnBrk="0" hangingPunct="1">
+        <a:defRPr sz="1200" kern="1200">
           <a:solidFill>
             <a:schemeClr val="tx1"/>
           </a:solidFill>
@@ -3500,8 +3664,8 @@
           <a:cs typeface="+mn-cs"/>
         </a:defRPr>
       </a:lvl1pPr>
-      <a:lvl2pPr marL="457200" algn="l" defTabSz="457200" rtl="0" eaLnBrk="1" latinLnBrk="0" hangingPunct="1">
-        <a:defRPr sz="1800" kern="1200">
+      <a:lvl2pPr marL="292334" algn="l" defTabSz="292334" rtl="0" eaLnBrk="1" latinLnBrk="0" hangingPunct="1">
+        <a:defRPr sz="1200" kern="1200">
           <a:solidFill>
             <a:schemeClr val="tx1"/>
           </a:solidFill>
@@ -3510,8 +3674,8 @@
           <a:cs typeface="+mn-cs"/>
         </a:defRPr>
       </a:lvl2pPr>
-      <a:lvl3pPr marL="914400" algn="l" defTabSz="457200" rtl="0" eaLnBrk="1" latinLnBrk="0" hangingPunct="1">
-        <a:defRPr sz="1800" kern="1200">
+      <a:lvl3pPr marL="584667" algn="l" defTabSz="292334" rtl="0" eaLnBrk="1" latinLnBrk="0" hangingPunct="1">
+        <a:defRPr sz="1200" kern="1200">
           <a:solidFill>
             <a:schemeClr val="tx1"/>
           </a:solidFill>
@@ -3520,8 +3684,8 @@
           <a:cs typeface="+mn-cs"/>
         </a:defRPr>
       </a:lvl3pPr>
-      <a:lvl4pPr marL="1371600" algn="l" defTabSz="457200" rtl="0" eaLnBrk="1" latinLnBrk="0" hangingPunct="1">
-        <a:defRPr sz="1800" kern="1200">
+      <a:lvl4pPr marL="877001" algn="l" defTabSz="292334" rtl="0" eaLnBrk="1" latinLnBrk="0" hangingPunct="1">
+        <a:defRPr sz="1200" kern="1200">
           <a:solidFill>
             <a:schemeClr val="tx1"/>
           </a:solidFill>
@@ -3530,8 +3694,8 @@
           <a:cs typeface="+mn-cs"/>
         </a:defRPr>
       </a:lvl4pPr>
-      <a:lvl5pPr marL="1828800" algn="l" defTabSz="457200" rtl="0" eaLnBrk="1" latinLnBrk="0" hangingPunct="1">
-        <a:defRPr sz="1800" kern="1200">
+      <a:lvl5pPr marL="1169335" algn="l" defTabSz="292334" rtl="0" eaLnBrk="1" latinLnBrk="0" hangingPunct="1">
+        <a:defRPr sz="1200" kern="1200">
           <a:solidFill>
             <a:schemeClr val="tx1"/>
           </a:solidFill>
@@ -3540,8 +3704,8 @@
           <a:cs typeface="+mn-cs"/>
         </a:defRPr>
       </a:lvl5pPr>
-      <a:lvl6pPr marL="2286000" algn="l" defTabSz="457200" rtl="0" eaLnBrk="1" latinLnBrk="0" hangingPunct="1">
-        <a:defRPr sz="1800" kern="1200">
+      <a:lvl6pPr marL="1461668" algn="l" defTabSz="292334" rtl="0" eaLnBrk="1" latinLnBrk="0" hangingPunct="1">
+        <a:defRPr sz="1200" kern="1200">
           <a:solidFill>
             <a:schemeClr val="tx1"/>
           </a:solidFill>
@@ -3550,8 +3714,8 @@
           <a:cs typeface="+mn-cs"/>
         </a:defRPr>
       </a:lvl6pPr>
-      <a:lvl7pPr marL="2743200" algn="l" defTabSz="457200" rtl="0" eaLnBrk="1" latinLnBrk="0" hangingPunct="1">
-        <a:defRPr sz="1800" kern="1200">
+      <a:lvl7pPr marL="1754002" algn="l" defTabSz="292334" rtl="0" eaLnBrk="1" latinLnBrk="0" hangingPunct="1">
+        <a:defRPr sz="1200" kern="1200">
           <a:solidFill>
             <a:schemeClr val="tx1"/>
           </a:solidFill>
@@ -3560,8 +3724,8 @@
           <a:cs typeface="+mn-cs"/>
         </a:defRPr>
       </a:lvl7pPr>
-      <a:lvl8pPr marL="3200400" algn="l" defTabSz="457200" rtl="0" eaLnBrk="1" latinLnBrk="0" hangingPunct="1">
-        <a:defRPr sz="1800" kern="1200">
+      <a:lvl8pPr marL="2046336" algn="l" defTabSz="292334" rtl="0" eaLnBrk="1" latinLnBrk="0" hangingPunct="1">
+        <a:defRPr sz="1200" kern="1200">
           <a:solidFill>
             <a:schemeClr val="tx1"/>
           </a:solidFill>
@@ -3570,8 +3734,8 @@
           <a:cs typeface="+mn-cs"/>
         </a:defRPr>
       </a:lvl8pPr>
-      <a:lvl9pPr marL="3657600" algn="l" defTabSz="457200" rtl="0" eaLnBrk="1" latinLnBrk="0" hangingPunct="1">
-        <a:defRPr sz="1800" kern="1200">
+      <a:lvl9pPr marL="2338669" algn="l" defTabSz="292334" rtl="0" eaLnBrk="1" latinLnBrk="0" hangingPunct="1">
+        <a:defRPr sz="1200" kern="1200">
           <a:solidFill>
             <a:schemeClr val="tx1"/>
           </a:solidFill>
@@ -3610,8 +3774,8 @@
         </p:nvSpPr>
         <p:spPr>
           <a:xfrm>
-            <a:off x="-1" y="0"/>
-            <a:ext cx="9528175" cy="5715000"/>
+            <a:off x="0" y="0"/>
+            <a:ext cx="6089650" cy="3657600"/>
           </a:xfrm>
           <a:prstGeom prst="rect">
             <a:avLst/>
@@ -3639,7 +3803,7 @@
           </a:fontRef>
         </p:style>
         <p:txBody>
-          <a:bodyPr rtlCol="0" anchor="ctr"/>
+          <a:bodyPr lIns="58467" tIns="29233" rIns="58467" bIns="29233" rtlCol="0" anchor="ctr"/>
           <a:lstStyle/>
           <a:p>
             <a:pPr algn="ctr"/>
@@ -3655,8 +3819,8 @@
         </p:nvSpPr>
         <p:spPr>
           <a:xfrm>
-            <a:off x="647485" y="1184451"/>
-            <a:ext cx="7007929" cy="307777"/>
+            <a:off x="0" y="816854"/>
+            <a:ext cx="6089650" cy="220620"/>
           </a:xfrm>
           <a:prstGeom prst="rect">
             <a:avLst/>
@@ -3667,134 +3831,38 @@
           </a:ln>
         </p:spPr>
         <p:txBody>
-          <a:bodyPr wrap="square" rtlCol="0">
+          <a:bodyPr wrap="square" lIns="58467" tIns="29233" rIns="58467" bIns="29233" rtlCol="0">
             <a:spAutoFit/>
           </a:bodyPr>
           <a:lstStyle/>
           <a:p>
-            <a:pPr marL="0" marR="0" lvl="0" indent="0" defTabSz="914400" eaLnBrk="1" fontAlgn="auto" latinLnBrk="0" hangingPunct="1">
-              <a:lnSpc>
-                <a:spcPct val="100000"/>
-              </a:lnSpc>
-              <a:spcBef>
-                <a:spcPts val="0"/>
-              </a:spcBef>
-              <a:spcAft>
-                <a:spcPts val="0"/>
-              </a:spcAft>
-              <a:buClrTx/>
-              <a:buSzTx/>
-              <a:buFontTx/>
-              <a:buNone/>
-              <a:tabLst/>
+            <a:pPr algn="ctr" defTabSz="584667">
               <a:defRPr/>
             </a:pPr>
             <a:r>
-              <a:rPr kumimoji="0" lang="en-US" sz="1400" b="0" i="0" u="none" strike="noStrike" kern="0" cap="none" spc="0" normalizeH="0" baseline="0" noProof="0" dirty="0" smtClean="0">
-                <a:ln>
-                  <a:noFill/>
-                </a:ln>
+              <a:rPr lang="en-US" sz="1050" kern="0" dirty="0">
                 <a:solidFill>
                   <a:sysClr val="window" lastClr="FFFFFF"/>
                 </a:solidFill>
-                <a:effectLst/>
-                <a:uLnTx/>
-                <a:uFillTx/>
                 <a:latin typeface="Consolas"/>
                 <a:cs typeface="Consolas"/>
               </a:rPr>
-              <a:t>Evil </a:t>
-            </a:r>
-            <a:r>
-              <a:rPr kumimoji="0" lang="en-US" sz="1400" b="0" i="0" u="none" strike="noStrike" kern="0" cap="none" spc="0" normalizeH="0" baseline="0" noProof="0" dirty="0" smtClean="0">
-                <a:ln>
-                  <a:noFill/>
-                </a:ln>
+              <a:t>Evil Dr. Darwin is planning to breed the ultimate killing </a:t>
+            </a:r>
+            <a:r>
+              <a:rPr lang="en-US" sz="1050" kern="0" dirty="0" smtClean="0">
                 <a:solidFill>
                   <a:sysClr val="window" lastClr="FFFFFF"/>
                 </a:solidFill>
-                <a:effectLst/>
-                <a:uLnTx/>
-                <a:uFillTx/>
                 <a:latin typeface="Consolas"/>
                 <a:cs typeface="Consolas"/>
               </a:rPr>
-              <a:t>Dr. </a:t>
-            </a:r>
-            <a:r>
-              <a:rPr kumimoji="0" lang="en-US" sz="1400" b="0" i="0" u="none" strike="noStrike" kern="0" cap="none" spc="0" normalizeH="0" baseline="0" noProof="0" dirty="0" smtClean="0">
-                <a:ln>
-                  <a:noFill/>
-                </a:ln>
-                <a:solidFill>
-                  <a:sysClr val="window" lastClr="FFFFFF"/>
-                </a:solidFill>
-                <a:effectLst/>
-                <a:uLnTx/>
-                <a:uFillTx/>
-                <a:latin typeface="Consolas"/>
-                <a:cs typeface="Consolas"/>
-              </a:rPr>
-              <a:t>Darwin is planning to </a:t>
-            </a:r>
-            <a:r>
-              <a:rPr kumimoji="0" lang="en-US" sz="1400" b="0" i="0" u="none" strike="noStrike" kern="0" cap="none" spc="0" normalizeH="0" baseline="0" noProof="0" dirty="0" smtClean="0">
-                <a:ln>
-                  <a:noFill/>
-                </a:ln>
-                <a:solidFill>
-                  <a:sysClr val="window" lastClr="FFFFFF"/>
-                </a:solidFill>
-                <a:effectLst/>
-                <a:uLnTx/>
-                <a:uFillTx/>
-                <a:latin typeface="Consolas"/>
-                <a:cs typeface="Consolas"/>
-              </a:rPr>
-              <a:t>breed </a:t>
-            </a:r>
-            <a:r>
-              <a:rPr kumimoji="0" lang="en-US" sz="1400" b="0" i="0" u="none" strike="noStrike" kern="0" cap="none" spc="0" normalizeH="0" baseline="0" noProof="0" dirty="0" smtClean="0">
-                <a:ln>
-                  <a:noFill/>
-                </a:ln>
-                <a:solidFill>
-                  <a:sysClr val="window" lastClr="FFFFFF"/>
-                </a:solidFill>
-                <a:effectLst/>
-                <a:uLnTx/>
-                <a:uFillTx/>
-                <a:latin typeface="Consolas"/>
-                <a:cs typeface="Consolas"/>
-              </a:rPr>
-              <a:t>the ultimate killing </a:t>
-            </a:r>
-            <a:r>
-              <a:rPr kumimoji="0" lang="en-US" sz="1400" b="0" i="0" u="none" strike="noStrike" kern="0" cap="none" spc="0" normalizeH="0" baseline="0" noProof="0" dirty="0" smtClean="0">
-                <a:ln>
-                  <a:noFill/>
-                </a:ln>
-                <a:solidFill>
-                  <a:sysClr val="window" lastClr="FFFFFF"/>
-                </a:solidFill>
-                <a:effectLst/>
-                <a:uLnTx/>
-                <a:uFillTx/>
-                <a:latin typeface="Consolas"/>
-                <a:cs typeface="Consolas"/>
-              </a:rPr>
-              <a:t>creature</a:t>
-            </a:r>
-            <a:endParaRPr kumimoji="0" lang="en-US" sz="1400" b="0" i="0" u="none" strike="noStrike" kern="0" cap="none" spc="0" normalizeH="0" baseline="0" noProof="0" dirty="0">
-              <a:ln>
-                <a:noFill/>
-              </a:ln>
+              <a:t>creature.</a:t>
+            </a:r>
+            <a:endParaRPr lang="en-US" sz="1050" kern="0" dirty="0">
               <a:solidFill>
                 <a:sysClr val="window" lastClr="FFFFFF"/>
               </a:solidFill>
-              <a:effectLst/>
-              <a:uLnTx/>
-              <a:uFillTx/>
               <a:latin typeface="Consolas"/>
               <a:cs typeface="Consolas"/>
             </a:endParaRPr>
@@ -3809,8 +3877,8 @@
         </p:nvSpPr>
         <p:spPr>
           <a:xfrm>
-            <a:off x="647485" y="1856999"/>
-            <a:ext cx="5874033" cy="523220"/>
+            <a:off x="1174496" y="1891909"/>
+            <a:ext cx="3754214" cy="334861"/>
           </a:xfrm>
           <a:prstGeom prst="rect">
             <a:avLst/>
@@ -3821,298 +3889,78 @@
           </a:ln>
         </p:spPr>
         <p:txBody>
-          <a:bodyPr wrap="square" rtlCol="0">
+          <a:bodyPr wrap="square" lIns="58467" tIns="29233" rIns="58467" bIns="29233" rtlCol="0">
             <a:spAutoFit/>
           </a:bodyPr>
           <a:lstStyle/>
           <a:p>
-            <a:pPr marL="0" marR="0" lvl="0" indent="0" defTabSz="914400" eaLnBrk="1" fontAlgn="auto" latinLnBrk="0" hangingPunct="1">
-              <a:lnSpc>
-                <a:spcPct val="100000"/>
-              </a:lnSpc>
-              <a:spcBef>
-                <a:spcPts val="0"/>
-              </a:spcBef>
-              <a:spcAft>
-                <a:spcPts val="0"/>
-              </a:spcAft>
-              <a:buClrTx/>
-              <a:buSzTx/>
-              <a:buFontTx/>
-              <a:buNone/>
-              <a:tabLst/>
+            <a:pPr algn="ctr" defTabSz="584667">
               <a:defRPr/>
             </a:pPr>
             <a:r>
-              <a:rPr kumimoji="0" lang="en-US" sz="1400" b="0" i="0" u="none" strike="noStrike" kern="0" cap="none" spc="0" normalizeH="0" baseline="0" noProof="0" dirty="0" smtClean="0">
-                <a:ln>
-                  <a:noFill/>
-                </a:ln>
+              <a:rPr lang="en-US" sz="900" kern="0" dirty="0">
                 <a:solidFill>
                   <a:sysClr val="window" lastClr="FFFFFF"/>
                 </a:solidFill>
-                <a:effectLst/>
-                <a:uLnTx/>
-                <a:uFillTx/>
                 <a:latin typeface="Consolas"/>
                 <a:cs typeface="Consolas"/>
               </a:rPr>
-              <a:t>Each creature has a unique neural network that makes decisions based</a:t>
-            </a:r>
-            <a:r>
-              <a:rPr kumimoji="0" lang="en-US" sz="1400" b="0" i="0" u="none" strike="noStrike" kern="0" cap="none" spc="0" normalizeH="0" noProof="0" dirty="0" smtClean="0">
-                <a:ln>
-                  <a:noFill/>
-                </a:ln>
+              <a:t>Each </a:t>
+            </a:r>
+            <a:r>
+              <a:rPr lang="en-US" sz="900" kern="0" dirty="0" smtClean="0">
                 <a:solidFill>
                   <a:sysClr val="window" lastClr="FFFFFF"/>
                 </a:solidFill>
-                <a:effectLst/>
-                <a:uLnTx/>
-                <a:uFillTx/>
                 <a:latin typeface="Consolas"/>
                 <a:cs typeface="Consolas"/>
               </a:rPr>
-              <a:t> on their surroundings</a:t>
-            </a:r>
-            <a:r>
-              <a:rPr kumimoji="0" lang="en-US" sz="1400" b="0" i="0" u="none" strike="noStrike" kern="0" cap="none" spc="0" normalizeH="0" baseline="0" noProof="0" dirty="0" smtClean="0">
-                <a:ln>
-                  <a:noFill/>
-                </a:ln>
+              <a:t>of his creatures </a:t>
+            </a:r>
+            <a:r>
+              <a:rPr lang="en-US" sz="900" kern="0" dirty="0">
                 <a:solidFill>
                   <a:sysClr val="window" lastClr="FFFFFF"/>
                 </a:solidFill>
-                <a:effectLst/>
-                <a:uLnTx/>
-                <a:uFillTx/>
                 <a:latin typeface="Consolas"/>
                 <a:cs typeface="Consolas"/>
               </a:rPr>
-              <a:t> </a:t>
-            </a:r>
-            <a:endParaRPr kumimoji="0" lang="en-US" sz="1400" b="0" i="0" u="none" strike="noStrike" kern="0" cap="none" spc="0" normalizeH="0" baseline="0" noProof="0" dirty="0">
-              <a:ln>
-                <a:noFill/>
-              </a:ln>
+              <a:t>has a unique </a:t>
+            </a:r>
+            <a:r>
+              <a:rPr lang="en-US" sz="900" kern="0" dirty="0">
+                <a:solidFill>
+                  <a:srgbClr val="FF8950"/>
+                </a:solidFill>
+                <a:latin typeface="Consolas"/>
+                <a:cs typeface="Consolas"/>
+              </a:rPr>
+              <a:t>neural network </a:t>
+            </a:r>
+            <a:r>
+              <a:rPr lang="en-US" sz="900" kern="0" dirty="0">
+                <a:solidFill>
+                  <a:sysClr val="window" lastClr="FFFFFF"/>
+                </a:solidFill>
+                <a:latin typeface="Consolas"/>
+                <a:cs typeface="Consolas"/>
+              </a:rPr>
+              <a:t>that makes decisions based on their </a:t>
+            </a:r>
+            <a:r>
+              <a:rPr lang="en-US" sz="900" kern="0" dirty="0" smtClean="0">
+                <a:solidFill>
+                  <a:sysClr val="window" lastClr="FFFFFF"/>
+                </a:solidFill>
+                <a:latin typeface="Consolas"/>
+                <a:cs typeface="Consolas"/>
+              </a:rPr>
+              <a:t>surroundings. </a:t>
+            </a:r>
+            <a:endParaRPr lang="en-US" sz="900" kern="0" dirty="0">
               <a:solidFill>
                 <a:sysClr val="window" lastClr="FFFFFF"/>
               </a:solidFill>
-              <a:effectLst/>
-              <a:uLnTx/>
-              <a:uFillTx/>
-              <a:latin typeface="Consolas"/>
-              <a:cs typeface="Consolas"/>
-            </a:endParaRPr>
-          </a:p>
-        </p:txBody>
-      </p:sp>
-      <p:sp>
-        <p:nvSpPr>
-          <p:cNvPr id="15" name="TextBox 14"/>
-          <p:cNvSpPr txBox="1"/>
-          <p:nvPr/>
-        </p:nvSpPr>
-        <p:spPr>
-          <a:xfrm>
-            <a:off x="647487" y="2776220"/>
-            <a:ext cx="4060478" cy="523220"/>
-          </a:xfrm>
-          <a:prstGeom prst="rect">
-            <a:avLst/>
-          </a:prstGeom>
-          <a:noFill/>
-          <a:ln w="38100" cmpd="sng">
-            <a:noFill/>
-          </a:ln>
-        </p:spPr>
-        <p:txBody>
-          <a:bodyPr wrap="square" rtlCol="0">
-            <a:spAutoFit/>
-          </a:bodyPr>
-          <a:lstStyle/>
-          <a:p>
-            <a:pPr marL="0" marR="0" lvl="0" indent="0" defTabSz="914400" eaLnBrk="1" fontAlgn="auto" latinLnBrk="0" hangingPunct="1">
-              <a:lnSpc>
-                <a:spcPct val="100000"/>
-              </a:lnSpc>
-              <a:spcBef>
-                <a:spcPts val="0"/>
-              </a:spcBef>
-              <a:spcAft>
-                <a:spcPts val="0"/>
-              </a:spcAft>
-              <a:buClrTx/>
-              <a:buSzTx/>
-              <a:buFontTx/>
-              <a:buNone/>
-              <a:tabLst/>
-              <a:defRPr/>
-            </a:pPr>
-            <a:r>
-              <a:rPr kumimoji="0" lang="en-US" sz="1400" b="0" i="0" u="none" strike="noStrike" kern="0" cap="none" spc="0" normalizeH="0" baseline="0" noProof="0" dirty="0" smtClean="0">
-                <a:ln>
-                  <a:noFill/>
-                </a:ln>
-                <a:solidFill>
-                  <a:sysClr val="window" lastClr="FFFFFF"/>
-                </a:solidFill>
-                <a:effectLst/>
-                <a:uLnTx/>
-                <a:uFillTx/>
-                <a:latin typeface="Consolas"/>
-                <a:cs typeface="Consolas"/>
-              </a:rPr>
-              <a:t>The creatures have </a:t>
-            </a:r>
-            <a:r>
-              <a:rPr kumimoji="0" lang="en-US" sz="1400" b="0" i="0" u="none" strike="noStrike" kern="0" cap="none" spc="0" normalizeH="0" baseline="0" noProof="0" dirty="0" smtClean="0">
-                <a:ln>
-                  <a:noFill/>
-                </a:ln>
-                <a:solidFill>
-                  <a:sysClr val="window" lastClr="FFFFFF"/>
-                </a:solidFill>
-                <a:effectLst/>
-                <a:uLnTx/>
-                <a:uFillTx/>
-                <a:latin typeface="Consolas"/>
-                <a:cs typeface="Consolas"/>
-              </a:rPr>
-              <a:t>2 eyes </a:t>
-            </a:r>
-            <a:r>
-              <a:rPr kumimoji="0" lang="en-US" sz="1400" b="0" i="0" u="none" strike="noStrike" kern="0" cap="none" spc="0" normalizeH="0" baseline="0" noProof="0" dirty="0" smtClean="0">
-                <a:ln>
-                  <a:noFill/>
-                </a:ln>
-                <a:solidFill>
-                  <a:sysClr val="window" lastClr="FFFFFF"/>
-                </a:solidFill>
-                <a:effectLst/>
-                <a:uLnTx/>
-                <a:uFillTx/>
-                <a:latin typeface="Consolas"/>
-                <a:cs typeface="Consolas"/>
-              </a:rPr>
-              <a:t>which </a:t>
-            </a:r>
-            <a:r>
-              <a:rPr kumimoji="0" lang="en-US" sz="1400" b="0" i="0" u="none" strike="noStrike" kern="0" cap="none" spc="0" normalizeH="0" baseline="0" noProof="0" dirty="0" smtClean="0">
-                <a:ln>
-                  <a:noFill/>
-                </a:ln>
-                <a:solidFill>
-                  <a:sysClr val="window" lastClr="FFFFFF"/>
-                </a:solidFill>
-                <a:effectLst/>
-                <a:uLnTx/>
-                <a:uFillTx/>
-                <a:latin typeface="Consolas"/>
-                <a:cs typeface="Consolas"/>
-              </a:rPr>
-              <a:t>detect the</a:t>
-            </a:r>
-            <a:r>
-              <a:rPr kumimoji="0" lang="en-US" sz="1400" b="0" i="0" u="none" strike="noStrike" kern="0" cap="none" spc="0" normalizeH="0" noProof="0" dirty="0" smtClean="0">
-                <a:ln>
-                  <a:noFill/>
-                </a:ln>
-                <a:solidFill>
-                  <a:sysClr val="window" lastClr="FFFFFF"/>
-                </a:solidFill>
-                <a:effectLst/>
-                <a:uLnTx/>
-                <a:uFillTx/>
-                <a:latin typeface="Consolas"/>
-                <a:cs typeface="Consolas"/>
-              </a:rPr>
-              <a:t> player as well as bullets</a:t>
-            </a:r>
-            <a:endParaRPr kumimoji="0" lang="en-US" sz="1400" b="0" i="0" u="none" strike="noStrike" kern="0" cap="none" spc="0" normalizeH="0" baseline="0" noProof="0" dirty="0">
-              <a:ln>
-                <a:noFill/>
-              </a:ln>
-              <a:solidFill>
-                <a:sysClr val="window" lastClr="FFFFFF"/>
-              </a:solidFill>
-              <a:effectLst/>
-              <a:uLnTx/>
-              <a:uFillTx/>
-              <a:latin typeface="Consolas"/>
-              <a:cs typeface="Consolas"/>
-            </a:endParaRPr>
-          </a:p>
-        </p:txBody>
-      </p:sp>
-      <p:sp>
-        <p:nvSpPr>
-          <p:cNvPr id="17" name="TextBox 16"/>
-          <p:cNvSpPr txBox="1"/>
-          <p:nvPr/>
-        </p:nvSpPr>
-        <p:spPr>
-          <a:xfrm>
-            <a:off x="3207942" y="4084288"/>
-            <a:ext cx="5874033" cy="523220"/>
-          </a:xfrm>
-          <a:prstGeom prst="rect">
-            <a:avLst/>
-          </a:prstGeom>
-          <a:noFill/>
-          <a:ln w="38100" cmpd="sng">
-            <a:noFill/>
-          </a:ln>
-        </p:spPr>
-        <p:txBody>
-          <a:bodyPr wrap="square" rtlCol="0">
-            <a:spAutoFit/>
-          </a:bodyPr>
-          <a:lstStyle/>
-          <a:p>
-            <a:pPr marL="0" marR="0" lvl="0" indent="0" defTabSz="914400" eaLnBrk="1" fontAlgn="auto" latinLnBrk="0" hangingPunct="1">
-              <a:lnSpc>
-                <a:spcPct val="100000"/>
-              </a:lnSpc>
-              <a:spcBef>
-                <a:spcPts val="0"/>
-              </a:spcBef>
-              <a:spcAft>
-                <a:spcPts val="0"/>
-              </a:spcAft>
-              <a:buClrTx/>
-              <a:buSzTx/>
-              <a:buFontTx/>
-              <a:buNone/>
-              <a:tabLst/>
-              <a:defRPr/>
-            </a:pPr>
-            <a:r>
-              <a:rPr kumimoji="0" lang="en-US" sz="1400" b="0" i="0" u="none" strike="noStrike" kern="0" cap="none" spc="0" normalizeH="0" baseline="0" noProof="0" dirty="0" smtClean="0">
-                <a:ln>
-                  <a:noFill/>
-                </a:ln>
-                <a:solidFill>
-                  <a:sysClr val="window" lastClr="FFFFFF"/>
-                </a:solidFill>
-                <a:effectLst/>
-                <a:uLnTx/>
-                <a:uFillTx/>
-                <a:latin typeface="Consolas"/>
-                <a:cs typeface="Consolas"/>
-              </a:rPr>
-              <a:t>Move using arrow keys and shoot creatures using the spacebar but be careful as shooting decreases your health</a:t>
-            </a:r>
-            <a:endParaRPr kumimoji="0" lang="en-US" sz="1400" b="0" i="0" u="none" strike="noStrike" kern="0" cap="none" spc="0" normalizeH="0" baseline="0" noProof="0" dirty="0">
-              <a:ln>
-                <a:noFill/>
-              </a:ln>
-              <a:solidFill>
-                <a:sysClr val="window" lastClr="FFFFFF"/>
-              </a:solidFill>
-              <a:effectLst/>
-              <a:uLnTx/>
-              <a:uFillTx/>
               <a:latin typeface="Consolas"/>
               <a:cs typeface="Consolas"/>
             </a:endParaRPr>
@@ -4127,7 +3975,7 @@
           </p:cNvPicPr>
           <p:nvPr/>
         </p:nvPicPr>
-        <p:blipFill>
+        <p:blipFill rotWithShape="1">
           <a:blip r:embed="rId3">
             <a:extLst>
               <a:ext uri="{28A0092B-C50C-407E-A947-70E740481C1C}">
@@ -4135,20 +3983,77 @@
               </a:ext>
             </a:extLst>
           </a:blip>
-          <a:stretch>
-            <a:fillRect/>
-          </a:stretch>
+          <a:srcRect t="13225" r="10193" b="10507"/>
+          <a:stretch/>
         </p:blipFill>
         <p:spPr>
           <a:xfrm>
-            <a:off x="7424737" y="1580226"/>
-            <a:ext cx="791550" cy="828365"/>
+            <a:off x="2820127" y="1288028"/>
+            <a:ext cx="454325" cy="404345"/>
           </a:xfrm>
           <a:prstGeom prst="rect">
             <a:avLst/>
           </a:prstGeom>
         </p:spPr>
       </p:pic>
+      <p:sp>
+        <p:nvSpPr>
+          <p:cNvPr id="8" name="TextBox 7"/>
+          <p:cNvSpPr txBox="1"/>
+          <p:nvPr/>
+        </p:nvSpPr>
+        <p:spPr>
+          <a:xfrm>
+            <a:off x="1491988" y="2468556"/>
+            <a:ext cx="3152786" cy="336036"/>
+          </a:xfrm>
+          <a:prstGeom prst="rect">
+            <a:avLst/>
+          </a:prstGeom>
+          <a:noFill/>
+          <a:ln w="38100" cmpd="sng">
+            <a:noFill/>
+          </a:ln>
+        </p:spPr>
+        <p:txBody>
+          <a:bodyPr wrap="square" lIns="58467" tIns="29233" rIns="58467" bIns="29233" rtlCol="0">
+            <a:spAutoFit/>
+          </a:bodyPr>
+          <a:lstStyle/>
+          <a:p>
+            <a:pPr algn="ctr" defTabSz="584667">
+              <a:defRPr/>
+            </a:pPr>
+            <a:r>
+              <a:rPr lang="en-US" sz="900" kern="0" dirty="0" smtClean="0">
+                <a:solidFill>
+                  <a:sysClr val="window" lastClr="FFFFFF"/>
+                </a:solidFill>
+                <a:latin typeface="Consolas"/>
+                <a:cs typeface="Consolas"/>
+              </a:rPr>
+              <a:t>You must use your tank to survive each generation of Dr. Darwin’s </a:t>
+            </a:r>
+            <a:r>
+              <a:rPr lang="en-US" sz="900" kern="0" dirty="0" smtClean="0">
+                <a:solidFill>
+                  <a:sysClr val="window" lastClr="FFFFFF"/>
+                </a:solidFill>
+                <a:latin typeface="Consolas"/>
+                <a:cs typeface="Consolas"/>
+              </a:rPr>
+              <a:t>creatures.</a:t>
+            </a:r>
+            <a:endParaRPr lang="en-US" sz="900" kern="0" dirty="0">
+              <a:solidFill>
+                <a:sysClr val="window" lastClr="FFFFFF"/>
+              </a:solidFill>
+              <a:latin typeface="Consolas"/>
+              <a:cs typeface="Consolas"/>
+            </a:endParaRPr>
+          </a:p>
+        </p:txBody>
+      </p:sp>
     </p:spTree>
     <p:extLst>
       <p:ext uri="{BB962C8B-B14F-4D97-AF65-F5344CB8AC3E}">
@@ -4187,8 +4092,8 @@
         </p:nvSpPr>
         <p:spPr>
           <a:xfrm>
-            <a:off x="-1" y="0"/>
-            <a:ext cx="9528175" cy="5715000"/>
+            <a:off x="0" y="0"/>
+            <a:ext cx="6089650" cy="3657600"/>
           </a:xfrm>
           <a:prstGeom prst="rect">
             <a:avLst/>
@@ -4216,7 +4121,7 @@
           </a:fontRef>
         </p:style>
         <p:txBody>
-          <a:bodyPr rtlCol="0" anchor="ctr"/>
+          <a:bodyPr lIns="58467" tIns="29233" rIns="58467" bIns="29233" rtlCol="0" anchor="ctr"/>
           <a:lstStyle/>
           <a:p>
             <a:pPr algn="ctr"/>
@@ -4232,8 +4137,8 @@
         </p:nvSpPr>
         <p:spPr>
           <a:xfrm>
-            <a:off x="647486" y="1184451"/>
-            <a:ext cx="5874033" cy="523220"/>
+            <a:off x="376286" y="781571"/>
+            <a:ext cx="2516409" cy="212925"/>
           </a:xfrm>
           <a:prstGeom prst="rect">
             <a:avLst/>
@@ -4244,86 +4149,28 @@
           </a:ln>
         </p:spPr>
         <p:txBody>
-          <a:bodyPr wrap="square" rtlCol="0">
+          <a:bodyPr wrap="square" lIns="58467" tIns="29233" rIns="58467" bIns="29233" rtlCol="0">
             <a:spAutoFit/>
           </a:bodyPr>
           <a:lstStyle/>
           <a:p>
-            <a:pPr marL="0" marR="0" lvl="0" indent="0" defTabSz="914400" eaLnBrk="1" fontAlgn="auto" latinLnBrk="0" hangingPunct="1">
-              <a:lnSpc>
-                <a:spcPct val="100000"/>
-              </a:lnSpc>
-              <a:spcBef>
-                <a:spcPts val="0"/>
-              </a:spcBef>
-              <a:spcAft>
-                <a:spcPts val="0"/>
-              </a:spcAft>
-              <a:buClrTx/>
-              <a:buSzTx/>
-              <a:buFontTx/>
-              <a:buNone/>
-              <a:tabLst/>
+            <a:pPr defTabSz="584667">
               <a:defRPr/>
             </a:pPr>
             <a:r>
-              <a:rPr kumimoji="0" lang="en-US" sz="1400" b="0" i="0" u="none" strike="noStrike" kern="0" cap="none" spc="0" normalizeH="0" baseline="0" noProof="0" dirty="0" smtClean="0">
-                <a:ln>
-                  <a:noFill/>
-                </a:ln>
+              <a:rPr lang="en-US" sz="1000" kern="0" dirty="0" smtClean="0">
                 <a:solidFill>
                   <a:sysClr val="window" lastClr="FFFFFF"/>
                 </a:solidFill>
-                <a:effectLst/>
-                <a:uLnTx/>
-                <a:uFillTx/>
                 <a:latin typeface="Consolas"/>
                 <a:cs typeface="Consolas"/>
               </a:rPr>
-              <a:t>Evil </a:t>
-            </a:r>
-            <a:r>
-              <a:rPr kumimoji="0" lang="en-US" sz="1400" b="0" i="0" u="none" strike="noStrike" kern="0" cap="none" spc="0" normalizeH="0" baseline="0" noProof="0" dirty="0" smtClean="0">
-                <a:ln>
-                  <a:noFill/>
-                </a:ln>
-                <a:solidFill>
-                  <a:sysClr val="window" lastClr="FFFFFF"/>
-                </a:solidFill>
-                <a:effectLst/>
-                <a:uLnTx/>
-                <a:uFillTx/>
-                <a:latin typeface="Consolas"/>
-                <a:cs typeface="Consolas"/>
-              </a:rPr>
-              <a:t>Dr. </a:t>
-            </a:r>
-            <a:r>
-              <a:rPr kumimoji="0" lang="en-US" sz="1400" b="0" i="0" u="none" strike="noStrike" kern="0" cap="none" spc="0" normalizeH="0" baseline="0" noProof="0" dirty="0" smtClean="0">
-                <a:ln>
-                  <a:noFill/>
-                </a:ln>
-                <a:solidFill>
-                  <a:sysClr val="window" lastClr="FFFFFF"/>
-                </a:solidFill>
-                <a:effectLst/>
-                <a:uLnTx/>
-                <a:uFillTx/>
-                <a:latin typeface="Consolas"/>
-                <a:cs typeface="Consolas"/>
-              </a:rPr>
-              <a:t>Darwin is planning to create the ultimate killing creature using evolution</a:t>
-            </a:r>
-            <a:endParaRPr kumimoji="0" lang="en-US" sz="1400" b="0" i="0" u="none" strike="noStrike" kern="0" cap="none" spc="0" normalizeH="0" baseline="0" noProof="0" dirty="0">
-              <a:ln>
-                <a:noFill/>
-              </a:ln>
+              <a:t>Use arrow keys to move the tank.</a:t>
+            </a:r>
+            <a:endParaRPr lang="en-US" sz="1000" kern="0" dirty="0">
               <a:solidFill>
                 <a:sysClr val="window" lastClr="FFFFFF"/>
               </a:solidFill>
-              <a:effectLst/>
-              <a:uLnTx/>
-              <a:uFillTx/>
               <a:latin typeface="Consolas"/>
               <a:cs typeface="Consolas"/>
             </a:endParaRPr>
@@ -4338,8 +4185,8 @@
         </p:nvSpPr>
         <p:spPr>
           <a:xfrm>
-            <a:off x="647486" y="2149027"/>
-            <a:ext cx="5874033" cy="523220"/>
+            <a:off x="0" y="2146288"/>
+            <a:ext cx="6089650" cy="197536"/>
           </a:xfrm>
           <a:prstGeom prst="rect">
             <a:avLst/>
@@ -4350,250 +4197,45 @@
           </a:ln>
         </p:spPr>
         <p:txBody>
-          <a:bodyPr wrap="square" rtlCol="0">
+          <a:bodyPr wrap="square" lIns="58467" tIns="29233" rIns="58467" bIns="29233" rtlCol="0">
             <a:spAutoFit/>
           </a:bodyPr>
           <a:lstStyle/>
           <a:p>
-            <a:pPr marL="0" marR="0" lvl="0" indent="0" defTabSz="914400" eaLnBrk="1" fontAlgn="auto" latinLnBrk="0" hangingPunct="1">
-              <a:lnSpc>
-                <a:spcPct val="100000"/>
-              </a:lnSpc>
-              <a:spcBef>
-                <a:spcPts val="0"/>
-              </a:spcBef>
-              <a:spcAft>
-                <a:spcPts val="0"/>
-              </a:spcAft>
-              <a:buClrTx/>
-              <a:buSzTx/>
-              <a:buFontTx/>
-              <a:buNone/>
-              <a:tabLst/>
+            <a:pPr algn="ctr" defTabSz="584667">
               <a:defRPr/>
             </a:pPr>
             <a:r>
-              <a:rPr kumimoji="0" lang="en-US" sz="1400" b="0" i="0" u="none" strike="noStrike" kern="0" cap="none" spc="0" normalizeH="0" baseline="0" noProof="0" dirty="0" smtClean="0">
-                <a:ln>
-                  <a:noFill/>
-                </a:ln>
+              <a:rPr lang="en-US" sz="900" kern="0" dirty="0" smtClean="0">
                 <a:solidFill>
                   <a:sysClr val="window" lastClr="FFFFFF"/>
                 </a:solidFill>
-                <a:effectLst/>
-                <a:uLnTx/>
-                <a:uFillTx/>
                 <a:latin typeface="Consolas"/>
                 <a:cs typeface="Consolas"/>
               </a:rPr>
-              <a:t>This health bar shows you how much health the creature has left</a:t>
-            </a:r>
-            <a:endParaRPr kumimoji="0" lang="en-US" sz="1400" b="0" i="0" u="none" strike="noStrike" kern="0" cap="none" spc="0" normalizeH="0" baseline="0" noProof="0" dirty="0">
-              <a:ln>
-                <a:noFill/>
-              </a:ln>
+              <a:t>Try it out!</a:t>
+            </a:r>
+            <a:endParaRPr lang="en-US" sz="900" kern="0" dirty="0">
               <a:solidFill>
                 <a:sysClr val="window" lastClr="FFFFFF"/>
               </a:solidFill>
-              <a:effectLst/>
-              <a:uLnTx/>
-              <a:uFillTx/>
               <a:latin typeface="Consolas"/>
               <a:cs typeface="Consolas"/>
             </a:endParaRPr>
           </a:p>
         </p:txBody>
       </p:sp>
-      <p:sp>
-        <p:nvSpPr>
-          <p:cNvPr id="15" name="TextBox 14"/>
-          <p:cNvSpPr txBox="1"/>
-          <p:nvPr/>
-        </p:nvSpPr>
-        <p:spPr>
-          <a:xfrm>
-            <a:off x="647486" y="2776220"/>
-            <a:ext cx="5874033" cy="523220"/>
-          </a:xfrm>
-          <a:prstGeom prst="rect">
-            <a:avLst/>
-          </a:prstGeom>
-          <a:noFill/>
-          <a:ln w="38100" cmpd="sng">
-            <a:noFill/>
-          </a:ln>
-        </p:spPr>
-        <p:txBody>
-          <a:bodyPr wrap="square" rtlCol="0">
-            <a:spAutoFit/>
-          </a:bodyPr>
-          <a:lstStyle/>
-          <a:p>
-            <a:pPr marL="0" marR="0" lvl="0" indent="0" defTabSz="914400" eaLnBrk="1" fontAlgn="auto" latinLnBrk="0" hangingPunct="1">
-              <a:lnSpc>
-                <a:spcPct val="100000"/>
-              </a:lnSpc>
-              <a:spcBef>
-                <a:spcPts val="0"/>
-              </a:spcBef>
-              <a:spcAft>
-                <a:spcPts val="0"/>
-              </a:spcAft>
-              <a:buClrTx/>
-              <a:buSzTx/>
-              <a:buFontTx/>
-              <a:buNone/>
-              <a:tabLst/>
-              <a:defRPr/>
-            </a:pPr>
-            <a:r>
-              <a:rPr kumimoji="0" lang="en-US" sz="1400" b="0" i="0" u="none" strike="noStrike" kern="0" cap="none" spc="0" normalizeH="0" baseline="0" noProof="0" dirty="0" smtClean="0">
-                <a:ln>
-                  <a:noFill/>
-                </a:ln>
-                <a:solidFill>
-                  <a:sysClr val="window" lastClr="FFFFFF"/>
-                </a:solidFill>
-                <a:effectLst/>
-                <a:uLnTx/>
-                <a:uFillTx/>
-                <a:latin typeface="Consolas"/>
-                <a:cs typeface="Consolas"/>
-              </a:rPr>
-              <a:t>The creatures have eyes which turn green when they detect you in their periphery</a:t>
-            </a:r>
-            <a:endParaRPr kumimoji="0" lang="en-US" sz="1400" b="0" i="0" u="none" strike="noStrike" kern="0" cap="none" spc="0" normalizeH="0" baseline="0" noProof="0" dirty="0">
-              <a:ln>
-                <a:noFill/>
-              </a:ln>
-              <a:solidFill>
-                <a:sysClr val="window" lastClr="FFFFFF"/>
-              </a:solidFill>
-              <a:effectLst/>
-              <a:uLnTx/>
-              <a:uFillTx/>
-              <a:latin typeface="Consolas"/>
-              <a:cs typeface="Consolas"/>
-            </a:endParaRPr>
-          </a:p>
-        </p:txBody>
-      </p:sp>
-      <p:sp>
-        <p:nvSpPr>
-          <p:cNvPr id="17" name="TextBox 16"/>
-          <p:cNvSpPr txBox="1"/>
-          <p:nvPr/>
-        </p:nvSpPr>
-        <p:spPr>
-          <a:xfrm>
-            <a:off x="3207942" y="4084288"/>
-            <a:ext cx="5874033" cy="553998"/>
-          </a:xfrm>
-          <a:prstGeom prst="rect">
-            <a:avLst/>
-          </a:prstGeom>
-          <a:noFill/>
-          <a:ln w="38100" cmpd="sng">
-            <a:noFill/>
-          </a:ln>
-        </p:spPr>
-        <p:txBody>
-          <a:bodyPr wrap="square" rtlCol="0">
-            <a:spAutoFit/>
-          </a:bodyPr>
-          <a:lstStyle/>
-          <a:p>
-            <a:pPr marL="0" marR="0" lvl="0" indent="0" defTabSz="914400" eaLnBrk="1" fontAlgn="auto" latinLnBrk="0" hangingPunct="1">
-              <a:lnSpc>
-                <a:spcPct val="100000"/>
-              </a:lnSpc>
-              <a:spcBef>
-                <a:spcPts val="0"/>
-              </a:spcBef>
-              <a:spcAft>
-                <a:spcPts val="0"/>
-              </a:spcAft>
-              <a:buClrTx/>
-              <a:buSzTx/>
-              <a:buFontTx/>
-              <a:buNone/>
-              <a:tabLst/>
-              <a:defRPr/>
-            </a:pPr>
-            <a:r>
-              <a:rPr kumimoji="0" lang="en-US" sz="1400" b="0" i="0" u="none" strike="noStrike" kern="0" cap="none" spc="0" normalizeH="0" baseline="0" noProof="0" dirty="0" smtClean="0">
-                <a:ln>
-                  <a:noFill/>
-                </a:ln>
-                <a:solidFill>
-                  <a:sysClr val="window" lastClr="FFFFFF"/>
-                </a:solidFill>
-                <a:effectLst/>
-                <a:uLnTx/>
-                <a:uFillTx/>
-                <a:latin typeface="Consolas"/>
-                <a:cs typeface="Consolas"/>
-              </a:rPr>
-              <a:t>Move using arrow keys and shoot creatures using the spacebar</a:t>
-            </a:r>
-            <a:r>
-              <a:rPr kumimoji="0" lang="en-US" sz="1600" b="0" i="0" u="none" strike="noStrike" kern="0" cap="none" spc="0" normalizeH="0" baseline="0" noProof="0" dirty="0" smtClean="0">
-                <a:ln>
-                  <a:noFill/>
-                </a:ln>
-                <a:solidFill>
-                  <a:sysClr val="window" lastClr="FFFFFF"/>
-                </a:solidFill>
-                <a:effectLst/>
-                <a:uLnTx/>
-                <a:uFillTx/>
-                <a:latin typeface="Consolas"/>
-                <a:cs typeface="Consolas"/>
-              </a:rPr>
-              <a:t> </a:t>
-            </a:r>
-            <a:r>
-              <a:rPr kumimoji="0" lang="en-US" sz="1400" b="0" i="0" u="none" strike="noStrike" kern="0" cap="none" spc="0" normalizeH="0" baseline="0" noProof="0" dirty="0" smtClean="0">
-                <a:ln>
-                  <a:noFill/>
-                </a:ln>
-                <a:solidFill>
-                  <a:sysClr val="window" lastClr="FFFFFF"/>
-                </a:solidFill>
-                <a:effectLst/>
-                <a:uLnTx/>
-                <a:uFillTx/>
-                <a:latin typeface="Consolas"/>
-                <a:cs typeface="Consolas"/>
-              </a:rPr>
-              <a:t>but be careful as shooting decreases your health</a:t>
-            </a:r>
-            <a:endParaRPr kumimoji="0" lang="en-US" sz="1400" b="0" i="0" u="none" strike="noStrike" kern="0" cap="none" spc="0" normalizeH="0" baseline="0" noProof="0" dirty="0">
-              <a:ln>
-                <a:noFill/>
-              </a:ln>
-              <a:solidFill>
-                <a:sysClr val="window" lastClr="FFFFFF"/>
-              </a:solidFill>
-              <a:effectLst/>
-              <a:uLnTx/>
-              <a:uFillTx/>
-              <a:latin typeface="Consolas"/>
-              <a:cs typeface="Consolas"/>
-            </a:endParaRPr>
-          </a:p>
-        </p:txBody>
-      </p:sp>
       <p:pic>
         <p:nvPicPr>
-          <p:cNvPr id="4" name="Picture 3" descr="Screen Shot 2018-07-26 at 4.59.08 PM.png"/>
+          <p:cNvPr id="2" name="Picture 1" descr="264898-200.png"/>
           <p:cNvPicPr>
             <a:picLocks noChangeAspect="1"/>
           </p:cNvPicPr>
           <p:nvPr/>
         </p:nvPicPr>
         <p:blipFill>
-          <a:blip r:embed="rId2">
+          <a:blip r:embed="rId3">
+            <a:lum bright="70000" contrast="-70000"/>
             <a:extLst>
               <a:ext uri="{28A0092B-C50C-407E-A947-70E740481C1C}">
                 <a14:useLocalDpi xmlns:a14="http://schemas.microsoft.com/office/drawing/2010/main" val="0"/>
@@ -4606,18 +4248,123 @@
         </p:blipFill>
         <p:spPr>
           <a:xfrm>
-            <a:off x="6636841" y="1347020"/>
-            <a:ext cx="1175556" cy="844413"/>
+            <a:off x="992402" y="929470"/>
+            <a:ext cx="985057" cy="985057"/>
           </a:xfrm>
           <a:prstGeom prst="rect">
             <a:avLst/>
           </a:prstGeom>
         </p:spPr>
       </p:pic>
+      <p:sp>
+        <p:nvSpPr>
+          <p:cNvPr id="9" name="TextBox 8"/>
+          <p:cNvSpPr txBox="1"/>
+          <p:nvPr/>
+        </p:nvSpPr>
+        <p:spPr>
+          <a:xfrm>
+            <a:off x="3868685" y="781571"/>
+            <a:ext cx="2163642" cy="212925"/>
+          </a:xfrm>
+          <a:prstGeom prst="rect">
+            <a:avLst/>
+          </a:prstGeom>
+          <a:noFill/>
+          <a:ln w="38100" cmpd="sng">
+            <a:noFill/>
+          </a:ln>
+        </p:spPr>
+        <p:txBody>
+          <a:bodyPr wrap="square" lIns="58467" tIns="29233" rIns="58467" bIns="29233" rtlCol="0">
+            <a:spAutoFit/>
+          </a:bodyPr>
+          <a:lstStyle/>
+          <a:p>
+            <a:pPr defTabSz="584667">
+              <a:defRPr/>
+            </a:pPr>
+            <a:r>
+              <a:rPr lang="en-US" sz="1000" kern="0" dirty="0" smtClean="0">
+                <a:solidFill>
+                  <a:sysClr val="window" lastClr="FFFFFF"/>
+                </a:solidFill>
+                <a:latin typeface="Consolas"/>
+                <a:cs typeface="Consolas"/>
+              </a:rPr>
+              <a:t>Use spacebar to shoot.</a:t>
+            </a:r>
+            <a:endParaRPr lang="en-US" sz="1000" kern="0" dirty="0">
+              <a:solidFill>
+                <a:sysClr val="window" lastClr="FFFFFF"/>
+              </a:solidFill>
+              <a:latin typeface="Consolas"/>
+              <a:cs typeface="Consolas"/>
+            </a:endParaRPr>
+          </a:p>
+        </p:txBody>
+      </p:sp>
+      <p:sp>
+        <p:nvSpPr>
+          <p:cNvPr id="6" name="Rounded Rectangle 5"/>
+          <p:cNvSpPr/>
+          <p:nvPr/>
+        </p:nvSpPr>
+        <p:spPr>
+          <a:xfrm>
+            <a:off x="3845167" y="1191591"/>
+            <a:ext cx="1693285" cy="446910"/>
+          </a:xfrm>
+          <a:prstGeom prst="roundRect">
+            <a:avLst>
+              <a:gd name="adj" fmla="val 4556"/>
+            </a:avLst>
+          </a:prstGeom>
+          <a:noFill/>
+          <a:ln w="28575" cmpd="sng">
+            <a:solidFill>
+              <a:schemeClr val="bg1"/>
+            </a:solidFill>
+          </a:ln>
+          <a:effectLst/>
+        </p:spPr>
+        <p:style>
+          <a:lnRef idx="1">
+            <a:schemeClr val="accent1"/>
+          </a:lnRef>
+          <a:fillRef idx="3">
+            <a:schemeClr val="accent1"/>
+          </a:fillRef>
+          <a:effectRef idx="2">
+            <a:schemeClr val="accent1"/>
+          </a:effectRef>
+          <a:fontRef idx="minor">
+            <a:schemeClr val="lt1"/>
+          </a:fontRef>
+        </p:style>
+        <p:txBody>
+          <a:bodyPr rtlCol="0" anchor="ctr"/>
+          <a:lstStyle/>
+          <a:p>
+            <a:pPr algn="ctr"/>
+            <a:r>
+              <a:rPr lang="en-US" sz="1600" dirty="0" smtClean="0">
+                <a:latin typeface="Consolas"/>
+                <a:cs typeface="Consolas"/>
+              </a:rPr>
+              <a:t>SPACE</a:t>
+            </a:r>
+            <a:endParaRPr lang="en-US" sz="1800" dirty="0">
+              <a:latin typeface="Consolas"/>
+              <a:cs typeface="Consolas"/>
+            </a:endParaRPr>
+          </a:p>
+        </p:txBody>
+      </p:sp>
     </p:spTree>
     <p:extLst>
       <p:ext uri="{BB962C8B-B14F-4D97-AF65-F5344CB8AC3E}">
-        <p14:creationId xmlns:p14="http://schemas.microsoft.com/office/powerpoint/2010/main" val="2614285645"/>
+        <p14:creationId xmlns:p14="http://schemas.microsoft.com/office/powerpoint/2010/main" val="1958099748"/>
       </p:ext>
     </p:extLst>
   </p:cSld>
@@ -4646,73 +4393,21 @@
       </p:grpSpPr>
       <p:sp>
         <p:nvSpPr>
-          <p:cNvPr id="5" name="TextBox 4"/>
-          <p:cNvSpPr txBox="1"/>
+          <p:cNvPr id="3" name="Rectangle 2"/>
+          <p:cNvSpPr/>
           <p:nvPr/>
         </p:nvSpPr>
         <p:spPr>
           <a:xfrm>
-            <a:off x="2978708" y="1055900"/>
-            <a:ext cx="5874033" cy="584776"/>
+            <a:off x="0" y="0"/>
+            <a:ext cx="6089650" cy="3657600"/>
           </a:xfrm>
           <a:prstGeom prst="rect">
             <a:avLst/>
           </a:prstGeom>
-          <a:noFill/>
-          <a:ln w="38100" cmpd="sng">
-            <a:noFill/>
-          </a:ln>
-        </p:spPr>
-        <p:txBody>
-          <a:bodyPr wrap="square" rtlCol="0">
-            <a:spAutoFit/>
-          </a:bodyPr>
-          <a:lstStyle/>
-          <a:p>
-            <a:r>
-              <a:rPr lang="en-US" sz="1600" dirty="0" smtClean="0">
-                <a:latin typeface="Consolas"/>
-                <a:cs typeface="Consolas"/>
-              </a:rPr>
-              <a:t>Kill creatures by shooting them or leading them into walls</a:t>
-            </a:r>
-            <a:endParaRPr lang="en-US" sz="1600" dirty="0">
-              <a:latin typeface="Consolas"/>
-              <a:cs typeface="Consolas"/>
-            </a:endParaRPr>
-          </a:p>
-        </p:txBody>
-      </p:sp>
-      <p:sp>
-        <p:nvSpPr>
-          <p:cNvPr id="7" name="Rectangle 6"/>
-          <p:cNvSpPr/>
-          <p:nvPr/>
-        </p:nvSpPr>
-        <p:spPr>
-          <a:xfrm>
-            <a:off x="9096173" y="1"/>
-            <a:ext cx="432002" cy="5715000"/>
-          </a:xfrm>
-          <a:prstGeom prst="rect">
-            <a:avLst/>
-          </a:prstGeom>
-          <a:gradFill flip="none" rotWithShape="1">
-            <a:gsLst>
-              <a:gs pos="100000">
-                <a:schemeClr val="accent2">
-                  <a:lumMod val="75000"/>
-                </a:schemeClr>
-              </a:gs>
-              <a:gs pos="0">
-                <a:srgbClr val="FFFFFF">
-                  <a:alpha val="0"/>
-                </a:srgbClr>
-              </a:gs>
-            </a:gsLst>
-            <a:lin ang="0" scaled="1"/>
-            <a:tileRect/>
-          </a:gradFill>
+          <a:solidFill>
+            <a:srgbClr val="000000"/>
+          </a:solidFill>
           <a:ln>
             <a:noFill/>
           </a:ln>
@@ -4733,18 +4428,730 @@
           </a:fontRef>
         </p:style>
         <p:txBody>
+          <a:bodyPr lIns="58467" tIns="29233" rIns="58467" bIns="29233" rtlCol="0" anchor="ctr"/>
+          <a:lstStyle/>
+          <a:p>
+            <a:pPr algn="ctr"/>
+            <a:endParaRPr lang="en-US" dirty="0"/>
+          </a:p>
+        </p:txBody>
+      </p:sp>
+      <p:sp>
+        <p:nvSpPr>
+          <p:cNvPr id="14" name="TextBox 13"/>
+          <p:cNvSpPr txBox="1"/>
+          <p:nvPr/>
+        </p:nvSpPr>
+        <p:spPr>
+          <a:xfrm>
+            <a:off x="674671" y="220504"/>
+            <a:ext cx="4707020" cy="197536"/>
+          </a:xfrm>
+          <a:prstGeom prst="rect">
+            <a:avLst/>
+          </a:prstGeom>
+          <a:noFill/>
+          <a:ln w="38100" cmpd="sng">
+            <a:noFill/>
+          </a:ln>
+        </p:spPr>
+        <p:txBody>
+          <a:bodyPr wrap="square" lIns="58467" tIns="29233" rIns="58467" bIns="29233" rtlCol="0">
+            <a:spAutoFit/>
+          </a:bodyPr>
+          <a:lstStyle/>
+          <a:p>
+            <a:pPr algn="ctr" defTabSz="584667">
+              <a:defRPr/>
+            </a:pPr>
+            <a:r>
+              <a:rPr lang="en-US" sz="900" kern="0" dirty="0" smtClean="0">
+                <a:solidFill>
+                  <a:sysClr val="window" lastClr="FFFFFF"/>
+                </a:solidFill>
+                <a:latin typeface="Consolas"/>
+                <a:cs typeface="Consolas"/>
+              </a:rPr>
+              <a:t>The creature’s health </a:t>
+            </a:r>
+            <a:r>
+              <a:rPr lang="en-US" sz="900" kern="0" dirty="0">
+                <a:solidFill>
+                  <a:sysClr val="window" lastClr="FFFFFF"/>
+                </a:solidFill>
+                <a:latin typeface="Consolas"/>
+                <a:cs typeface="Consolas"/>
+              </a:rPr>
+              <a:t>bar shows you how much health </a:t>
+            </a:r>
+            <a:r>
+              <a:rPr lang="en-US" sz="900" kern="0" dirty="0" smtClean="0">
+                <a:solidFill>
+                  <a:sysClr val="window" lastClr="FFFFFF"/>
+                </a:solidFill>
+                <a:latin typeface="Consolas"/>
+                <a:cs typeface="Consolas"/>
+              </a:rPr>
+              <a:t>it has left.</a:t>
+            </a:r>
+            <a:endParaRPr lang="en-US" sz="900" kern="0" dirty="0">
+              <a:solidFill>
+                <a:sysClr val="window" lastClr="FFFFFF"/>
+              </a:solidFill>
+              <a:latin typeface="Consolas"/>
+              <a:cs typeface="Consolas"/>
+            </a:endParaRPr>
+          </a:p>
+        </p:txBody>
+      </p:sp>
+      <p:sp>
+        <p:nvSpPr>
+          <p:cNvPr id="15" name="TextBox 14"/>
+          <p:cNvSpPr txBox="1"/>
+          <p:nvPr/>
+        </p:nvSpPr>
+        <p:spPr>
+          <a:xfrm>
+            <a:off x="186764" y="792902"/>
+            <a:ext cx="2396275" cy="336036"/>
+          </a:xfrm>
+          <a:prstGeom prst="rect">
+            <a:avLst/>
+          </a:prstGeom>
+          <a:noFill/>
+          <a:ln w="38100" cmpd="sng">
+            <a:noFill/>
+          </a:ln>
+        </p:spPr>
+        <p:txBody>
+          <a:bodyPr wrap="square" lIns="58467" tIns="29233" rIns="58467" bIns="29233" rtlCol="0">
+            <a:spAutoFit/>
+          </a:bodyPr>
+          <a:lstStyle/>
+          <a:p>
+            <a:pPr defTabSz="584667">
+              <a:defRPr/>
+            </a:pPr>
+            <a:r>
+              <a:rPr lang="en-US" sz="900" kern="0" dirty="0">
+                <a:solidFill>
+                  <a:sysClr val="window" lastClr="FFFFFF"/>
+                </a:solidFill>
+                <a:latin typeface="Consolas"/>
+                <a:cs typeface="Consolas"/>
+              </a:rPr>
+              <a:t>The </a:t>
+            </a:r>
+            <a:r>
+              <a:rPr lang="en-US" sz="900" kern="0" dirty="0" smtClean="0">
+                <a:solidFill>
+                  <a:sysClr val="window" lastClr="FFFFFF"/>
+                </a:solidFill>
+                <a:latin typeface="Consolas"/>
+                <a:cs typeface="Consolas"/>
+              </a:rPr>
+              <a:t>creature’s eyes turn </a:t>
+            </a:r>
+            <a:r>
+              <a:rPr lang="en-US" sz="900" kern="0" dirty="0">
+                <a:solidFill>
+                  <a:srgbClr val="FF548B"/>
+                </a:solidFill>
+                <a:latin typeface="Consolas"/>
+                <a:cs typeface="Consolas"/>
+              </a:rPr>
+              <a:t>pink </a:t>
+            </a:r>
+            <a:r>
+              <a:rPr lang="en-US" sz="900" kern="0" dirty="0" smtClean="0">
+                <a:solidFill>
+                  <a:sysClr val="window" lastClr="FFFFFF"/>
+                </a:solidFill>
+                <a:latin typeface="Consolas"/>
+                <a:cs typeface="Consolas"/>
+              </a:rPr>
+              <a:t>when they detect a bullet... </a:t>
+            </a:r>
+            <a:endParaRPr lang="en-US" sz="900" kern="0" dirty="0">
+              <a:solidFill>
+                <a:srgbClr val="FF3C78"/>
+              </a:solidFill>
+              <a:latin typeface="Consolas"/>
+              <a:cs typeface="Consolas"/>
+            </a:endParaRPr>
+          </a:p>
+        </p:txBody>
+      </p:sp>
+      <p:grpSp>
+        <p:nvGrpSpPr>
+          <p:cNvPr id="5" name="Group 4"/>
+          <p:cNvGrpSpPr/>
+          <p:nvPr/>
+        </p:nvGrpSpPr>
+        <p:grpSpPr>
+          <a:xfrm>
+            <a:off x="2655050" y="740253"/>
+            <a:ext cx="751322" cy="540424"/>
+            <a:chOff x="4241740" y="862093"/>
+            <a:chExt cx="751322" cy="540424"/>
+          </a:xfrm>
+        </p:grpSpPr>
+        <p:pic>
+          <p:nvPicPr>
+            <p:cNvPr id="4" name="Picture 3" descr="Screen Shot 2018-07-26 at 4.59.08 PM.png"/>
+            <p:cNvPicPr>
+              <a:picLocks noChangeAspect="1"/>
+            </p:cNvPicPr>
+            <p:nvPr/>
+          </p:nvPicPr>
+          <p:blipFill>
+            <a:blip r:embed="rId2">
+              <a:extLst>
+                <a:ext uri="{28A0092B-C50C-407E-A947-70E740481C1C}">
+                  <a14:useLocalDpi xmlns:a14="http://schemas.microsoft.com/office/drawing/2010/main" val="0"/>
+                </a:ext>
+              </a:extLst>
+            </a:blip>
+            <a:stretch>
+              <a:fillRect/>
+            </a:stretch>
+          </p:blipFill>
+          <p:spPr>
+            <a:xfrm>
+              <a:off x="4241740" y="862093"/>
+              <a:ext cx="751322" cy="540424"/>
+            </a:xfrm>
+            <a:prstGeom prst="rect">
+              <a:avLst/>
+            </a:prstGeom>
+          </p:spPr>
+        </p:pic>
+        <p:sp>
+          <p:nvSpPr>
+            <p:cNvPr id="2" name="Oval 1"/>
+            <p:cNvSpPr/>
+            <p:nvPr/>
+          </p:nvSpPr>
+          <p:spPr>
+            <a:xfrm>
+              <a:off x="4682791" y="1169815"/>
+              <a:ext cx="68746" cy="68746"/>
+            </a:xfrm>
+            <a:prstGeom prst="ellipse">
+              <a:avLst/>
+            </a:prstGeom>
+            <a:solidFill>
+              <a:srgbClr val="64E63C"/>
+            </a:solidFill>
+            <a:ln>
+              <a:noFill/>
+            </a:ln>
+            <a:effectLst/>
+          </p:spPr>
+          <p:style>
+            <a:lnRef idx="1">
+              <a:schemeClr val="accent1"/>
+            </a:lnRef>
+            <a:fillRef idx="3">
+              <a:schemeClr val="accent1"/>
+            </a:fillRef>
+            <a:effectRef idx="2">
+              <a:schemeClr val="accent1"/>
+            </a:effectRef>
+            <a:fontRef idx="minor">
+              <a:schemeClr val="lt1"/>
+            </a:fontRef>
+          </p:style>
+          <p:txBody>
+            <a:bodyPr rtlCol="0" anchor="ctr"/>
+            <a:lstStyle/>
+            <a:p>
+              <a:pPr algn="ctr"/>
+              <a:endParaRPr lang="en-US"/>
+            </a:p>
+          </p:txBody>
+        </p:sp>
+        <p:sp>
+          <p:nvSpPr>
+            <p:cNvPr id="9" name="Oval 8"/>
+            <p:cNvSpPr/>
+            <p:nvPr/>
+          </p:nvSpPr>
+          <p:spPr>
+            <a:xfrm>
+              <a:off x="4489332" y="1154187"/>
+              <a:ext cx="96764" cy="96764"/>
+            </a:xfrm>
+            <a:prstGeom prst="ellipse">
+              <a:avLst/>
+            </a:prstGeom>
+            <a:solidFill>
+              <a:srgbClr val="FF3C78"/>
+            </a:solidFill>
+            <a:ln>
+              <a:noFill/>
+            </a:ln>
+            <a:effectLst/>
+          </p:spPr>
+          <p:style>
+            <a:lnRef idx="1">
+              <a:schemeClr val="accent1"/>
+            </a:lnRef>
+            <a:fillRef idx="3">
+              <a:schemeClr val="accent1"/>
+            </a:fillRef>
+            <a:effectRef idx="2">
+              <a:schemeClr val="accent1"/>
+            </a:effectRef>
+            <a:fontRef idx="minor">
+              <a:schemeClr val="lt1"/>
+            </a:fontRef>
+          </p:style>
+          <p:txBody>
+            <a:bodyPr rtlCol="0" anchor="ctr"/>
+            <a:lstStyle/>
+            <a:p>
+              <a:pPr algn="ctr"/>
+              <a:endParaRPr lang="en-US"/>
+            </a:p>
+          </p:txBody>
+        </p:sp>
+      </p:grpSp>
+      <p:sp>
+        <p:nvSpPr>
+          <p:cNvPr id="10" name="Oval 9"/>
+          <p:cNvSpPr/>
+          <p:nvPr/>
+        </p:nvSpPr>
+        <p:spPr>
+          <a:xfrm>
+            <a:off x="1975917" y="1438775"/>
+            <a:ext cx="165340" cy="165340"/>
+          </a:xfrm>
+          <a:prstGeom prst="ellipse">
+            <a:avLst/>
+          </a:prstGeom>
+          <a:solidFill>
+            <a:srgbClr val="FF3321"/>
+          </a:solidFill>
+          <a:ln>
+            <a:noFill/>
+          </a:ln>
+          <a:effectLst/>
+        </p:spPr>
+        <p:style>
+          <a:lnRef idx="1">
+            <a:schemeClr val="accent1"/>
+          </a:lnRef>
+          <a:fillRef idx="3">
+            <a:schemeClr val="accent1"/>
+          </a:fillRef>
+          <a:effectRef idx="2">
+            <a:schemeClr val="accent1"/>
+          </a:effectRef>
+          <a:fontRef idx="minor">
+            <a:schemeClr val="lt1"/>
+          </a:fontRef>
+        </p:style>
+        <p:txBody>
           <a:bodyPr rtlCol="0" anchor="ctr"/>
           <a:lstStyle/>
           <a:p>
             <a:pPr algn="ctr"/>
             <a:endParaRPr lang="en-US"/>
+          </a:p>
+        </p:txBody>
+      </p:sp>
+      <p:cxnSp>
+        <p:nvCxnSpPr>
+          <p:cNvPr id="7" name="Straight Connector 6"/>
+          <p:cNvCxnSpPr/>
+          <p:nvPr/>
+        </p:nvCxnSpPr>
+        <p:spPr>
+          <a:xfrm flipH="1">
+            <a:off x="1701516" y="1538979"/>
+            <a:ext cx="227954" cy="252392"/>
+          </a:xfrm>
+          <a:prstGeom prst="line">
+            <a:avLst/>
+          </a:prstGeom>
+          <a:ln>
+            <a:solidFill>
+              <a:schemeClr val="bg1"/>
+            </a:solidFill>
+          </a:ln>
+          <a:effectLst/>
+        </p:spPr>
+        <p:style>
+          <a:lnRef idx="2">
+            <a:schemeClr val="accent1"/>
+          </a:lnRef>
+          <a:fillRef idx="0">
+            <a:schemeClr val="accent1"/>
+          </a:fillRef>
+          <a:effectRef idx="1">
+            <a:schemeClr val="accent1"/>
+          </a:effectRef>
+          <a:fontRef idx="minor">
+            <a:schemeClr val="tx1"/>
+          </a:fontRef>
+        </p:style>
+      </p:cxnSp>
+      <p:cxnSp>
+        <p:nvCxnSpPr>
+          <p:cNvPr id="22" name="Straight Connector 21"/>
+          <p:cNvCxnSpPr/>
+          <p:nvPr/>
+        </p:nvCxnSpPr>
+        <p:spPr>
+          <a:xfrm flipH="1">
+            <a:off x="1821352" y="1658811"/>
+            <a:ext cx="227954" cy="252392"/>
+          </a:xfrm>
+          <a:prstGeom prst="line">
+            <a:avLst/>
+          </a:prstGeom>
+          <a:ln>
+            <a:solidFill>
+              <a:schemeClr val="bg1"/>
+            </a:solidFill>
+          </a:ln>
+          <a:effectLst/>
+        </p:spPr>
+        <p:style>
+          <a:lnRef idx="2">
+            <a:schemeClr val="accent1"/>
+          </a:lnRef>
+          <a:fillRef idx="0">
+            <a:schemeClr val="accent1"/>
+          </a:fillRef>
+          <a:effectRef idx="1">
+            <a:schemeClr val="accent1"/>
+          </a:effectRef>
+          <a:fontRef idx="minor">
+            <a:schemeClr val="tx1"/>
+          </a:fontRef>
+        </p:style>
+      </p:cxnSp>
+      <p:cxnSp>
+        <p:nvCxnSpPr>
+          <p:cNvPr id="23" name="Straight Connector 22"/>
+          <p:cNvCxnSpPr/>
+          <p:nvPr/>
+        </p:nvCxnSpPr>
+        <p:spPr>
+          <a:xfrm flipH="1">
+            <a:off x="1672840" y="1604115"/>
+            <a:ext cx="306769" cy="339656"/>
+          </a:xfrm>
+          <a:prstGeom prst="line">
+            <a:avLst/>
+          </a:prstGeom>
+          <a:ln>
+            <a:solidFill>
+              <a:schemeClr val="bg1"/>
+            </a:solidFill>
+          </a:ln>
+          <a:effectLst/>
+        </p:spPr>
+        <p:style>
+          <a:lnRef idx="2">
+            <a:schemeClr val="accent1"/>
+          </a:lnRef>
+          <a:fillRef idx="0">
+            <a:schemeClr val="accent1"/>
+          </a:fillRef>
+          <a:effectRef idx="1">
+            <a:schemeClr val="accent1"/>
+          </a:effectRef>
+          <a:fontRef idx="minor">
+            <a:schemeClr val="tx1"/>
+          </a:fontRef>
+        </p:style>
+      </p:cxnSp>
+      <p:sp>
+        <p:nvSpPr>
+          <p:cNvPr id="25" name="Rectangle 24"/>
+          <p:cNvSpPr/>
+          <p:nvPr/>
+        </p:nvSpPr>
+        <p:spPr>
+          <a:xfrm>
+            <a:off x="3532943" y="776618"/>
+            <a:ext cx="2393880" cy="369332"/>
+          </a:xfrm>
+          <a:prstGeom prst="rect">
+            <a:avLst/>
+          </a:prstGeom>
+        </p:spPr>
+        <p:txBody>
+          <a:bodyPr wrap="square">
+            <a:spAutoFit/>
+          </a:bodyPr>
+          <a:lstStyle/>
+          <a:p>
+            <a:pPr defTabSz="584667">
+              <a:defRPr/>
+            </a:pPr>
+            <a:r>
+              <a:rPr lang="en-US" sz="900" kern="0" dirty="0" smtClean="0">
+                <a:solidFill>
+                  <a:sysClr val="window" lastClr="FFFFFF"/>
+                </a:solidFill>
+                <a:latin typeface="Consolas"/>
+                <a:cs typeface="Consolas"/>
+              </a:rPr>
+              <a:t>...and </a:t>
+            </a:r>
+            <a:r>
+              <a:rPr lang="en-US" sz="900" kern="0" dirty="0">
+                <a:solidFill>
+                  <a:sysClr val="window" lastClr="FFFFFF"/>
+                </a:solidFill>
+                <a:latin typeface="Consolas"/>
+                <a:cs typeface="Consolas"/>
+              </a:rPr>
+              <a:t>turn </a:t>
+            </a:r>
+            <a:r>
+              <a:rPr lang="en-US" sz="900" kern="0" dirty="0">
+                <a:solidFill>
+                  <a:srgbClr val="64E63C"/>
+                </a:solidFill>
+                <a:latin typeface="Consolas"/>
+                <a:cs typeface="Consolas"/>
+              </a:rPr>
+              <a:t>green</a:t>
+            </a:r>
+            <a:r>
+              <a:rPr lang="en-US" sz="900" kern="0" dirty="0">
+                <a:solidFill>
+                  <a:sysClr val="window" lastClr="FFFFFF"/>
+                </a:solidFill>
+                <a:latin typeface="Consolas"/>
+                <a:cs typeface="Consolas"/>
+              </a:rPr>
+              <a:t> </a:t>
+            </a:r>
+            <a:r>
+              <a:rPr lang="en-US" sz="900" kern="0" dirty="0" smtClean="0">
+                <a:solidFill>
+                  <a:schemeClr val="bg1"/>
+                </a:solidFill>
+                <a:latin typeface="Consolas"/>
+                <a:cs typeface="Consolas"/>
+              </a:rPr>
+              <a:t>when </a:t>
+            </a:r>
+            <a:r>
+              <a:rPr lang="en-US" sz="900" kern="0" dirty="0">
+                <a:solidFill>
+                  <a:schemeClr val="bg1"/>
+                </a:solidFill>
+                <a:latin typeface="Consolas"/>
+                <a:cs typeface="Consolas"/>
+              </a:rPr>
+              <a:t>they detect </a:t>
+            </a:r>
+            <a:r>
+              <a:rPr lang="en-US" sz="900" kern="0" dirty="0" smtClean="0">
+                <a:solidFill>
+                  <a:schemeClr val="bg1"/>
+                </a:solidFill>
+                <a:latin typeface="Consolas"/>
+                <a:cs typeface="Consolas"/>
+              </a:rPr>
+              <a:t>the tank.</a:t>
+            </a:r>
+            <a:endParaRPr lang="en-US" sz="900" kern="0" dirty="0">
+              <a:solidFill>
+                <a:srgbClr val="FF3C78"/>
+              </a:solidFill>
+              <a:latin typeface="Consolas"/>
+              <a:cs typeface="Consolas"/>
+            </a:endParaRPr>
+          </a:p>
+        </p:txBody>
+      </p:sp>
+      <p:pic>
+        <p:nvPicPr>
+          <p:cNvPr id="26" name="Picture 25" descr="player_1.png"/>
+          <p:cNvPicPr>
+            <a:picLocks noChangeAspect="1"/>
+          </p:cNvPicPr>
+          <p:nvPr/>
+        </p:nvPicPr>
+        <p:blipFill>
+          <a:blip r:embed="rId3">
+            <a:extLst>
+              <a:ext uri="{28A0092B-C50C-407E-A947-70E740481C1C}">
+                <a14:useLocalDpi xmlns:a14="http://schemas.microsoft.com/office/drawing/2010/main" val="0"/>
+              </a:ext>
+            </a:extLst>
+          </a:blip>
+          <a:stretch>
+            <a:fillRect/>
+          </a:stretch>
+        </p:blipFill>
+        <p:spPr>
+          <a:xfrm rot="19225458">
+            <a:off x="3880773" y="1492339"/>
+            <a:ext cx="368130" cy="350600"/>
+          </a:xfrm>
+          <a:prstGeom prst="rect">
+            <a:avLst/>
+          </a:prstGeom>
+        </p:spPr>
+      </p:pic>
+      <p:cxnSp>
+        <p:nvCxnSpPr>
+          <p:cNvPr id="28" name="Straight Arrow Connector 27"/>
+          <p:cNvCxnSpPr/>
+          <p:nvPr/>
+        </p:nvCxnSpPr>
+        <p:spPr>
+          <a:xfrm>
+            <a:off x="2245953" y="465084"/>
+            <a:ext cx="656689" cy="275169"/>
+          </a:xfrm>
+          <a:prstGeom prst="straightConnector1">
+            <a:avLst/>
+          </a:prstGeom>
+          <a:ln>
+            <a:solidFill>
+              <a:srgbClr val="FFFFFF"/>
+            </a:solidFill>
+            <a:tailEnd type="arrow"/>
+          </a:ln>
+          <a:effectLst/>
+        </p:spPr>
+        <p:style>
+          <a:lnRef idx="2">
+            <a:schemeClr val="accent1"/>
+          </a:lnRef>
+          <a:fillRef idx="0">
+            <a:schemeClr val="accent1"/>
+          </a:fillRef>
+          <a:effectRef idx="1">
+            <a:schemeClr val="accent1"/>
+          </a:effectRef>
+          <a:fontRef idx="minor">
+            <a:schemeClr val="tx1"/>
+          </a:fontRef>
+        </p:style>
+      </p:cxnSp>
+      <p:pic>
+        <p:nvPicPr>
+          <p:cNvPr id="17" name="Picture 16" descr="player_1.png"/>
+          <p:cNvPicPr>
+            <a:picLocks noChangeAspect="1"/>
+          </p:cNvPicPr>
+          <p:nvPr/>
+        </p:nvPicPr>
+        <p:blipFill>
+          <a:blip r:embed="rId3">
+            <a:extLst>
+              <a:ext uri="{28A0092B-C50C-407E-A947-70E740481C1C}">
+                <a14:useLocalDpi xmlns:a14="http://schemas.microsoft.com/office/drawing/2010/main" val="0"/>
+              </a:ext>
+            </a:extLst>
+          </a:blip>
+          <a:stretch>
+            <a:fillRect/>
+          </a:stretch>
+        </p:blipFill>
+        <p:spPr>
+          <a:xfrm rot="5400000">
+            <a:off x="3190233" y="2698504"/>
+            <a:ext cx="329154" cy="313479"/>
+          </a:xfrm>
+          <a:prstGeom prst="rect">
+            <a:avLst/>
+          </a:prstGeom>
+        </p:spPr>
+      </p:pic>
+      <p:pic>
+        <p:nvPicPr>
+          <p:cNvPr id="18" name="Picture 17" descr="Screen Shot 2018-07-26 at 5.01.09 PM.png"/>
+          <p:cNvPicPr>
+            <a:picLocks noChangeAspect="1"/>
+          </p:cNvPicPr>
+          <p:nvPr/>
+        </p:nvPicPr>
+        <p:blipFill rotWithShape="1">
+          <a:blip r:embed="rId4">
+            <a:extLst>
+              <a:ext uri="{28A0092B-C50C-407E-A947-70E740481C1C}">
+                <a14:useLocalDpi xmlns:a14="http://schemas.microsoft.com/office/drawing/2010/main" val="0"/>
+              </a:ext>
+            </a:extLst>
+          </a:blip>
+          <a:srcRect t="13225" r="10193" b="10507"/>
+          <a:stretch/>
+        </p:blipFill>
+        <p:spPr>
+          <a:xfrm rot="16200000">
+            <a:off x="2567510" y="2714708"/>
+            <a:ext cx="321620" cy="286238"/>
+          </a:xfrm>
+          <a:prstGeom prst="rect">
+            <a:avLst/>
+          </a:prstGeom>
+        </p:spPr>
+      </p:pic>
+      <p:sp>
+        <p:nvSpPr>
+          <p:cNvPr id="27" name="TextBox 26"/>
+          <p:cNvSpPr txBox="1"/>
+          <p:nvPr/>
+        </p:nvSpPr>
+        <p:spPr>
+          <a:xfrm>
+            <a:off x="1245243" y="2354252"/>
+            <a:ext cx="3599807" cy="197536"/>
+          </a:xfrm>
+          <a:prstGeom prst="rect">
+            <a:avLst/>
+          </a:prstGeom>
+          <a:noFill/>
+          <a:ln w="38100" cmpd="sng">
+            <a:noFill/>
+          </a:ln>
+        </p:spPr>
+        <p:txBody>
+          <a:bodyPr wrap="square" lIns="58467" tIns="29233" rIns="58467" bIns="29233" rtlCol="0">
+            <a:spAutoFit/>
+          </a:bodyPr>
+          <a:lstStyle/>
+          <a:p>
+            <a:pPr algn="ctr" defTabSz="584667">
+              <a:defRPr/>
+            </a:pPr>
+            <a:r>
+              <a:rPr lang="en-US" sz="900" kern="0" dirty="0" smtClean="0">
+                <a:solidFill>
+                  <a:sysClr val="window" lastClr="FFFFFF"/>
+                </a:solidFill>
+                <a:latin typeface="Consolas"/>
+                <a:cs typeface="Consolas"/>
+              </a:rPr>
+              <a:t>Don’t let the creature get you or you lose health!</a:t>
+            </a:r>
+            <a:endParaRPr lang="en-US" sz="900" kern="0" dirty="0">
+              <a:solidFill>
+                <a:srgbClr val="FF3C78"/>
+              </a:solidFill>
+              <a:latin typeface="Consolas"/>
+              <a:cs typeface="Consolas"/>
+            </a:endParaRPr>
           </a:p>
         </p:txBody>
       </p:sp>
     </p:spTree>
     <p:extLst>
       <p:ext uri="{BB962C8B-B14F-4D97-AF65-F5344CB8AC3E}">
-        <p14:creationId xmlns:p14="http://schemas.microsoft.com/office/powerpoint/2010/main" val="3358617073"/>
+        <p14:creationId xmlns:p14="http://schemas.microsoft.com/office/powerpoint/2010/main" val="2614285645"/>
       </p:ext>
     </p:extLst>
   </p:cSld>
@@ -4779,8 +5186,8 @@
         </p:nvSpPr>
         <p:spPr>
           <a:xfrm>
-            <a:off x="-1" y="0"/>
-            <a:ext cx="9528175" cy="5715000"/>
+            <a:off x="0" y="0"/>
+            <a:ext cx="6089650" cy="3657600"/>
           </a:xfrm>
           <a:prstGeom prst="rect">
             <a:avLst/>
@@ -4808,24 +5215,24 @@
           </a:fontRef>
         </p:style>
         <p:txBody>
-          <a:bodyPr rtlCol="0" anchor="ctr"/>
+          <a:bodyPr lIns="58467" tIns="29233" rIns="58467" bIns="29233" rtlCol="0" anchor="ctr"/>
           <a:lstStyle/>
           <a:p>
             <a:pPr algn="ctr"/>
-            <a:endParaRPr lang="en-US"/>
-          </a:p>
-        </p:txBody>
-      </p:sp>
-      <p:sp>
-        <p:nvSpPr>
-          <p:cNvPr id="11" name="TextBox 10"/>
+            <a:endParaRPr lang="en-US" dirty="0"/>
+          </a:p>
+        </p:txBody>
+      </p:sp>
+      <p:sp>
+        <p:nvSpPr>
+          <p:cNvPr id="14" name="TextBox 13"/>
           <p:cNvSpPr txBox="1"/>
           <p:nvPr/>
         </p:nvSpPr>
         <p:spPr>
           <a:xfrm>
-            <a:off x="647486" y="1184451"/>
-            <a:ext cx="5874033" cy="523220"/>
+            <a:off x="674671" y="226425"/>
+            <a:ext cx="4707020" cy="220620"/>
           </a:xfrm>
           <a:prstGeom prst="rect">
             <a:avLst/>
@@ -4836,102 +5243,161 @@
           </a:ln>
         </p:spPr>
         <p:txBody>
-          <a:bodyPr wrap="square" rtlCol="0">
+          <a:bodyPr wrap="square" lIns="58467" tIns="29233" rIns="58467" bIns="29233" rtlCol="0">
             <a:spAutoFit/>
           </a:bodyPr>
           <a:lstStyle/>
           <a:p>
-            <a:pPr marL="0" marR="0" lvl="0" indent="0" defTabSz="914400" eaLnBrk="1" fontAlgn="auto" latinLnBrk="0" hangingPunct="1">
-              <a:lnSpc>
-                <a:spcPct val="100000"/>
-              </a:lnSpc>
-              <a:spcBef>
-                <a:spcPts val="0"/>
-              </a:spcBef>
-              <a:spcAft>
-                <a:spcPts val="0"/>
-              </a:spcAft>
-              <a:buClrTx/>
-              <a:buSzTx/>
-              <a:buFontTx/>
-              <a:buNone/>
-              <a:tabLst/>
+            <a:pPr algn="ctr" defTabSz="584667">
               <a:defRPr/>
             </a:pPr>
             <a:r>
-              <a:rPr kumimoji="0" lang="en-US" sz="1400" b="0" i="0" u="none" strike="noStrike" kern="0" cap="none" spc="0" normalizeH="0" baseline="0" noProof="0" dirty="0" smtClean="0">
-                <a:ln>
-                  <a:noFill/>
-                </a:ln>
+              <a:rPr lang="en-US" sz="1050" kern="0" dirty="0" smtClean="0">
                 <a:solidFill>
                   <a:sysClr val="window" lastClr="FFFFFF"/>
                 </a:solidFill>
-                <a:effectLst/>
-                <a:uLnTx/>
-                <a:uFillTx/>
                 <a:latin typeface="Consolas"/>
                 <a:cs typeface="Consolas"/>
               </a:rPr>
-              <a:t>Evil </a:t>
-            </a:r>
-            <a:r>
-              <a:rPr kumimoji="0" lang="en-US" sz="1400" b="0" i="0" u="none" strike="noStrike" kern="0" cap="none" spc="0" normalizeH="0" baseline="0" noProof="0" dirty="0" smtClean="0">
-                <a:ln>
-                  <a:noFill/>
-                </a:ln>
-                <a:solidFill>
-                  <a:sysClr val="window" lastClr="FFFFFF"/>
-                </a:solidFill>
-                <a:effectLst/>
-                <a:uLnTx/>
-                <a:uFillTx/>
-                <a:latin typeface="Consolas"/>
-                <a:cs typeface="Consolas"/>
-              </a:rPr>
-              <a:t>Dr. </a:t>
-            </a:r>
-            <a:r>
-              <a:rPr kumimoji="0" lang="en-US" sz="1400" b="0" i="0" u="none" strike="noStrike" kern="0" cap="none" spc="0" normalizeH="0" baseline="0" noProof="0" dirty="0" smtClean="0">
-                <a:ln>
-                  <a:noFill/>
-                </a:ln>
-                <a:solidFill>
-                  <a:sysClr val="window" lastClr="FFFFFF"/>
-                </a:solidFill>
-                <a:effectLst/>
-                <a:uLnTx/>
-                <a:uFillTx/>
-                <a:latin typeface="Consolas"/>
-                <a:cs typeface="Consolas"/>
-              </a:rPr>
-              <a:t>Darwin is planning to create the ultimate killing creature using evolution</a:t>
-            </a:r>
-            <a:endParaRPr kumimoji="0" lang="en-US" sz="1400" b="0" i="0" u="none" strike="noStrike" kern="0" cap="none" spc="0" normalizeH="0" baseline="0" noProof="0" dirty="0">
-              <a:ln>
-                <a:noFill/>
-              </a:ln>
+              <a:t>How to kill creatures:</a:t>
+            </a:r>
+            <a:endParaRPr lang="en-US" sz="1050" kern="0" dirty="0">
               <a:solidFill>
                 <a:sysClr val="window" lastClr="FFFFFF"/>
               </a:solidFill>
-              <a:effectLst/>
-              <a:uLnTx/>
-              <a:uFillTx/>
               <a:latin typeface="Consolas"/>
               <a:cs typeface="Consolas"/>
             </a:endParaRPr>
           </a:p>
         </p:txBody>
       </p:sp>
-      <p:sp>
-        <p:nvSpPr>
-          <p:cNvPr id="14" name="TextBox 13"/>
+      <p:pic>
+        <p:nvPicPr>
+          <p:cNvPr id="26" name="Picture 25" descr="player_1.png"/>
+          <p:cNvPicPr>
+            <a:picLocks noChangeAspect="1"/>
+          </p:cNvPicPr>
+          <p:nvPr/>
+        </p:nvPicPr>
+        <p:blipFill>
+          <a:blip r:embed="rId2">
+            <a:extLst>
+              <a:ext uri="{28A0092B-C50C-407E-A947-70E740481C1C}">
+                <a14:useLocalDpi xmlns:a14="http://schemas.microsoft.com/office/drawing/2010/main" val="0"/>
+              </a:ext>
+            </a:extLst>
+          </a:blip>
+          <a:stretch>
+            <a:fillRect/>
+          </a:stretch>
+        </p:blipFill>
+        <p:spPr>
+          <a:xfrm rot="8819539">
+            <a:off x="5441677" y="1557179"/>
+            <a:ext cx="343063" cy="326726"/>
+          </a:xfrm>
+          <a:prstGeom prst="rect">
+            <a:avLst/>
+          </a:prstGeom>
+        </p:spPr>
+      </p:pic>
+      <p:pic>
+        <p:nvPicPr>
+          <p:cNvPr id="17" name="Picture 16" descr="Screen Shot 2018-07-26 at 5.01.09 PM.png"/>
+          <p:cNvPicPr>
+            <a:picLocks noChangeAspect="1"/>
+          </p:cNvPicPr>
+          <p:nvPr/>
+        </p:nvPicPr>
+        <p:blipFill rotWithShape="1">
+          <a:blip r:embed="rId3">
+            <a:extLst>
+              <a:ext uri="{28A0092B-C50C-407E-A947-70E740481C1C}">
+                <a14:useLocalDpi xmlns:a14="http://schemas.microsoft.com/office/drawing/2010/main" val="0"/>
+              </a:ext>
+            </a:extLst>
+          </a:blip>
+          <a:srcRect t="13225" r="10193" b="10507"/>
+          <a:stretch/>
+        </p:blipFill>
+        <p:spPr>
+          <a:xfrm rot="17374799">
+            <a:off x="5517068" y="1068223"/>
+            <a:ext cx="317715" cy="282763"/>
+          </a:xfrm>
+          <a:prstGeom prst="rect">
+            <a:avLst/>
+          </a:prstGeom>
+        </p:spPr>
+      </p:pic>
+      <p:sp>
+        <p:nvSpPr>
+          <p:cNvPr id="16" name="Rectangle 15"/>
+          <p:cNvSpPr/>
+          <p:nvPr/>
+        </p:nvSpPr>
+        <p:spPr>
+          <a:xfrm>
+            <a:off x="5813549" y="1"/>
+            <a:ext cx="276101" cy="3657600"/>
+          </a:xfrm>
+          <a:prstGeom prst="rect">
+            <a:avLst/>
+          </a:prstGeom>
+          <a:gradFill flip="none" rotWithShape="1">
+            <a:gsLst>
+              <a:gs pos="100000">
+                <a:schemeClr val="accent2">
+                  <a:lumMod val="75000"/>
+                </a:schemeClr>
+              </a:gs>
+              <a:gs pos="0">
+                <a:srgbClr val="FFFFFF">
+                  <a:alpha val="0"/>
+                </a:srgbClr>
+              </a:gs>
+            </a:gsLst>
+            <a:lin ang="0" scaled="1"/>
+            <a:tileRect/>
+          </a:gradFill>
+          <a:ln>
+            <a:noFill/>
+          </a:ln>
+          <a:effectLst/>
+        </p:spPr>
+        <p:style>
+          <a:lnRef idx="1">
+            <a:schemeClr val="accent1"/>
+          </a:lnRef>
+          <a:fillRef idx="3">
+            <a:schemeClr val="accent1"/>
+          </a:fillRef>
+          <a:effectRef idx="2">
+            <a:schemeClr val="accent1"/>
+          </a:effectRef>
+          <a:fontRef idx="minor">
+            <a:schemeClr val="lt1"/>
+          </a:fontRef>
+        </p:style>
+        <p:txBody>
+          <a:bodyPr lIns="58467" tIns="29233" rIns="58467" bIns="29233" rtlCol="0" anchor="ctr"/>
+          <a:lstStyle/>
+          <a:p>
+            <a:pPr algn="ctr"/>
+            <a:endParaRPr lang="en-US"/>
+          </a:p>
+        </p:txBody>
+      </p:sp>
+      <p:sp>
+        <p:nvSpPr>
+          <p:cNvPr id="18" name="TextBox 17"/>
           <p:cNvSpPr txBox="1"/>
           <p:nvPr/>
         </p:nvSpPr>
         <p:spPr>
           <a:xfrm>
-            <a:off x="647486" y="2149027"/>
-            <a:ext cx="5874033" cy="523220"/>
+            <a:off x="3285155" y="1341856"/>
+            <a:ext cx="2310158" cy="197536"/>
           </a:xfrm>
           <a:prstGeom prst="rect">
             <a:avLst/>
@@ -4942,102 +5408,141 @@
           </a:ln>
         </p:spPr>
         <p:txBody>
-          <a:bodyPr wrap="square" rtlCol="0">
+          <a:bodyPr wrap="square" lIns="58467" tIns="29233" rIns="58467" bIns="29233" rtlCol="0">
             <a:spAutoFit/>
           </a:bodyPr>
           <a:lstStyle/>
           <a:p>
-            <a:pPr marL="0" marR="0" lvl="0" indent="0" defTabSz="914400" eaLnBrk="1" fontAlgn="auto" latinLnBrk="0" hangingPunct="1">
-              <a:lnSpc>
-                <a:spcPct val="100000"/>
-              </a:lnSpc>
-              <a:spcBef>
-                <a:spcPts val="0"/>
-              </a:spcBef>
-              <a:spcAft>
-                <a:spcPts val="0"/>
-              </a:spcAft>
-              <a:buClrTx/>
-              <a:buSzTx/>
-              <a:buFontTx/>
-              <a:buNone/>
-              <a:tabLst/>
+            <a:pPr algn="ctr" defTabSz="584667">
               <a:defRPr/>
             </a:pPr>
             <a:r>
-              <a:rPr kumimoji="0" lang="en-US" sz="1400" b="0" i="0" u="none" strike="noStrike" kern="0" cap="none" spc="0" normalizeH="0" baseline="0" noProof="0" dirty="0" smtClean="0">
-                <a:ln>
-                  <a:noFill/>
-                </a:ln>
+              <a:rPr lang="en-US" sz="900" kern="0" dirty="0" smtClean="0">
                 <a:solidFill>
                   <a:sysClr val="window" lastClr="FFFFFF"/>
                 </a:solidFill>
-                <a:effectLst/>
-                <a:uLnTx/>
-                <a:uFillTx/>
                 <a:latin typeface="Consolas"/>
                 <a:cs typeface="Consolas"/>
               </a:rPr>
-              <a:t>Each creature has a unique neural network that makes decisions based</a:t>
-            </a:r>
-            <a:r>
-              <a:rPr kumimoji="0" lang="en-US" sz="1400" b="0" i="0" u="none" strike="noStrike" kern="0" cap="none" spc="0" normalizeH="0" noProof="0" dirty="0" smtClean="0">
-                <a:ln>
-                  <a:noFill/>
-                </a:ln>
-                <a:solidFill>
-                  <a:sysClr val="window" lastClr="FFFFFF"/>
-                </a:solidFill>
-                <a:effectLst/>
-                <a:uLnTx/>
-                <a:uFillTx/>
-                <a:latin typeface="Consolas"/>
-                <a:cs typeface="Consolas"/>
-              </a:rPr>
-              <a:t> on their surroundings</a:t>
-            </a:r>
-            <a:r>
-              <a:rPr kumimoji="0" lang="en-US" sz="1400" b="0" i="0" u="none" strike="noStrike" kern="0" cap="none" spc="0" normalizeH="0" baseline="0" noProof="0" dirty="0" smtClean="0">
-                <a:ln>
-                  <a:noFill/>
-                </a:ln>
-                <a:solidFill>
-                  <a:sysClr val="window" lastClr="FFFFFF"/>
-                </a:solidFill>
-                <a:effectLst/>
-                <a:uLnTx/>
-                <a:uFillTx/>
-                <a:latin typeface="Consolas"/>
-                <a:cs typeface="Consolas"/>
-              </a:rPr>
-              <a:t> </a:t>
-            </a:r>
-            <a:endParaRPr kumimoji="0" lang="en-US" sz="1400" b="0" i="0" u="none" strike="noStrike" kern="0" cap="none" spc="0" normalizeH="0" baseline="0" noProof="0" dirty="0">
-              <a:ln>
-                <a:noFill/>
-              </a:ln>
-              <a:solidFill>
-                <a:sysClr val="window" lastClr="FFFFFF"/>
-              </a:solidFill>
-              <a:effectLst/>
-              <a:uLnTx/>
-              <a:uFillTx/>
-              <a:latin typeface="Consolas"/>
-              <a:cs typeface="Consolas"/>
-            </a:endParaRPr>
-          </a:p>
-        </p:txBody>
-      </p:sp>
-      <p:sp>
-        <p:nvSpPr>
-          <p:cNvPr id="15" name="TextBox 14"/>
+              <a:t>Lead them into walls!</a:t>
+            </a:r>
+          </a:p>
+        </p:txBody>
+      </p:sp>
+      <p:pic>
+        <p:nvPicPr>
+          <p:cNvPr id="19" name="Picture 18" descr="player_1.png"/>
+          <p:cNvPicPr>
+            <a:picLocks noChangeAspect="1"/>
+          </p:cNvPicPr>
+          <p:nvPr/>
+        </p:nvPicPr>
+        <p:blipFill>
+          <a:blip r:embed="rId2">
+            <a:extLst>
+              <a:ext uri="{28A0092B-C50C-407E-A947-70E740481C1C}">
+                <a14:useLocalDpi xmlns:a14="http://schemas.microsoft.com/office/drawing/2010/main" val="0"/>
+              </a:ext>
+            </a:extLst>
+          </a:blip>
+          <a:stretch>
+            <a:fillRect/>
+          </a:stretch>
+        </p:blipFill>
+        <p:spPr>
+          <a:xfrm rot="5400000">
+            <a:off x="490807" y="991178"/>
+            <a:ext cx="343063" cy="326726"/>
+          </a:xfrm>
+          <a:prstGeom prst="rect">
+            <a:avLst/>
+          </a:prstGeom>
+        </p:spPr>
+      </p:pic>
+      <p:sp>
+        <p:nvSpPr>
+          <p:cNvPr id="20" name="Oval 19"/>
+          <p:cNvSpPr/>
+          <p:nvPr/>
+        </p:nvSpPr>
+        <p:spPr>
+          <a:xfrm>
+            <a:off x="1064090" y="1102882"/>
+            <a:ext cx="92062" cy="92062"/>
+          </a:xfrm>
+          <a:prstGeom prst="ellipse">
+            <a:avLst/>
+          </a:prstGeom>
+          <a:solidFill>
+            <a:srgbClr val="FF3321"/>
+          </a:solidFill>
+          <a:ln>
+            <a:noFill/>
+          </a:ln>
+          <a:effectLst/>
+        </p:spPr>
+        <p:style>
+          <a:lnRef idx="1">
+            <a:schemeClr val="accent1"/>
+          </a:lnRef>
+          <a:fillRef idx="3">
+            <a:schemeClr val="accent1"/>
+          </a:fillRef>
+          <a:effectRef idx="2">
+            <a:schemeClr val="accent1"/>
+          </a:effectRef>
+          <a:fontRef idx="minor">
+            <a:schemeClr val="lt1"/>
+          </a:fontRef>
+        </p:style>
+        <p:txBody>
+          <a:bodyPr rtlCol="0" anchor="ctr"/>
+          <a:lstStyle/>
+          <a:p>
+            <a:pPr algn="ctr"/>
+            <a:endParaRPr lang="en-US"/>
+          </a:p>
+        </p:txBody>
+      </p:sp>
+      <p:pic>
+        <p:nvPicPr>
+          <p:cNvPr id="24" name="Picture 23" descr="Screen Shot 2018-07-26 at 5.01.09 PM.png"/>
+          <p:cNvPicPr>
+            <a:picLocks noChangeAspect="1"/>
+          </p:cNvPicPr>
+          <p:nvPr/>
+        </p:nvPicPr>
+        <p:blipFill rotWithShape="1">
+          <a:blip r:embed="rId3">
+            <a:extLst>
+              <a:ext uri="{28A0092B-C50C-407E-A947-70E740481C1C}">
+                <a14:useLocalDpi xmlns:a14="http://schemas.microsoft.com/office/drawing/2010/main" val="0"/>
+              </a:ext>
+            </a:extLst>
+          </a:blip>
+          <a:srcRect t="13225" r="10193" b="10507"/>
+          <a:stretch/>
+        </p:blipFill>
+        <p:spPr>
+          <a:xfrm rot="5400000">
+            <a:off x="1826793" y="1025834"/>
+            <a:ext cx="317715" cy="282763"/>
+          </a:xfrm>
+          <a:prstGeom prst="rect">
+            <a:avLst/>
+          </a:prstGeom>
+        </p:spPr>
+      </p:pic>
+      <p:sp>
+        <p:nvSpPr>
+          <p:cNvPr id="27" name="TextBox 26"/>
           <p:cNvSpPr txBox="1"/>
           <p:nvPr/>
         </p:nvSpPr>
         <p:spPr>
           <a:xfrm>
-            <a:off x="647486" y="2776220"/>
-            <a:ext cx="5874033" cy="523220"/>
+            <a:off x="310646" y="675978"/>
+            <a:ext cx="2310158" cy="197536"/>
           </a:xfrm>
           <a:prstGeom prst="rect">
             <a:avLst/>
@@ -5048,134 +5553,167 @@
           </a:ln>
         </p:spPr>
         <p:txBody>
-          <a:bodyPr wrap="square" rtlCol="0">
+          <a:bodyPr wrap="square" lIns="58467" tIns="29233" rIns="58467" bIns="29233" rtlCol="0">
             <a:spAutoFit/>
           </a:bodyPr>
           <a:lstStyle/>
           <a:p>
-            <a:pPr marL="0" marR="0" lvl="0" indent="0" defTabSz="914400" eaLnBrk="1" fontAlgn="auto" latinLnBrk="0" hangingPunct="1">
-              <a:lnSpc>
-                <a:spcPct val="100000"/>
-              </a:lnSpc>
-              <a:spcBef>
-                <a:spcPts val="0"/>
-              </a:spcBef>
-              <a:spcAft>
-                <a:spcPts val="0"/>
-              </a:spcAft>
-              <a:buClrTx/>
-              <a:buSzTx/>
-              <a:buFontTx/>
-              <a:buNone/>
-              <a:tabLst/>
+            <a:pPr algn="ctr" defTabSz="584667">
               <a:defRPr/>
             </a:pPr>
             <a:r>
-              <a:rPr kumimoji="0" lang="en-US" sz="1400" b="0" i="0" u="none" strike="noStrike" kern="0" cap="none" spc="0" normalizeH="0" baseline="0" noProof="0" dirty="0" smtClean="0">
-                <a:ln>
-                  <a:noFill/>
-                </a:ln>
+              <a:rPr lang="en-US" sz="900" kern="0" dirty="0" smtClean="0">
                 <a:solidFill>
                   <a:sysClr val="window" lastClr="FFFFFF"/>
                 </a:solidFill>
-                <a:effectLst/>
-                <a:uLnTx/>
-                <a:uFillTx/>
                 <a:latin typeface="Consolas"/>
                 <a:cs typeface="Consolas"/>
               </a:rPr>
-              <a:t>The creatures have </a:t>
-            </a:r>
-            <a:r>
-              <a:rPr kumimoji="0" lang="en-US" sz="1400" b="0" i="0" u="none" strike="noStrike" kern="0" cap="none" spc="0" normalizeH="0" baseline="0" noProof="0" dirty="0" smtClean="0">
-                <a:ln>
-                  <a:noFill/>
-                </a:ln>
+              <a:t>Shoot to damage them!</a:t>
+            </a:r>
+            <a:endParaRPr lang="en-US" sz="900" kern="0" dirty="0">
+              <a:solidFill>
+                <a:sysClr val="window" lastClr="FFFFFF"/>
+              </a:solidFill>
+              <a:latin typeface="Consolas"/>
+              <a:cs typeface="Consolas"/>
+            </a:endParaRPr>
+          </a:p>
+        </p:txBody>
+      </p:sp>
+      <p:sp>
+        <p:nvSpPr>
+          <p:cNvPr id="6" name="Rectangle 5"/>
+          <p:cNvSpPr/>
+          <p:nvPr/>
+        </p:nvSpPr>
+        <p:spPr>
+          <a:xfrm>
+            <a:off x="3261637" y="2026105"/>
+            <a:ext cx="2416824" cy="369332"/>
+          </a:xfrm>
+          <a:prstGeom prst="rect">
+            <a:avLst/>
+          </a:prstGeom>
+        </p:spPr>
+        <p:txBody>
+          <a:bodyPr wrap="square">
+            <a:spAutoFit/>
+          </a:bodyPr>
+          <a:lstStyle/>
+          <a:p>
+            <a:pPr algn="ctr" defTabSz="584667">
+              <a:defRPr/>
+            </a:pPr>
+            <a:r>
+              <a:rPr lang="en-US" sz="900" kern="0" dirty="0" smtClean="0">
                 <a:solidFill>
                   <a:sysClr val="window" lastClr="FFFFFF"/>
                 </a:solidFill>
-                <a:effectLst/>
-                <a:uLnTx/>
-                <a:uFillTx/>
                 <a:latin typeface="Consolas"/>
                 <a:cs typeface="Consolas"/>
               </a:rPr>
-              <a:t>2 eyes </a:t>
-            </a:r>
-            <a:r>
-              <a:rPr kumimoji="0" lang="en-US" sz="1400" b="0" i="0" u="none" strike="noStrike" kern="0" cap="none" spc="0" normalizeH="0" baseline="0" noProof="0" dirty="0" smtClean="0">
-                <a:ln>
-                  <a:noFill/>
-                </a:ln>
+              <a:t>Careful, get </a:t>
+            </a:r>
+            <a:r>
+              <a:rPr lang="en-US" sz="900" kern="0" dirty="0">
                 <a:solidFill>
                   <a:sysClr val="window" lastClr="FFFFFF"/>
                 </a:solidFill>
-                <a:effectLst/>
-                <a:uLnTx/>
-                <a:uFillTx/>
                 <a:latin typeface="Consolas"/>
                 <a:cs typeface="Consolas"/>
               </a:rPr>
-              <a:t>which </a:t>
-            </a:r>
-            <a:r>
-              <a:rPr kumimoji="0" lang="en-US" sz="1400" b="0" i="0" u="none" strike="noStrike" kern="0" cap="none" spc="0" normalizeH="0" baseline="0" noProof="0" dirty="0" smtClean="0">
-                <a:ln>
-                  <a:noFill/>
-                </a:ln>
+              <a:t>too close to the walls and </a:t>
+            </a:r>
+            <a:r>
+              <a:rPr lang="en-US" sz="900" kern="0" dirty="0" smtClean="0">
                 <a:solidFill>
                   <a:sysClr val="window" lastClr="FFFFFF"/>
                 </a:solidFill>
-                <a:effectLst/>
-                <a:uLnTx/>
-                <a:uFillTx/>
                 <a:latin typeface="Consolas"/>
                 <a:cs typeface="Consolas"/>
               </a:rPr>
-              <a:t>detect the</a:t>
-            </a:r>
-            <a:r>
-              <a:rPr kumimoji="0" lang="en-US" sz="1400" b="0" i="0" u="none" strike="noStrike" kern="0" cap="none" spc="0" normalizeH="0" noProof="0" dirty="0" smtClean="0">
-                <a:ln>
-                  <a:noFill/>
-                </a:ln>
-                <a:solidFill>
-                  <a:sysClr val="window" lastClr="FFFFFF"/>
-                </a:solidFill>
-                <a:effectLst/>
-                <a:uLnTx/>
-                <a:uFillTx/>
-                <a:latin typeface="Consolas"/>
-                <a:cs typeface="Consolas"/>
-              </a:rPr>
-              <a:t> player as well as bullets</a:t>
-            </a:r>
-            <a:endParaRPr kumimoji="0" lang="en-US" sz="1400" b="0" i="0" u="none" strike="noStrike" kern="0" cap="none" spc="0" normalizeH="0" baseline="0" noProof="0" dirty="0">
-              <a:ln>
-                <a:noFill/>
-              </a:ln>
+              <a:t>you will lose health.</a:t>
+            </a:r>
+            <a:endParaRPr lang="en-US" sz="900" kern="0" dirty="0">
               <a:solidFill>
                 <a:sysClr val="window" lastClr="FFFFFF"/>
               </a:solidFill>
-              <a:effectLst/>
-              <a:uLnTx/>
-              <a:uFillTx/>
               <a:latin typeface="Consolas"/>
               <a:cs typeface="Consolas"/>
             </a:endParaRPr>
           </a:p>
         </p:txBody>
       </p:sp>
-      <p:sp>
-        <p:nvSpPr>
-          <p:cNvPr id="17" name="TextBox 16"/>
+      <p:pic>
+        <p:nvPicPr>
+          <p:cNvPr id="28" name="Picture 27" descr="player_1.png"/>
+          <p:cNvPicPr>
+            <a:picLocks noChangeAspect="1"/>
+          </p:cNvPicPr>
+          <p:nvPr/>
+        </p:nvPicPr>
+        <p:blipFill>
+          <a:blip r:embed="rId2">
+            <a:extLst>
+              <a:ext uri="{28A0092B-C50C-407E-A947-70E740481C1C}">
+                <a14:useLocalDpi xmlns:a14="http://schemas.microsoft.com/office/drawing/2010/main" val="0"/>
+              </a:ext>
+            </a:extLst>
+          </a:blip>
+          <a:stretch>
+            <a:fillRect/>
+          </a:stretch>
+        </p:blipFill>
+        <p:spPr>
+          <a:xfrm rot="5400000">
+            <a:off x="1775424" y="2344295"/>
+            <a:ext cx="343063" cy="326726"/>
+          </a:xfrm>
+          <a:prstGeom prst="rect">
+            <a:avLst/>
+          </a:prstGeom>
+        </p:spPr>
+      </p:pic>
+      <p:pic>
+        <p:nvPicPr>
+          <p:cNvPr id="30" name="Picture 29" descr="Screen Shot 2018-07-26 at 5.01.09 PM.png"/>
+          <p:cNvPicPr>
+            <a:picLocks noChangeAspect="1"/>
+          </p:cNvPicPr>
+          <p:nvPr/>
+        </p:nvPicPr>
+        <p:blipFill rotWithShape="1">
+          <a:blip r:embed="rId3">
+            <a:extLst>
+              <a:ext uri="{28A0092B-C50C-407E-A947-70E740481C1C}">
+                <a14:useLocalDpi xmlns:a14="http://schemas.microsoft.com/office/drawing/2010/main" val="0"/>
+              </a:ext>
+            </a:extLst>
+          </a:blip>
+          <a:srcRect t="13225" r="10193" b="10507"/>
+          <a:stretch/>
+        </p:blipFill>
+        <p:spPr>
+          <a:xfrm rot="16200000">
+            <a:off x="681538" y="2361707"/>
+            <a:ext cx="317715" cy="282763"/>
+          </a:xfrm>
+          <a:prstGeom prst="rect">
+            <a:avLst/>
+          </a:prstGeom>
+        </p:spPr>
+      </p:pic>
+      <p:sp>
+        <p:nvSpPr>
+          <p:cNvPr id="31" name="TextBox 30"/>
           <p:cNvSpPr txBox="1"/>
           <p:nvPr/>
         </p:nvSpPr>
         <p:spPr>
           <a:xfrm>
-            <a:off x="3207942" y="4084288"/>
-            <a:ext cx="5874033" cy="523220"/>
+            <a:off x="204621" y="2094178"/>
+            <a:ext cx="2310158" cy="197536"/>
           </a:xfrm>
           <a:prstGeom prst="rect">
             <a:avLst/>
@@ -5186,57 +5724,1109 @@
           </a:ln>
         </p:spPr>
         <p:txBody>
-          <a:bodyPr wrap="square" rtlCol="0">
+          <a:bodyPr wrap="square" lIns="58467" tIns="29233" rIns="58467" bIns="29233" rtlCol="0">
             <a:spAutoFit/>
           </a:bodyPr>
           <a:lstStyle/>
           <a:p>
-            <a:pPr marL="0" marR="0" lvl="0" indent="0" defTabSz="914400" eaLnBrk="1" fontAlgn="auto" latinLnBrk="0" hangingPunct="1">
-              <a:lnSpc>
-                <a:spcPct val="100000"/>
-              </a:lnSpc>
-              <a:spcBef>
-                <a:spcPts val="0"/>
-              </a:spcBef>
-              <a:spcAft>
-                <a:spcPts val="0"/>
-              </a:spcAft>
-              <a:buClrTx/>
-              <a:buSzTx/>
-              <a:buFontTx/>
-              <a:buNone/>
-              <a:tabLst/>
+            <a:pPr algn="ctr" defTabSz="584667">
               <a:defRPr/>
             </a:pPr>
             <a:r>
-              <a:rPr kumimoji="0" lang="en-US" sz="1400" b="0" i="0" u="none" strike="noStrike" kern="0" cap="none" spc="0" normalizeH="0" baseline="0" noProof="0" dirty="0" smtClean="0">
-                <a:ln>
-                  <a:noFill/>
-                </a:ln>
+              <a:rPr lang="en-US" sz="900" kern="0" dirty="0" smtClean="0">
                 <a:solidFill>
                   <a:sysClr val="window" lastClr="FFFFFF"/>
                 </a:solidFill>
-                <a:effectLst/>
-                <a:uLnTx/>
-                <a:uFillTx/>
+                <a:latin typeface="Consolas"/>
+                <a:cs typeface="Consolas"/>
+              </a:rPr>
+              <a:t>Tire them out!</a:t>
+            </a:r>
+          </a:p>
+        </p:txBody>
+      </p:sp>
+      <p:sp>
+        <p:nvSpPr>
+          <p:cNvPr id="32" name="Rectangle 31"/>
+          <p:cNvSpPr/>
+          <p:nvPr/>
+        </p:nvSpPr>
+        <p:spPr>
+          <a:xfrm>
+            <a:off x="75269" y="1398344"/>
+            <a:ext cx="2815798" cy="230832"/>
+          </a:xfrm>
+          <a:prstGeom prst="rect">
+            <a:avLst/>
+          </a:prstGeom>
+        </p:spPr>
+        <p:txBody>
+          <a:bodyPr wrap="square">
+            <a:spAutoFit/>
+          </a:bodyPr>
+          <a:lstStyle/>
+          <a:p>
+            <a:pPr algn="ctr" defTabSz="584667">
+              <a:defRPr/>
+            </a:pPr>
+            <a:r>
+              <a:rPr lang="en-US" sz="900" kern="0" dirty="0" smtClean="0">
+                <a:solidFill>
+                  <a:sysClr val="window" lastClr="FFFFFF"/>
+                </a:solidFill>
+                <a:latin typeface="Consolas"/>
+                <a:cs typeface="Consolas"/>
+              </a:rPr>
+              <a:t>Careful, shooting decreases your health.</a:t>
+            </a:r>
+            <a:endParaRPr lang="en-US" sz="900" kern="0" dirty="0">
+              <a:solidFill>
+                <a:sysClr val="window" lastClr="FFFFFF"/>
+              </a:solidFill>
+              <a:latin typeface="Consolas"/>
+              <a:cs typeface="Consolas"/>
+            </a:endParaRPr>
+          </a:p>
+        </p:txBody>
+      </p:sp>
+      <p:sp>
+        <p:nvSpPr>
+          <p:cNvPr id="33" name="TextBox 32"/>
+          <p:cNvSpPr txBox="1"/>
+          <p:nvPr/>
+        </p:nvSpPr>
+        <p:spPr>
+          <a:xfrm>
+            <a:off x="451939" y="2720094"/>
+            <a:ext cx="1861166" cy="336036"/>
+          </a:xfrm>
+          <a:prstGeom prst="rect">
+            <a:avLst/>
+          </a:prstGeom>
+          <a:noFill/>
+          <a:ln w="38100" cmpd="sng">
+            <a:noFill/>
+          </a:ln>
+        </p:spPr>
+        <p:txBody>
+          <a:bodyPr wrap="square" lIns="58467" tIns="29233" rIns="58467" bIns="29233" rtlCol="0">
+            <a:spAutoFit/>
+          </a:bodyPr>
+          <a:lstStyle/>
+          <a:p>
+            <a:pPr algn="ctr" defTabSz="584667">
+              <a:defRPr/>
+            </a:pPr>
+            <a:r>
+              <a:rPr lang="en-US" sz="900" kern="0" dirty="0" smtClean="0">
+                <a:solidFill>
+                  <a:sysClr val="window" lastClr="FFFFFF"/>
+                </a:solidFill>
+                <a:latin typeface="Consolas"/>
+                <a:cs typeface="Consolas"/>
+              </a:rPr>
+              <a:t>Creatures lose health the more they move.</a:t>
+            </a:r>
+          </a:p>
+        </p:txBody>
+      </p:sp>
+    </p:spTree>
+    <p:extLst>
+      <p:ext uri="{BB962C8B-B14F-4D97-AF65-F5344CB8AC3E}">
+        <p14:creationId xmlns:p14="http://schemas.microsoft.com/office/powerpoint/2010/main" val="1902615920"/>
+      </p:ext>
+    </p:extLst>
+  </p:cSld>
+  <p:clrMapOvr>
+    <a:masterClrMapping/>
+  </p:clrMapOvr>
+</p:sld>
+</file>
+
+<file path=ppt/slides/slide5.xml><?xml version="1.0" encoding="utf-8"?>
+<p:sld xmlns:a="http://schemas.openxmlformats.org/drawingml/2006/main" xmlns:r="http://schemas.openxmlformats.org/officeDocument/2006/relationships" xmlns:p="http://schemas.openxmlformats.org/presentationml/2006/main">
+  <p:cSld>
+    <p:spTree>
+      <p:nvGrpSpPr>
+        <p:cNvPr id="1" name=""/>
+        <p:cNvGrpSpPr/>
+        <p:nvPr/>
+      </p:nvGrpSpPr>
+      <p:grpSpPr>
+        <a:xfrm>
+          <a:off x="0" y="0"/>
+          <a:ext cx="0" cy="0"/>
+          <a:chOff x="0" y="0"/>
+          <a:chExt cx="0" cy="0"/>
+        </a:xfrm>
+      </p:grpSpPr>
+      <p:sp>
+        <p:nvSpPr>
+          <p:cNvPr id="3" name="Rectangle 2"/>
+          <p:cNvSpPr/>
+          <p:nvPr/>
+        </p:nvSpPr>
+        <p:spPr>
+          <a:xfrm>
+            <a:off x="0" y="0"/>
+            <a:ext cx="6089650" cy="3657600"/>
+          </a:xfrm>
+          <a:prstGeom prst="rect">
+            <a:avLst/>
+          </a:prstGeom>
+          <a:solidFill>
+            <a:srgbClr val="000000"/>
+          </a:solidFill>
+          <a:ln>
+            <a:noFill/>
+          </a:ln>
+          <a:effectLst/>
+        </p:spPr>
+        <p:style>
+          <a:lnRef idx="1">
+            <a:schemeClr val="accent1"/>
+          </a:lnRef>
+          <a:fillRef idx="3">
+            <a:schemeClr val="accent1"/>
+          </a:fillRef>
+          <a:effectRef idx="2">
+            <a:schemeClr val="accent1"/>
+          </a:effectRef>
+          <a:fontRef idx="minor">
+            <a:schemeClr val="lt1"/>
+          </a:fontRef>
+        </p:style>
+        <p:txBody>
+          <a:bodyPr lIns="58467" tIns="29233" rIns="58467" bIns="29233" rtlCol="0" anchor="ctr"/>
+          <a:lstStyle/>
+          <a:p>
+            <a:pPr algn="ctr"/>
+            <a:endParaRPr lang="en-US" dirty="0"/>
+          </a:p>
+        </p:txBody>
+      </p:sp>
+      <p:sp>
+        <p:nvSpPr>
+          <p:cNvPr id="14" name="TextBox 13"/>
+          <p:cNvSpPr txBox="1"/>
+          <p:nvPr/>
+        </p:nvSpPr>
+        <p:spPr>
+          <a:xfrm>
+            <a:off x="1591623" y="891161"/>
+            <a:ext cx="4421421" cy="220620"/>
+          </a:xfrm>
+          <a:prstGeom prst="rect">
+            <a:avLst/>
+          </a:prstGeom>
+          <a:noFill/>
+          <a:ln w="38100" cmpd="sng">
+            <a:noFill/>
+          </a:ln>
+        </p:spPr>
+        <p:txBody>
+          <a:bodyPr wrap="square" lIns="58467" tIns="29233" rIns="58467" bIns="29233" rtlCol="0">
+            <a:spAutoFit/>
+          </a:bodyPr>
+          <a:lstStyle/>
+          <a:p>
+            <a:pPr algn="ctr" defTabSz="584667">
+              <a:defRPr/>
+            </a:pPr>
+            <a:r>
+              <a:rPr lang="en-US" sz="1050" kern="0" dirty="0" smtClean="0">
+                <a:solidFill>
+                  <a:sysClr val="window" lastClr="FFFFFF"/>
+                </a:solidFill>
+                <a:latin typeface="Consolas"/>
+                <a:cs typeface="Consolas"/>
+              </a:rPr>
+              <a:t>This shows </a:t>
+            </a:r>
+            <a:r>
+              <a:rPr lang="en-US" sz="1050" kern="0" dirty="0" smtClean="0">
+                <a:solidFill>
+                  <a:sysClr val="window" lastClr="FFFFFF"/>
+                </a:solidFill>
+                <a:latin typeface="Consolas"/>
+                <a:cs typeface="Consolas"/>
+              </a:rPr>
+              <a:t>the current </a:t>
+            </a:r>
+            <a:r>
+              <a:rPr lang="en-US" sz="1050" kern="0" dirty="0" smtClean="0">
+                <a:solidFill>
+                  <a:sysClr val="window" lastClr="FFFFFF"/>
+                </a:solidFill>
+                <a:latin typeface="Consolas"/>
+                <a:cs typeface="Consolas"/>
+              </a:rPr>
+              <a:t>generation of </a:t>
+            </a:r>
+            <a:r>
+              <a:rPr lang="en-US" sz="1050" kern="0" dirty="0" smtClean="0">
+                <a:solidFill>
+                  <a:sysClr val="window" lastClr="FFFFFF"/>
+                </a:solidFill>
+                <a:latin typeface="Consolas"/>
+                <a:cs typeface="Consolas"/>
+              </a:rPr>
+              <a:t>the creatures.</a:t>
+            </a:r>
+            <a:endParaRPr lang="en-US" sz="1050" kern="0" dirty="0">
+              <a:solidFill>
+                <a:sysClr val="window" lastClr="FFFFFF"/>
+              </a:solidFill>
+              <a:latin typeface="Consolas"/>
+              <a:cs typeface="Consolas"/>
+            </a:endParaRPr>
+          </a:p>
+        </p:txBody>
+      </p:sp>
+      <p:pic>
+        <p:nvPicPr>
+          <p:cNvPr id="17" name="Picture 16" descr="Screen Shot 2018-07-26 at 5.01.09 PM.png"/>
+          <p:cNvPicPr>
+            <a:picLocks noChangeAspect="1"/>
+          </p:cNvPicPr>
+          <p:nvPr/>
+        </p:nvPicPr>
+        <p:blipFill rotWithShape="1">
+          <a:blip r:embed="rId2">
+            <a:extLst>
+              <a:ext uri="{28A0092B-C50C-407E-A947-70E740481C1C}">
+                <a14:useLocalDpi xmlns:a14="http://schemas.microsoft.com/office/drawing/2010/main" val="0"/>
+              </a:ext>
+            </a:extLst>
+          </a:blip>
+          <a:srcRect t="13225" r="10193" b="10507"/>
+          <a:stretch/>
+        </p:blipFill>
+        <p:spPr>
+          <a:xfrm>
+            <a:off x="702062" y="1545270"/>
+            <a:ext cx="317715" cy="282763"/>
+          </a:xfrm>
+          <a:prstGeom prst="rect">
+            <a:avLst/>
+          </a:prstGeom>
+        </p:spPr>
+      </p:pic>
+      <p:sp>
+        <p:nvSpPr>
+          <p:cNvPr id="27" name="TextBox 26"/>
+          <p:cNvSpPr txBox="1"/>
+          <p:nvPr/>
+        </p:nvSpPr>
+        <p:spPr>
+          <a:xfrm>
+            <a:off x="1086761" y="1545270"/>
+            <a:ext cx="4279422" cy="197536"/>
+          </a:xfrm>
+          <a:prstGeom prst="rect">
+            <a:avLst/>
+          </a:prstGeom>
+          <a:noFill/>
+          <a:ln w="38100" cmpd="sng">
+            <a:noFill/>
+          </a:ln>
+        </p:spPr>
+        <p:txBody>
+          <a:bodyPr wrap="square" lIns="58467" tIns="29233" rIns="58467" bIns="29233" rtlCol="0">
+            <a:spAutoFit/>
+          </a:bodyPr>
+          <a:lstStyle/>
+          <a:p>
+            <a:pPr algn="ctr" defTabSz="584667">
+              <a:defRPr/>
+            </a:pPr>
+            <a:r>
+              <a:rPr lang="en-US" sz="900" kern="0" dirty="0" smtClean="0">
+                <a:solidFill>
+                  <a:sysClr val="window" lastClr="FFFFFF"/>
+                </a:solidFill>
+                <a:latin typeface="Consolas"/>
+                <a:cs typeface="Consolas"/>
+              </a:rPr>
+              <a:t>Cr</a:t>
+            </a:r>
+            <a:r>
+              <a:rPr lang="en-US" sz="900" kern="0" dirty="0" smtClean="0">
+                <a:solidFill>
+                  <a:sysClr val="window" lastClr="FFFFFF"/>
+                </a:solidFill>
+                <a:latin typeface="Consolas"/>
+                <a:cs typeface="Consolas"/>
+              </a:rPr>
+              <a:t>eatures have </a:t>
+            </a:r>
+            <a:r>
+              <a:rPr lang="en-US" sz="900" kern="0" dirty="0" smtClean="0">
+                <a:solidFill>
+                  <a:sysClr val="window" lastClr="FFFFFF"/>
+                </a:solidFill>
+                <a:latin typeface="Consolas"/>
+                <a:cs typeface="Consolas"/>
+              </a:rPr>
+              <a:t>20 seconds to demonstrate </a:t>
+            </a:r>
+            <a:r>
+              <a:rPr lang="en-US" sz="900" kern="0" dirty="0" smtClean="0">
+                <a:solidFill>
+                  <a:sysClr val="window" lastClr="FFFFFF"/>
+                </a:solidFill>
+                <a:latin typeface="Consolas"/>
+                <a:cs typeface="Consolas"/>
+              </a:rPr>
+              <a:t>their killing ability. </a:t>
+            </a:r>
+            <a:endParaRPr lang="en-US" sz="900" kern="0" dirty="0">
+              <a:solidFill>
+                <a:sysClr val="window" lastClr="FFFFFF"/>
+              </a:solidFill>
+              <a:latin typeface="Consolas"/>
+              <a:cs typeface="Consolas"/>
+            </a:endParaRPr>
+          </a:p>
+        </p:txBody>
+      </p:sp>
+      <p:sp>
+        <p:nvSpPr>
+          <p:cNvPr id="2" name="Rectangle 1"/>
+          <p:cNvSpPr/>
+          <p:nvPr/>
+        </p:nvSpPr>
+        <p:spPr>
+          <a:xfrm>
+            <a:off x="0" y="0"/>
+            <a:ext cx="4362559" cy="106564"/>
+          </a:xfrm>
+          <a:prstGeom prst="rect">
+            <a:avLst/>
+          </a:prstGeom>
+          <a:solidFill>
+            <a:srgbClr val="F5FAFF"/>
+          </a:solidFill>
+          <a:ln>
+            <a:noFill/>
+          </a:ln>
+        </p:spPr>
+        <p:style>
+          <a:lnRef idx="1">
+            <a:schemeClr val="accent1"/>
+          </a:lnRef>
+          <a:fillRef idx="3">
+            <a:schemeClr val="accent1"/>
+          </a:fillRef>
+          <a:effectRef idx="2">
+            <a:schemeClr val="accent1"/>
+          </a:effectRef>
+          <a:fontRef idx="minor">
+            <a:schemeClr val="lt1"/>
+          </a:fontRef>
+        </p:style>
+        <p:txBody>
+          <a:bodyPr rtlCol="0" anchor="ctr"/>
+          <a:lstStyle/>
+          <a:p>
+            <a:pPr algn="ctr"/>
+            <a:endParaRPr lang="en-US"/>
+          </a:p>
+        </p:txBody>
+      </p:sp>
+      <p:sp>
+        <p:nvSpPr>
+          <p:cNvPr id="8" name="TextBox 7"/>
+          <p:cNvSpPr txBox="1"/>
+          <p:nvPr/>
+        </p:nvSpPr>
+        <p:spPr>
+          <a:xfrm>
+            <a:off x="1829671" y="2016119"/>
+            <a:ext cx="2424129" cy="336036"/>
+          </a:xfrm>
+          <a:prstGeom prst="rect">
+            <a:avLst/>
+          </a:prstGeom>
+          <a:noFill/>
+          <a:ln w="38100" cmpd="sng">
+            <a:noFill/>
+          </a:ln>
+        </p:spPr>
+        <p:txBody>
+          <a:bodyPr wrap="square" lIns="58467" tIns="29233" rIns="58467" bIns="29233" rtlCol="0">
+            <a:spAutoFit/>
+          </a:bodyPr>
+          <a:lstStyle/>
+          <a:p>
+            <a:pPr algn="ctr" defTabSz="584667">
+              <a:defRPr/>
+            </a:pPr>
+            <a:r>
+              <a:rPr lang="en-US" sz="900" kern="0" dirty="0" smtClean="0">
+                <a:solidFill>
+                  <a:sysClr val="window" lastClr="FFFFFF"/>
+                </a:solidFill>
+                <a:latin typeface="Consolas"/>
+                <a:cs typeface="Consolas"/>
+              </a:rPr>
+              <a:t>The best killers of the generation mutate and form the next generation.</a:t>
+            </a:r>
+            <a:endParaRPr lang="en-US" sz="900" kern="0" dirty="0">
+              <a:solidFill>
+                <a:sysClr val="window" lastClr="FFFFFF"/>
+              </a:solidFill>
+              <a:latin typeface="Consolas"/>
+              <a:cs typeface="Consolas"/>
+            </a:endParaRPr>
+          </a:p>
+        </p:txBody>
+      </p:sp>
+      <p:sp>
+        <p:nvSpPr>
+          <p:cNvPr id="4" name="Rectangle 3"/>
+          <p:cNvSpPr/>
+          <p:nvPr/>
+        </p:nvSpPr>
+        <p:spPr>
+          <a:xfrm>
+            <a:off x="0" y="326252"/>
+            <a:ext cx="6089649" cy="276999"/>
+          </a:xfrm>
+          <a:prstGeom prst="rect">
+            <a:avLst/>
+          </a:prstGeom>
+        </p:spPr>
+        <p:txBody>
+          <a:bodyPr wrap="square">
+            <a:spAutoFit/>
+          </a:bodyPr>
+          <a:lstStyle/>
+          <a:p>
+            <a:pPr algn="ctr"/>
+            <a:r>
+              <a:rPr lang="en-US" kern="0" dirty="0" smtClean="0">
+                <a:solidFill>
+                  <a:sysClr val="window" lastClr="FFFFFF"/>
+                </a:solidFill>
+                <a:latin typeface="Consolas"/>
+                <a:cs typeface="Consolas"/>
+              </a:rPr>
+              <a:t>Generation 3</a:t>
+            </a:r>
+            <a:endParaRPr lang="en-US" dirty="0"/>
+          </a:p>
+        </p:txBody>
+      </p:sp>
+      <p:cxnSp>
+        <p:nvCxnSpPr>
+          <p:cNvPr id="10" name="Straight Arrow Connector 9"/>
+          <p:cNvCxnSpPr/>
+          <p:nvPr/>
+        </p:nvCxnSpPr>
+        <p:spPr>
+          <a:xfrm flipH="1" flipV="1">
+            <a:off x="3437294" y="638771"/>
+            <a:ext cx="239811" cy="234630"/>
+          </a:xfrm>
+          <a:prstGeom prst="straightConnector1">
+            <a:avLst/>
+          </a:prstGeom>
+          <a:ln>
+            <a:solidFill>
+              <a:srgbClr val="FFFFFF"/>
+            </a:solidFill>
+            <a:tailEnd type="arrow"/>
+          </a:ln>
+          <a:effectLst/>
+        </p:spPr>
+        <p:style>
+          <a:lnRef idx="2">
+            <a:schemeClr val="accent1"/>
+          </a:lnRef>
+          <a:fillRef idx="0">
+            <a:schemeClr val="accent1"/>
+          </a:fillRef>
+          <a:effectRef idx="1">
+            <a:schemeClr val="accent1"/>
+          </a:effectRef>
+          <a:fontRef idx="minor">
+            <a:schemeClr val="tx1"/>
+          </a:fontRef>
+        </p:style>
+      </p:cxnSp>
+      <p:sp>
+        <p:nvSpPr>
+          <p:cNvPr id="16" name="TextBox 15"/>
+          <p:cNvSpPr txBox="1"/>
+          <p:nvPr/>
+        </p:nvSpPr>
+        <p:spPr>
+          <a:xfrm>
+            <a:off x="115465" y="396221"/>
+            <a:ext cx="1863544" cy="197536"/>
+          </a:xfrm>
+          <a:prstGeom prst="rect">
+            <a:avLst/>
+          </a:prstGeom>
+          <a:noFill/>
+          <a:ln w="38100" cmpd="sng">
+            <a:noFill/>
+          </a:ln>
+        </p:spPr>
+        <p:txBody>
+          <a:bodyPr wrap="square" lIns="58467" tIns="29233" rIns="58467" bIns="29233" rtlCol="0">
+            <a:spAutoFit/>
+          </a:bodyPr>
+          <a:lstStyle/>
+          <a:p>
+            <a:pPr algn="ctr" defTabSz="584667">
+              <a:defRPr/>
+            </a:pPr>
+            <a:r>
+              <a:rPr lang="en-US" sz="900" kern="0" dirty="0" smtClean="0">
+                <a:solidFill>
+                  <a:sysClr val="window" lastClr="FFFFFF"/>
+                </a:solidFill>
+                <a:latin typeface="Consolas"/>
+                <a:cs typeface="Consolas"/>
+              </a:rPr>
+              <a:t>Timer</a:t>
+            </a:r>
+            <a:endParaRPr lang="en-US" sz="900" kern="0" dirty="0">
+              <a:solidFill>
+                <a:sysClr val="window" lastClr="FFFFFF"/>
+              </a:solidFill>
+              <a:latin typeface="Consolas"/>
+              <a:cs typeface="Consolas"/>
+            </a:endParaRPr>
+          </a:p>
+        </p:txBody>
+      </p:sp>
+      <p:cxnSp>
+        <p:nvCxnSpPr>
+          <p:cNvPr id="18" name="Straight Arrow Connector 17"/>
+          <p:cNvCxnSpPr/>
+          <p:nvPr/>
+        </p:nvCxnSpPr>
+        <p:spPr>
+          <a:xfrm flipV="1">
+            <a:off x="1086761" y="182297"/>
+            <a:ext cx="396516" cy="234630"/>
+          </a:xfrm>
+          <a:prstGeom prst="straightConnector1">
+            <a:avLst/>
+          </a:prstGeom>
+          <a:ln>
+            <a:solidFill>
+              <a:srgbClr val="FFFFFF"/>
+            </a:solidFill>
+            <a:tailEnd type="arrow"/>
+          </a:ln>
+          <a:effectLst/>
+        </p:spPr>
+        <p:style>
+          <a:lnRef idx="2">
+            <a:schemeClr val="accent1"/>
+          </a:lnRef>
+          <a:fillRef idx="0">
+            <a:schemeClr val="accent1"/>
+          </a:fillRef>
+          <a:effectRef idx="1">
+            <a:schemeClr val="accent1"/>
+          </a:effectRef>
+          <a:fontRef idx="minor">
+            <a:schemeClr val="tx1"/>
+          </a:fontRef>
+        </p:style>
+      </p:cxnSp>
+      <p:sp>
+        <p:nvSpPr>
+          <p:cNvPr id="22" name="Rectangle 21"/>
+          <p:cNvSpPr/>
+          <p:nvPr/>
+        </p:nvSpPr>
+        <p:spPr>
+          <a:xfrm>
+            <a:off x="0" y="2618820"/>
+            <a:ext cx="6089649" cy="276999"/>
+          </a:xfrm>
+          <a:prstGeom prst="rect">
+            <a:avLst/>
+          </a:prstGeom>
+        </p:spPr>
+        <p:txBody>
+          <a:bodyPr wrap="square">
+            <a:spAutoFit/>
+          </a:bodyPr>
+          <a:lstStyle/>
+          <a:p>
+            <a:pPr algn="ctr"/>
+            <a:r>
+              <a:rPr lang="en-US" kern="0" dirty="0" smtClean="0">
+                <a:solidFill>
+                  <a:sysClr val="window" lastClr="FFFFFF"/>
+                </a:solidFill>
+                <a:latin typeface="Consolas"/>
+                <a:cs typeface="Consolas"/>
+              </a:rPr>
+              <a:t>Are you ready?</a:t>
+            </a:r>
+            <a:endParaRPr lang="en-US" dirty="0"/>
+          </a:p>
+        </p:txBody>
+      </p:sp>
+    </p:spTree>
+    <p:extLst>
+      <p:ext uri="{BB962C8B-B14F-4D97-AF65-F5344CB8AC3E}">
+        <p14:creationId xmlns:p14="http://schemas.microsoft.com/office/powerpoint/2010/main" val="3618017368"/>
+      </p:ext>
+    </p:extLst>
+  </p:cSld>
+  <p:clrMapOvr>
+    <a:masterClrMapping/>
+  </p:clrMapOvr>
+</p:sld>
+</file>
+
+<file path=ppt/slides/slide6.xml><?xml version="1.0" encoding="utf-8"?>
+<p:sld xmlns:a="http://schemas.openxmlformats.org/drawingml/2006/main" xmlns:r="http://schemas.openxmlformats.org/officeDocument/2006/relationships" xmlns:p="http://schemas.openxmlformats.org/presentationml/2006/main">
+  <p:cSld>
+    <p:spTree>
+      <p:nvGrpSpPr>
+        <p:cNvPr id="1" name=""/>
+        <p:cNvGrpSpPr/>
+        <p:nvPr/>
+      </p:nvGrpSpPr>
+      <p:grpSpPr>
+        <a:xfrm>
+          <a:off x="0" y="0"/>
+          <a:ext cx="0" cy="0"/>
+          <a:chOff x="0" y="0"/>
+          <a:chExt cx="0" cy="0"/>
+        </a:xfrm>
+      </p:grpSpPr>
+      <p:sp>
+        <p:nvSpPr>
+          <p:cNvPr id="8" name="Rectangle 7"/>
+          <p:cNvSpPr/>
+          <p:nvPr/>
+        </p:nvSpPr>
+        <p:spPr>
+          <a:xfrm>
+            <a:off x="154519" y="1771649"/>
+            <a:ext cx="5139091" cy="1052307"/>
+          </a:xfrm>
+          <a:prstGeom prst="rect">
+            <a:avLst/>
+          </a:prstGeom>
+          <a:solidFill>
+            <a:srgbClr val="000000"/>
+          </a:solidFill>
+          <a:ln>
+            <a:noFill/>
+          </a:ln>
+          <a:effectLst/>
+        </p:spPr>
+        <p:style>
+          <a:lnRef idx="1">
+            <a:schemeClr val="accent1"/>
+          </a:lnRef>
+          <a:fillRef idx="3">
+            <a:schemeClr val="accent1"/>
+          </a:fillRef>
+          <a:effectRef idx="2">
+            <a:schemeClr val="accent1"/>
+          </a:effectRef>
+          <a:fontRef idx="minor">
+            <a:schemeClr val="lt1"/>
+          </a:fontRef>
+        </p:style>
+        <p:txBody>
+          <a:bodyPr lIns="58467" tIns="29233" rIns="58467" bIns="29233" rtlCol="0" anchor="ctr"/>
+          <a:lstStyle/>
+          <a:p>
+            <a:pPr algn="ctr"/>
+            <a:endParaRPr lang="en-US" dirty="0"/>
+          </a:p>
+        </p:txBody>
+      </p:sp>
+      <p:sp>
+        <p:nvSpPr>
+          <p:cNvPr id="5" name="TextBox 4"/>
+          <p:cNvSpPr txBox="1"/>
+          <p:nvPr/>
+        </p:nvSpPr>
+        <p:spPr>
+          <a:xfrm>
+            <a:off x="1903753" y="675776"/>
+            <a:ext cx="3754214" cy="374257"/>
+          </a:xfrm>
+          <a:prstGeom prst="rect">
+            <a:avLst/>
+          </a:prstGeom>
+          <a:noFill/>
+          <a:ln w="38100" cmpd="sng">
+            <a:noFill/>
+          </a:ln>
+        </p:spPr>
+        <p:txBody>
+          <a:bodyPr wrap="square" lIns="58467" tIns="29233" rIns="58467" bIns="29233" rtlCol="0">
+            <a:spAutoFit/>
+          </a:bodyPr>
+          <a:lstStyle/>
+          <a:p>
+            <a:r>
+              <a:rPr lang="en-US" sz="1000" dirty="0">
+                <a:latin typeface="Consolas"/>
+                <a:cs typeface="Consolas"/>
+              </a:rPr>
+              <a:t>Kill creatures by shooting them or leading them into walls</a:t>
+            </a:r>
+          </a:p>
+        </p:txBody>
+      </p:sp>
+      <p:sp>
+        <p:nvSpPr>
+          <p:cNvPr id="9" name="TextBox 8"/>
+          <p:cNvSpPr txBox="1"/>
+          <p:nvPr/>
+        </p:nvSpPr>
+        <p:spPr>
+          <a:xfrm>
+            <a:off x="154518" y="1963272"/>
+            <a:ext cx="5139092" cy="613035"/>
+          </a:xfrm>
+          <a:prstGeom prst="rect">
+            <a:avLst/>
+          </a:prstGeom>
+          <a:noFill/>
+          <a:ln w="38100" cmpd="sng">
+            <a:noFill/>
+          </a:ln>
+        </p:spPr>
+        <p:txBody>
+          <a:bodyPr wrap="square" lIns="58467" tIns="29233" rIns="58467" bIns="29233" rtlCol="0">
+            <a:spAutoFit/>
+          </a:bodyPr>
+          <a:lstStyle/>
+          <a:p>
+            <a:pPr algn="ctr"/>
+            <a:r>
+              <a:rPr lang="en-US" sz="3600" dirty="0" smtClean="0">
+                <a:solidFill>
+                  <a:srgbClr val="FFFFFF"/>
+                </a:solidFill>
+                <a:latin typeface="Consolas"/>
+                <a:cs typeface="Consolas"/>
+              </a:rPr>
+              <a:t>DR. DARWIN</a:t>
+            </a:r>
+            <a:endParaRPr lang="en-US" sz="3600" dirty="0">
+              <a:solidFill>
+                <a:srgbClr val="FFFFFF"/>
+              </a:solidFill>
+              <a:latin typeface="Consolas"/>
+              <a:cs typeface="Consolas"/>
+            </a:endParaRPr>
+          </a:p>
+        </p:txBody>
+      </p:sp>
+      <p:pic>
+        <p:nvPicPr>
+          <p:cNvPr id="4" name="Picture 3" descr="player_1.png"/>
+          <p:cNvPicPr>
+            <a:picLocks noChangeAspect="1"/>
+          </p:cNvPicPr>
+          <p:nvPr/>
+        </p:nvPicPr>
+        <p:blipFill>
+          <a:blip r:embed="rId2">
+            <a:extLst>
+              <a:ext uri="{28A0092B-C50C-407E-A947-70E740481C1C}">
+                <a14:useLocalDpi xmlns:a14="http://schemas.microsoft.com/office/drawing/2010/main" val="0"/>
+              </a:ext>
+            </a:extLst>
+          </a:blip>
+          <a:stretch>
+            <a:fillRect/>
+          </a:stretch>
+        </p:blipFill>
+        <p:spPr>
+          <a:xfrm rot="10800000">
+            <a:off x="4430223" y="2140872"/>
+            <a:ext cx="347051" cy="330524"/>
+          </a:xfrm>
+          <a:prstGeom prst="rect">
+            <a:avLst/>
+          </a:prstGeom>
+        </p:spPr>
+      </p:pic>
+      <p:pic>
+        <p:nvPicPr>
+          <p:cNvPr id="6" name="Picture 5" descr="Screen Shot 2018-07-26 at 5.01.09 PM.png"/>
+          <p:cNvPicPr>
+            <a:picLocks noChangeAspect="1"/>
+          </p:cNvPicPr>
+          <p:nvPr/>
+        </p:nvPicPr>
+        <p:blipFill rotWithShape="1">
+          <a:blip r:embed="rId3">
+            <a:extLst>
+              <a:ext uri="{28A0092B-C50C-407E-A947-70E740481C1C}">
+                <a14:useLocalDpi xmlns:a14="http://schemas.microsoft.com/office/drawing/2010/main" val="0"/>
+              </a:ext>
+            </a:extLst>
+          </a:blip>
+          <a:srcRect t="13225" r="10193" b="10507"/>
+          <a:stretch/>
+        </p:blipFill>
+        <p:spPr>
+          <a:xfrm>
+            <a:off x="630791" y="2123112"/>
+            <a:ext cx="396958" cy="353288"/>
+          </a:xfrm>
+          <a:prstGeom prst="rect">
+            <a:avLst/>
+          </a:prstGeom>
+        </p:spPr>
+      </p:pic>
+    </p:spTree>
+    <p:extLst>
+      <p:ext uri="{BB962C8B-B14F-4D97-AF65-F5344CB8AC3E}">
+        <p14:creationId xmlns:p14="http://schemas.microsoft.com/office/powerpoint/2010/main" val="3358617073"/>
+      </p:ext>
+    </p:extLst>
+  </p:cSld>
+  <p:clrMapOvr>
+    <a:masterClrMapping/>
+  </p:clrMapOvr>
+</p:sld>
+</file>
+
+<file path=ppt/slides/slide7.xml><?xml version="1.0" encoding="utf-8"?>
+<p:sld xmlns:a="http://schemas.openxmlformats.org/drawingml/2006/main" xmlns:r="http://schemas.openxmlformats.org/officeDocument/2006/relationships" xmlns:p="http://schemas.openxmlformats.org/presentationml/2006/main">
+  <p:cSld>
+    <p:spTree>
+      <p:nvGrpSpPr>
+        <p:cNvPr id="1" name=""/>
+        <p:cNvGrpSpPr/>
+        <p:nvPr/>
+      </p:nvGrpSpPr>
+      <p:grpSpPr>
+        <a:xfrm>
+          <a:off x="0" y="0"/>
+          <a:ext cx="0" cy="0"/>
+          <a:chOff x="0" y="0"/>
+          <a:chExt cx="0" cy="0"/>
+        </a:xfrm>
+      </p:grpSpPr>
+      <p:sp>
+        <p:nvSpPr>
+          <p:cNvPr id="3" name="Rectangle 2"/>
+          <p:cNvSpPr/>
+          <p:nvPr/>
+        </p:nvSpPr>
+        <p:spPr>
+          <a:xfrm>
+            <a:off x="0" y="0"/>
+            <a:ext cx="6089650" cy="3657600"/>
+          </a:xfrm>
+          <a:prstGeom prst="rect">
+            <a:avLst/>
+          </a:prstGeom>
+          <a:solidFill>
+            <a:srgbClr val="000000"/>
+          </a:solidFill>
+          <a:ln>
+            <a:noFill/>
+          </a:ln>
+          <a:effectLst/>
+        </p:spPr>
+        <p:style>
+          <a:lnRef idx="1">
+            <a:schemeClr val="accent1"/>
+          </a:lnRef>
+          <a:fillRef idx="3">
+            <a:schemeClr val="accent1"/>
+          </a:fillRef>
+          <a:effectRef idx="2">
+            <a:schemeClr val="accent1"/>
+          </a:effectRef>
+          <a:fontRef idx="minor">
+            <a:schemeClr val="lt1"/>
+          </a:fontRef>
+        </p:style>
+        <p:txBody>
+          <a:bodyPr lIns="58467" tIns="29233" rIns="58467" bIns="29233" rtlCol="0" anchor="ctr"/>
+          <a:lstStyle/>
+          <a:p>
+            <a:pPr algn="ctr"/>
+            <a:endParaRPr lang="en-US"/>
+          </a:p>
+        </p:txBody>
+      </p:sp>
+      <p:sp>
+        <p:nvSpPr>
+          <p:cNvPr id="11" name="TextBox 10"/>
+          <p:cNvSpPr txBox="1"/>
+          <p:nvPr/>
+        </p:nvSpPr>
+        <p:spPr>
+          <a:xfrm>
+            <a:off x="413822" y="758049"/>
+            <a:ext cx="3754214" cy="334861"/>
+          </a:xfrm>
+          <a:prstGeom prst="rect">
+            <a:avLst/>
+          </a:prstGeom>
+          <a:noFill/>
+          <a:ln w="38100" cmpd="sng">
+            <a:noFill/>
+          </a:ln>
+        </p:spPr>
+        <p:txBody>
+          <a:bodyPr wrap="square" lIns="58467" tIns="29233" rIns="58467" bIns="29233" rtlCol="0">
+            <a:spAutoFit/>
+          </a:bodyPr>
+          <a:lstStyle/>
+          <a:p>
+            <a:pPr defTabSz="584667">
+              <a:defRPr/>
+            </a:pPr>
+            <a:r>
+              <a:rPr lang="en-US" sz="900" kern="0" dirty="0">
+                <a:solidFill>
+                  <a:sysClr val="window" lastClr="FFFFFF"/>
+                </a:solidFill>
+                <a:latin typeface="Consolas"/>
+                <a:cs typeface="Consolas"/>
+              </a:rPr>
+              <a:t>Evil Dr. Darwin is planning to create the ultimate killing creature using evolution</a:t>
+            </a:r>
+          </a:p>
+        </p:txBody>
+      </p:sp>
+      <p:sp>
+        <p:nvSpPr>
+          <p:cNvPr id="14" name="TextBox 13"/>
+          <p:cNvSpPr txBox="1"/>
+          <p:nvPr/>
+        </p:nvSpPr>
+        <p:spPr>
+          <a:xfrm>
+            <a:off x="413822" y="1375377"/>
+            <a:ext cx="3754214" cy="334861"/>
+          </a:xfrm>
+          <a:prstGeom prst="rect">
+            <a:avLst/>
+          </a:prstGeom>
+          <a:noFill/>
+          <a:ln w="38100" cmpd="sng">
+            <a:noFill/>
+          </a:ln>
+        </p:spPr>
+        <p:txBody>
+          <a:bodyPr wrap="square" lIns="58467" tIns="29233" rIns="58467" bIns="29233" rtlCol="0">
+            <a:spAutoFit/>
+          </a:bodyPr>
+          <a:lstStyle/>
+          <a:p>
+            <a:pPr defTabSz="584667">
+              <a:defRPr/>
+            </a:pPr>
+            <a:r>
+              <a:rPr lang="en-US" sz="900" kern="0" dirty="0">
+                <a:solidFill>
+                  <a:sysClr val="window" lastClr="FFFFFF"/>
+                </a:solidFill>
+                <a:latin typeface="Consolas"/>
+                <a:cs typeface="Consolas"/>
+              </a:rPr>
+              <a:t>Each creature has a unique neural network that makes decisions based on their surroundings </a:t>
+            </a:r>
+          </a:p>
+        </p:txBody>
+      </p:sp>
+      <p:sp>
+        <p:nvSpPr>
+          <p:cNvPr id="15" name="TextBox 14"/>
+          <p:cNvSpPr txBox="1"/>
+          <p:nvPr/>
+        </p:nvSpPr>
+        <p:spPr>
+          <a:xfrm>
+            <a:off x="413822" y="1776781"/>
+            <a:ext cx="3754214" cy="334861"/>
+          </a:xfrm>
+          <a:prstGeom prst="rect">
+            <a:avLst/>
+          </a:prstGeom>
+          <a:noFill/>
+          <a:ln w="38100" cmpd="sng">
+            <a:noFill/>
+          </a:ln>
+        </p:spPr>
+        <p:txBody>
+          <a:bodyPr wrap="square" lIns="58467" tIns="29233" rIns="58467" bIns="29233" rtlCol="0">
+            <a:spAutoFit/>
+          </a:bodyPr>
+          <a:lstStyle/>
+          <a:p>
+            <a:pPr defTabSz="584667">
+              <a:defRPr/>
+            </a:pPr>
+            <a:r>
+              <a:rPr lang="en-US" sz="900" kern="0" dirty="0">
+                <a:solidFill>
+                  <a:sysClr val="window" lastClr="FFFFFF"/>
+                </a:solidFill>
+                <a:latin typeface="Consolas"/>
+                <a:cs typeface="Consolas"/>
+              </a:rPr>
+              <a:t>The creatures have 2 eyes which detect the player as well as bullets</a:t>
+            </a:r>
+          </a:p>
+        </p:txBody>
+      </p:sp>
+      <p:sp>
+        <p:nvSpPr>
+          <p:cNvPr id="17" name="TextBox 16"/>
+          <p:cNvSpPr txBox="1"/>
+          <p:nvPr/>
+        </p:nvSpPr>
+        <p:spPr>
+          <a:xfrm>
+            <a:off x="2050261" y="2613944"/>
+            <a:ext cx="3754214" cy="334861"/>
+          </a:xfrm>
+          <a:prstGeom prst="rect">
+            <a:avLst/>
+          </a:prstGeom>
+          <a:noFill/>
+          <a:ln w="38100" cmpd="sng">
+            <a:noFill/>
+          </a:ln>
+        </p:spPr>
+        <p:txBody>
+          <a:bodyPr wrap="square" lIns="58467" tIns="29233" rIns="58467" bIns="29233" rtlCol="0">
+            <a:spAutoFit/>
+          </a:bodyPr>
+          <a:lstStyle/>
+          <a:p>
+            <a:pPr defTabSz="584667">
+              <a:defRPr/>
+            </a:pPr>
+            <a:r>
+              <a:rPr lang="en-US" sz="900" kern="0" dirty="0">
+                <a:solidFill>
+                  <a:sysClr val="window" lastClr="FFFFFF"/>
+                </a:solidFill>
                 <a:latin typeface="Consolas"/>
                 <a:cs typeface="Consolas"/>
               </a:rPr>
               <a:t>Move using arrow keys and shoot creatures using the spacebar but be careful as shooting decreases your health</a:t>
             </a:r>
-            <a:endParaRPr kumimoji="0" lang="en-US" sz="1400" b="0" i="0" u="none" strike="noStrike" kern="0" cap="none" spc="0" normalizeH="0" baseline="0" noProof="0" dirty="0">
-              <a:ln>
-                <a:noFill/>
-              </a:ln>
-              <a:solidFill>
-                <a:sysClr val="window" lastClr="FFFFFF"/>
-              </a:solidFill>
-              <a:effectLst/>
-              <a:uLnTx/>
-              <a:uFillTx/>
-              <a:latin typeface="Consolas"/>
-              <a:cs typeface="Consolas"/>
-            </a:endParaRPr>
           </a:p>
         </p:txBody>
       </p:sp>
@@ -5262,8 +6852,8 @@
         </p:blipFill>
         <p:spPr>
           <a:xfrm>
-            <a:off x="6863865" y="1404335"/>
-            <a:ext cx="791550" cy="828365"/>
+            <a:off x="4386835" y="898775"/>
+            <a:ext cx="505896" cy="530154"/>
           </a:xfrm>
           <a:prstGeom prst="rect">
             <a:avLst/>
